--- a/VivaSlides.pptx
+++ b/VivaSlides.pptx
@@ -8,7 +8,8 @@
     <p:sldId id="256" r:id="rId2"/>
     <p:sldId id="258" r:id="rId3"/>
     <p:sldId id="259" r:id="rId4"/>
-    <p:sldId id="260" r:id="rId5"/>
+    <p:sldId id="261" r:id="rId5"/>
+    <p:sldId id="260" r:id="rId6"/>
   </p:sldIdLst>
   <p:sldSz cx="12192000" cy="6858000"/>
   <p:notesSz cx="6858000" cy="9144000"/>
@@ -7505,10 +7506,47 @@
             </a:lvl9pPr>
           </a:lstStyle>
           <a:p>
+            <a:pPr>
+              <a:lnSpc>
+                <a:spcPct val="150000"/>
+              </a:lnSpc>
+            </a:pPr>
             <a:r>
               <a:rPr lang="en-US" sz="1800" dirty="0" smtClean="0"/>
-              <a:t>[1] Allocation Strategy: Global optimum allocation algorithm</a:t>
-            </a:r>
+              <a:t>[1] </a:t>
+            </a:r>
+            <a:r>
+              <a:rPr lang="en-US" sz="1800" b="1" dirty="0" smtClean="0"/>
+              <a:t>Allocation Strategy</a:t>
+            </a:r>
+            <a:r>
+              <a:rPr lang="en-US" sz="1800" dirty="0" smtClean="0"/>
+              <a:t>: Global optimum allocation algorithm</a:t>
+            </a:r>
+          </a:p>
+          <a:p>
+            <a:pPr lvl="0" defTabSz="457200">
+              <a:lnSpc>
+                <a:spcPct val="150000"/>
+              </a:lnSpc>
+              <a:spcBef>
+                <a:spcPts val="0"/>
+              </a:spcBef>
+              <a:buClrTx/>
+            </a:pPr>
+            <a:r>
+              <a:rPr lang="en-US" sz="1800" dirty="0" smtClean="0"/>
+              <a:t>[2] </a:t>
+            </a:r>
+            <a:r>
+              <a:rPr lang="en-US" sz="1800" b="1" dirty="0"/>
+              <a:t>Allocation Strategy</a:t>
+            </a:r>
+            <a:r>
+              <a:rPr lang="en-US" sz="1800" dirty="0"/>
+              <a:t>: Greedy flights, hotel &amp; entertainments</a:t>
+            </a:r>
+            <a:endParaRPr lang="en-US" sz="1800" dirty="0"/>
           </a:p>
           <a:p>
             <a:pPr lvl="0" defTabSz="457200">
@@ -7521,14 +7559,13 @@
               <a:buClrTx/>
             </a:pPr>
             <a:r>
-              <a:rPr lang="en-US" sz="1800" dirty="0" smtClean="0"/>
-              <a:t>[2] </a:t>
-            </a:r>
-            <a:r>
-              <a:rPr lang="en-US" sz="1800" dirty="0"/>
-              <a:t>Allocation Strategy: Greedy flights, hotel &amp; entertainments</a:t>
-            </a:r>
-            <a:endParaRPr lang="en-US" sz="1800" dirty="0"/>
+              <a:rPr lang="en-US" sz="1400" dirty="0"/>
+              <a:t>	</a:t>
+            </a:r>
+            <a:r>
+              <a:rPr lang="en-US" sz="1400" dirty="0" smtClean="0"/>
+              <a:t>Hotels greedily based on estimated cost, ownership and utility</a:t>
+            </a:r>
           </a:p>
           <a:p>
             <a:pPr lvl="0" defTabSz="457200">
@@ -7546,7 +7583,7 @@
             </a:r>
             <a:r>
               <a:rPr lang="en-US" sz="1400" dirty="0" smtClean="0"/>
-              <a:t>Hotels greedily based on estimated cost, ownership and utility</a:t>
+              <a:t>Flights based on hotel allocation</a:t>
             </a:r>
           </a:p>
           <a:p>
@@ -7565,13 +7602,13 @@
             </a:r>
             <a:r>
               <a:rPr lang="en-US" sz="1400" dirty="0" smtClean="0"/>
-              <a:t>Flights based on hotel allocation</a:t>
+              <a:t>Entertainment greedily based on cost, ownership, utility and bid price</a:t>
             </a:r>
           </a:p>
           <a:p>
             <a:pPr lvl="0" defTabSz="457200">
               <a:lnSpc>
-                <a:spcPct val="100000"/>
+                <a:spcPct val="150000"/>
               </a:lnSpc>
               <a:spcBef>
                 <a:spcPts val="0"/>
@@ -7579,33 +7616,30 @@
               <a:buClrTx/>
             </a:pPr>
             <a:r>
-              <a:rPr lang="en-US" sz="1400" dirty="0"/>
-              <a:t>	</a:t>
-            </a:r>
-            <a:r>
-              <a:rPr lang="en-US" sz="1400" dirty="0" smtClean="0"/>
-              <a:t>Entertainment greedily based on cost, ownership, utility and bid price</a:t>
-            </a:r>
-          </a:p>
-          <a:p>
-            <a:pPr lvl="0" defTabSz="457200">
-              <a:lnSpc>
-                <a:spcPct val="100000"/>
-              </a:lnSpc>
-              <a:spcBef>
-                <a:spcPts val="0"/>
-              </a:spcBef>
-              <a:buClrTx/>
-            </a:pPr>
-            <a:r>
               <a:rPr lang="en-US" sz="1800" dirty="0" smtClean="0"/>
-              <a:t>[1] Bidding Strategy: Bidding max two hotels per package at once</a:t>
-            </a:r>
-          </a:p>
-          <a:p>
+              <a:t>[1] </a:t>
+            </a:r>
+            <a:r>
+              <a:rPr lang="en-US" sz="1800" b="1" dirty="0" smtClean="0"/>
+              <a:t>Bidding Strategy</a:t>
+            </a:r>
             <a:r>
               <a:rPr lang="en-US" sz="1800" dirty="0" smtClean="0"/>
-              <a:t>[1] Estimating Prices: </a:t>
+              <a:t>: Bidding max two hotels per package at once</a:t>
+            </a:r>
+          </a:p>
+          <a:p>
+            <a:r>
+              <a:rPr lang="en-US" sz="1800" dirty="0" smtClean="0"/>
+              <a:t>[1] </a:t>
+            </a:r>
+            <a:r>
+              <a:rPr lang="en-US" sz="1800" b="1" dirty="0" smtClean="0"/>
+              <a:t>Estimating Prices</a:t>
+            </a:r>
+            <a:r>
+              <a:rPr lang="en-US" sz="1800" dirty="0" smtClean="0"/>
+              <a:t>: </a:t>
             </a:r>
           </a:p>
           <a:p>
@@ -7647,7 +7681,7 @@
           <a:p>
             <a:pPr>
               <a:lnSpc>
-                <a:spcPct val="100000"/>
+                <a:spcPct val="150000"/>
               </a:lnSpc>
               <a:spcBef>
                 <a:spcPts val="0"/>
@@ -7655,7 +7689,37 @@
             </a:pPr>
             <a:r>
               <a:rPr lang="en-US" sz="1800" dirty="0" smtClean="0"/>
-              <a:t>[1] At what time to bid on each auction, and how</a:t>
+              <a:t>[1] </a:t>
+            </a:r>
+            <a:r>
+              <a:rPr lang="en-US" sz="1800" b="1" dirty="0" smtClean="0"/>
+              <a:t>Bidding Strategy</a:t>
+            </a:r>
+            <a:r>
+              <a:rPr lang="en-US" sz="1800" dirty="0" smtClean="0"/>
+              <a:t>: What time to bid on each auction, and how</a:t>
+            </a:r>
+          </a:p>
+          <a:p>
+            <a:pPr>
+              <a:lnSpc>
+                <a:spcPct val="150000"/>
+              </a:lnSpc>
+              <a:spcBef>
+                <a:spcPts val="0"/>
+              </a:spcBef>
+            </a:pPr>
+            <a:r>
+              <a:rPr lang="en-US" sz="1800" dirty="0" smtClean="0"/>
+              <a:t>[2] </a:t>
+            </a:r>
+            <a:r>
+              <a:rPr lang="en-US" sz="1800" b="1" dirty="0" smtClean="0"/>
+              <a:t>Bidding Strategy</a:t>
+            </a:r>
+            <a:r>
+              <a:rPr lang="en-US" sz="1800" dirty="0" smtClean="0"/>
+              <a:t>: Early or deliberate bidding, or both</a:t>
             </a:r>
             <a:endParaRPr lang="en-US" sz="1800" dirty="0"/>
           </a:p>
@@ -7729,6 +7793,115 @@
 </file>
 
 <file path=ppt/slides/slide4.xml><?xml version="1.0" encoding="utf-8"?>
+<p:sld xmlns:a="http://schemas.openxmlformats.org/drawingml/2006/main" xmlns:r="http://schemas.openxmlformats.org/officeDocument/2006/relationships" xmlns:p="http://schemas.openxmlformats.org/presentationml/2006/main">
+  <p:cSld>
+    <p:spTree>
+      <p:nvGrpSpPr>
+        <p:cNvPr id="1" name=""/>
+        <p:cNvGrpSpPr/>
+        <p:nvPr/>
+      </p:nvGrpSpPr>
+      <p:grpSpPr>
+        <a:xfrm>
+          <a:off x="0" y="0"/>
+          <a:ext cx="0" cy="0"/>
+          <a:chOff x="0" y="0"/>
+          <a:chExt cx="0" cy="0"/>
+        </a:xfrm>
+      </p:grpSpPr>
+      <p:sp>
+        <p:nvSpPr>
+          <p:cNvPr id="2" name="Title 1"/>
+          <p:cNvSpPr>
+            <a:spLocks noGrp="1"/>
+          </p:cNvSpPr>
+          <p:nvPr>
+            <p:ph type="title"/>
+          </p:nvPr>
+        </p:nvSpPr>
+        <p:spPr/>
+        <p:txBody>
+          <a:bodyPr/>
+          <a:lstStyle/>
+          <a:p>
+            <a:r>
+              <a:rPr lang="en-US" dirty="0" smtClean="0"/>
+              <a:t>Employed Strategy</a:t>
+            </a:r>
+            <a:endParaRPr lang="en-US" dirty="0"/>
+          </a:p>
+        </p:txBody>
+      </p:sp>
+      <p:sp>
+        <p:nvSpPr>
+          <p:cNvPr id="3" name="Content Placeholder 2"/>
+          <p:cNvSpPr>
+            <a:spLocks noGrp="1"/>
+          </p:cNvSpPr>
+          <p:nvPr>
+            <p:ph idx="1"/>
+          </p:nvPr>
+        </p:nvSpPr>
+        <p:spPr/>
+        <p:txBody>
+          <a:bodyPr/>
+          <a:lstStyle/>
+          <a:p>
+            <a:r>
+              <a:rPr lang="en-US" smtClean="0"/>
+              <a:t>Test</a:t>
+            </a:r>
+            <a:endParaRPr lang="en-US" dirty="0"/>
+          </a:p>
+        </p:txBody>
+      </p:sp>
+      <p:sp>
+        <p:nvSpPr>
+          <p:cNvPr id="5" name="Rectangle 4"/>
+          <p:cNvSpPr/>
+          <p:nvPr/>
+        </p:nvSpPr>
+        <p:spPr>
+          <a:xfrm>
+            <a:off x="1251678" y="1128451"/>
+            <a:ext cx="4782784" cy="384721"/>
+          </a:xfrm>
+          <a:prstGeom prst="rect">
+            <a:avLst/>
+          </a:prstGeom>
+        </p:spPr>
+        <p:txBody>
+          <a:bodyPr wrap="none">
+            <a:spAutoFit/>
+          </a:bodyPr>
+          <a:lstStyle/>
+          <a:p>
+            <a:r>
+              <a:rPr lang="en-US" sz="1900" b="1" cap="all" spc="300" dirty="0" smtClean="0">
+                <a:solidFill>
+                  <a:srgbClr val="F8B323"/>
+                </a:solidFill>
+              </a:rPr>
+              <a:t>Bidding strategy: Hotels</a:t>
+            </a:r>
+            <a:endParaRPr lang="en-US" dirty="0"/>
+          </a:p>
+        </p:txBody>
+      </p:sp>
+    </p:spTree>
+    <p:extLst>
+      <p:ext uri="{BB962C8B-B14F-4D97-AF65-F5344CB8AC3E}">
+        <p14:creationId xmlns:p14="http://schemas.microsoft.com/office/powerpoint/2010/main" val="800112262"/>
+      </p:ext>
+    </p:extLst>
+  </p:cSld>
+  <p:clrMapOvr>
+    <a:masterClrMapping/>
+  </p:clrMapOvr>
+</p:sld>
+</file>
+
+<file path=ppt/slides/slide5.xml><?xml version="1.0" encoding="utf-8"?>
 <p:sld xmlns:a="http://schemas.openxmlformats.org/drawingml/2006/main" xmlns:r="http://schemas.openxmlformats.org/officeDocument/2006/relationships" xmlns:p="http://schemas.openxmlformats.org/presentationml/2006/main">
   <p:cSld>
     <p:spTree>

--- a/VivaSlides.pptx
+++ b/VivaSlides.pptx
@@ -4,12 +4,20 @@
   <p:sldMasterIdLst>
     <p:sldMasterId id="2147483648" r:id="rId1"/>
   </p:sldMasterIdLst>
+  <p:notesMasterIdLst>
+    <p:notesMasterId r:id="rId12"/>
+  </p:notesMasterIdLst>
   <p:sldIdLst>
     <p:sldId id="256" r:id="rId2"/>
-    <p:sldId id="258" r:id="rId3"/>
-    <p:sldId id="259" r:id="rId4"/>
-    <p:sldId id="261" r:id="rId5"/>
-    <p:sldId id="260" r:id="rId6"/>
+    <p:sldId id="265" r:id="rId3"/>
+    <p:sldId id="266" r:id="rId4"/>
+    <p:sldId id="258" r:id="rId5"/>
+    <p:sldId id="259" r:id="rId6"/>
+    <p:sldId id="263" r:id="rId7"/>
+    <p:sldId id="261" r:id="rId8"/>
+    <p:sldId id="262" r:id="rId9"/>
+    <p:sldId id="264" r:id="rId10"/>
+    <p:sldId id="260" r:id="rId11"/>
   </p:sldIdLst>
   <p:sldSz cx="12192000" cy="6858000"/>
   <p:notesSz cx="6858000" cy="9144000"/>
@@ -108,7 +116,638 @@
       </a:defRPr>
     </a:lvl9pPr>
   </p:defaultTextStyle>
+  <p:extLst>
+    <p:ext uri="{EFAFB233-063F-42B5-8137-9DF3F51BA10A}">
+      <p15:sldGuideLst xmlns:p15="http://schemas.microsoft.com/office/powerpoint/2012/main"/>
+    </p:ext>
+  </p:extLst>
 </p:presentation>
+</file>
+
+<file path=ppt/notesMasters/notesMaster1.xml><?xml version="1.0" encoding="utf-8"?>
+<p:notesMaster xmlns:a="http://schemas.openxmlformats.org/drawingml/2006/main" xmlns:r="http://schemas.openxmlformats.org/officeDocument/2006/relationships" xmlns:p="http://schemas.openxmlformats.org/presentationml/2006/main">
+  <p:cSld>
+    <p:bg>
+      <p:bgRef idx="1001">
+        <a:schemeClr val="bg1"/>
+      </p:bgRef>
+    </p:bg>
+    <p:spTree>
+      <p:nvGrpSpPr>
+        <p:cNvPr id="1" name=""/>
+        <p:cNvGrpSpPr/>
+        <p:nvPr/>
+      </p:nvGrpSpPr>
+      <p:grpSpPr>
+        <a:xfrm>
+          <a:off x="0" y="0"/>
+          <a:ext cx="0" cy="0"/>
+          <a:chOff x="0" y="0"/>
+          <a:chExt cx="0" cy="0"/>
+        </a:xfrm>
+      </p:grpSpPr>
+      <p:sp>
+        <p:nvSpPr>
+          <p:cNvPr id="2" name="Header Placeholder 1"/>
+          <p:cNvSpPr>
+            <a:spLocks noGrp="1"/>
+          </p:cNvSpPr>
+          <p:nvPr>
+            <p:ph type="hdr" sz="quarter"/>
+          </p:nvPr>
+        </p:nvSpPr>
+        <p:spPr>
+          <a:xfrm>
+            <a:off x="0" y="0"/>
+            <a:ext cx="2971800" cy="458788"/>
+          </a:xfrm>
+          <a:prstGeom prst="rect">
+            <a:avLst/>
+          </a:prstGeom>
+        </p:spPr>
+        <p:txBody>
+          <a:bodyPr vert="horz" lIns="91440" tIns="45720" rIns="91440" bIns="45720" rtlCol="0"/>
+          <a:lstStyle>
+            <a:lvl1pPr algn="l">
+              <a:defRPr sz="1200"/>
+            </a:lvl1pPr>
+          </a:lstStyle>
+          <a:p>
+            <a:endParaRPr lang="en-US"/>
+          </a:p>
+        </p:txBody>
+      </p:sp>
+      <p:sp>
+        <p:nvSpPr>
+          <p:cNvPr id="3" name="Date Placeholder 2"/>
+          <p:cNvSpPr>
+            <a:spLocks noGrp="1"/>
+          </p:cNvSpPr>
+          <p:nvPr>
+            <p:ph type="dt" idx="1"/>
+          </p:nvPr>
+        </p:nvSpPr>
+        <p:spPr>
+          <a:xfrm>
+            <a:off x="3884613" y="0"/>
+            <a:ext cx="2971800" cy="458788"/>
+          </a:xfrm>
+          <a:prstGeom prst="rect">
+            <a:avLst/>
+          </a:prstGeom>
+        </p:spPr>
+        <p:txBody>
+          <a:bodyPr vert="horz" lIns="91440" tIns="45720" rIns="91440" bIns="45720" rtlCol="0"/>
+          <a:lstStyle>
+            <a:lvl1pPr algn="r">
+              <a:defRPr sz="1200"/>
+            </a:lvl1pPr>
+          </a:lstStyle>
+          <a:p>
+            <a:fld id="{27CC76A3-AE08-BD49-BEFA-FB5D910540E9}" type="datetimeFigureOut">
+              <a:rPr lang="en-US" smtClean="0"/>
+              <a:t>11/3/15</a:t>
+            </a:fld>
+            <a:endParaRPr lang="en-US"/>
+          </a:p>
+        </p:txBody>
+      </p:sp>
+      <p:sp>
+        <p:nvSpPr>
+          <p:cNvPr id="4" name="Slide Image Placeholder 3"/>
+          <p:cNvSpPr>
+            <a:spLocks noGrp="1" noRot="1" noChangeAspect="1"/>
+          </p:cNvSpPr>
+          <p:nvPr>
+            <p:ph type="sldImg" idx="2"/>
+          </p:nvPr>
+        </p:nvSpPr>
+        <p:spPr>
+          <a:xfrm>
+            <a:off x="685800" y="1143000"/>
+            <a:ext cx="5486400" cy="3086100"/>
+          </a:xfrm>
+          <a:prstGeom prst="rect">
+            <a:avLst/>
+          </a:prstGeom>
+          <a:noFill/>
+          <a:ln w="12700">
+            <a:solidFill>
+              <a:prstClr val="black"/>
+            </a:solidFill>
+          </a:ln>
+        </p:spPr>
+        <p:txBody>
+          <a:bodyPr vert="horz" lIns="91440" tIns="45720" rIns="91440" bIns="45720" rtlCol="0" anchor="ctr"/>
+          <a:lstStyle/>
+          <a:p>
+            <a:endParaRPr lang="en-US"/>
+          </a:p>
+        </p:txBody>
+      </p:sp>
+      <p:sp>
+        <p:nvSpPr>
+          <p:cNvPr id="5" name="Notes Placeholder 4"/>
+          <p:cNvSpPr>
+            <a:spLocks noGrp="1"/>
+          </p:cNvSpPr>
+          <p:nvPr>
+            <p:ph type="body" sz="quarter" idx="3"/>
+          </p:nvPr>
+        </p:nvSpPr>
+        <p:spPr>
+          <a:xfrm>
+            <a:off x="685800" y="4400550"/>
+            <a:ext cx="5486400" cy="3600450"/>
+          </a:xfrm>
+          <a:prstGeom prst="rect">
+            <a:avLst/>
+          </a:prstGeom>
+        </p:spPr>
+        <p:txBody>
+          <a:bodyPr vert="horz" lIns="91440" tIns="45720" rIns="91440" bIns="45720" rtlCol="0"/>
+          <a:lstStyle/>
+          <a:p>
+            <a:pPr lvl="0"/>
+            <a:r>
+              <a:rPr lang="en-GB" smtClean="0"/>
+              <a:t>Click to edit Master text styles</a:t>
+            </a:r>
+          </a:p>
+          <a:p>
+            <a:pPr lvl="1"/>
+            <a:r>
+              <a:rPr lang="en-GB" smtClean="0"/>
+              <a:t>Second level</a:t>
+            </a:r>
+          </a:p>
+          <a:p>
+            <a:pPr lvl="2"/>
+            <a:r>
+              <a:rPr lang="en-GB" smtClean="0"/>
+              <a:t>Third level</a:t>
+            </a:r>
+          </a:p>
+          <a:p>
+            <a:pPr lvl="3"/>
+            <a:r>
+              <a:rPr lang="en-GB" smtClean="0"/>
+              <a:t>Fourth level</a:t>
+            </a:r>
+          </a:p>
+          <a:p>
+            <a:pPr lvl="4"/>
+            <a:r>
+              <a:rPr lang="en-GB" smtClean="0"/>
+              <a:t>Fifth level</a:t>
+            </a:r>
+            <a:endParaRPr lang="en-US"/>
+          </a:p>
+        </p:txBody>
+      </p:sp>
+      <p:sp>
+        <p:nvSpPr>
+          <p:cNvPr id="6" name="Footer Placeholder 5"/>
+          <p:cNvSpPr>
+            <a:spLocks noGrp="1"/>
+          </p:cNvSpPr>
+          <p:nvPr>
+            <p:ph type="ftr" sz="quarter" idx="4"/>
+          </p:nvPr>
+        </p:nvSpPr>
+        <p:spPr>
+          <a:xfrm>
+            <a:off x="0" y="8685213"/>
+            <a:ext cx="2971800" cy="458787"/>
+          </a:xfrm>
+          <a:prstGeom prst="rect">
+            <a:avLst/>
+          </a:prstGeom>
+        </p:spPr>
+        <p:txBody>
+          <a:bodyPr vert="horz" lIns="91440" tIns="45720" rIns="91440" bIns="45720" rtlCol="0" anchor="b"/>
+          <a:lstStyle>
+            <a:lvl1pPr algn="l">
+              <a:defRPr sz="1200"/>
+            </a:lvl1pPr>
+          </a:lstStyle>
+          <a:p>
+            <a:endParaRPr lang="en-US"/>
+          </a:p>
+        </p:txBody>
+      </p:sp>
+      <p:sp>
+        <p:nvSpPr>
+          <p:cNvPr id="7" name="Slide Number Placeholder 6"/>
+          <p:cNvSpPr>
+            <a:spLocks noGrp="1"/>
+          </p:cNvSpPr>
+          <p:nvPr>
+            <p:ph type="sldNum" sz="quarter" idx="5"/>
+          </p:nvPr>
+        </p:nvSpPr>
+        <p:spPr>
+          <a:xfrm>
+            <a:off x="3884613" y="8685213"/>
+            <a:ext cx="2971800" cy="458787"/>
+          </a:xfrm>
+          <a:prstGeom prst="rect">
+            <a:avLst/>
+          </a:prstGeom>
+        </p:spPr>
+        <p:txBody>
+          <a:bodyPr vert="horz" lIns="91440" tIns="45720" rIns="91440" bIns="45720" rtlCol="0" anchor="b"/>
+          <a:lstStyle>
+            <a:lvl1pPr algn="r">
+              <a:defRPr sz="1200"/>
+            </a:lvl1pPr>
+          </a:lstStyle>
+          <a:p>
+            <a:fld id="{1E2AC23D-789A-5743-BC1D-F2EA34F8C5C4}" type="slidenum">
+              <a:rPr lang="en-US" smtClean="0"/>
+              <a:t>‹#›</a:t>
+            </a:fld>
+            <a:endParaRPr lang="en-US"/>
+          </a:p>
+        </p:txBody>
+      </p:sp>
+    </p:spTree>
+    <p:extLst>
+      <p:ext uri="{BB962C8B-B14F-4D97-AF65-F5344CB8AC3E}">
+        <p14:creationId xmlns:p14="http://schemas.microsoft.com/office/powerpoint/2010/main" val="550970008"/>
+      </p:ext>
+    </p:extLst>
+  </p:cSld>
+  <p:clrMap bg1="lt1" tx1="dk1" bg2="lt2" tx2="dk2" accent1="accent1" accent2="accent2" accent3="accent3" accent4="accent4" accent5="accent5" accent6="accent6" hlink="hlink" folHlink="folHlink"/>
+  <p:notesStyle>
+    <a:lvl1pPr marL="0" algn="l" defTabSz="914400" rtl="0" eaLnBrk="1" latinLnBrk="0" hangingPunct="1">
+      <a:defRPr sz="1200" kern="1200">
+        <a:solidFill>
+          <a:schemeClr val="tx1"/>
+        </a:solidFill>
+        <a:latin typeface="+mn-lt"/>
+        <a:ea typeface="+mn-ea"/>
+        <a:cs typeface="+mn-cs"/>
+      </a:defRPr>
+    </a:lvl1pPr>
+    <a:lvl2pPr marL="457200" algn="l" defTabSz="914400" rtl="0" eaLnBrk="1" latinLnBrk="0" hangingPunct="1">
+      <a:defRPr sz="1200" kern="1200">
+        <a:solidFill>
+          <a:schemeClr val="tx1"/>
+        </a:solidFill>
+        <a:latin typeface="+mn-lt"/>
+        <a:ea typeface="+mn-ea"/>
+        <a:cs typeface="+mn-cs"/>
+      </a:defRPr>
+    </a:lvl2pPr>
+    <a:lvl3pPr marL="914400" algn="l" defTabSz="914400" rtl="0" eaLnBrk="1" latinLnBrk="0" hangingPunct="1">
+      <a:defRPr sz="1200" kern="1200">
+        <a:solidFill>
+          <a:schemeClr val="tx1"/>
+        </a:solidFill>
+        <a:latin typeface="+mn-lt"/>
+        <a:ea typeface="+mn-ea"/>
+        <a:cs typeface="+mn-cs"/>
+      </a:defRPr>
+    </a:lvl3pPr>
+    <a:lvl4pPr marL="1371600" algn="l" defTabSz="914400" rtl="0" eaLnBrk="1" latinLnBrk="0" hangingPunct="1">
+      <a:defRPr sz="1200" kern="1200">
+        <a:solidFill>
+          <a:schemeClr val="tx1"/>
+        </a:solidFill>
+        <a:latin typeface="+mn-lt"/>
+        <a:ea typeface="+mn-ea"/>
+        <a:cs typeface="+mn-cs"/>
+      </a:defRPr>
+    </a:lvl4pPr>
+    <a:lvl5pPr marL="1828800" algn="l" defTabSz="914400" rtl="0" eaLnBrk="1" latinLnBrk="0" hangingPunct="1">
+      <a:defRPr sz="1200" kern="1200">
+        <a:solidFill>
+          <a:schemeClr val="tx1"/>
+        </a:solidFill>
+        <a:latin typeface="+mn-lt"/>
+        <a:ea typeface="+mn-ea"/>
+        <a:cs typeface="+mn-cs"/>
+      </a:defRPr>
+    </a:lvl5pPr>
+    <a:lvl6pPr marL="2286000" algn="l" defTabSz="914400" rtl="0" eaLnBrk="1" latinLnBrk="0" hangingPunct="1">
+      <a:defRPr sz="1200" kern="1200">
+        <a:solidFill>
+          <a:schemeClr val="tx1"/>
+        </a:solidFill>
+        <a:latin typeface="+mn-lt"/>
+        <a:ea typeface="+mn-ea"/>
+        <a:cs typeface="+mn-cs"/>
+      </a:defRPr>
+    </a:lvl6pPr>
+    <a:lvl7pPr marL="2743200" algn="l" defTabSz="914400" rtl="0" eaLnBrk="1" latinLnBrk="0" hangingPunct="1">
+      <a:defRPr sz="1200" kern="1200">
+        <a:solidFill>
+          <a:schemeClr val="tx1"/>
+        </a:solidFill>
+        <a:latin typeface="+mn-lt"/>
+        <a:ea typeface="+mn-ea"/>
+        <a:cs typeface="+mn-cs"/>
+      </a:defRPr>
+    </a:lvl7pPr>
+    <a:lvl8pPr marL="3200400" algn="l" defTabSz="914400" rtl="0" eaLnBrk="1" latinLnBrk="0" hangingPunct="1">
+      <a:defRPr sz="1200" kern="1200">
+        <a:solidFill>
+          <a:schemeClr val="tx1"/>
+        </a:solidFill>
+        <a:latin typeface="+mn-lt"/>
+        <a:ea typeface="+mn-ea"/>
+        <a:cs typeface="+mn-cs"/>
+      </a:defRPr>
+    </a:lvl8pPr>
+    <a:lvl9pPr marL="3657600" algn="l" defTabSz="914400" rtl="0" eaLnBrk="1" latinLnBrk="0" hangingPunct="1">
+      <a:defRPr sz="1200" kern="1200">
+        <a:solidFill>
+          <a:schemeClr val="tx1"/>
+        </a:solidFill>
+        <a:latin typeface="+mn-lt"/>
+        <a:ea typeface="+mn-ea"/>
+        <a:cs typeface="+mn-cs"/>
+      </a:defRPr>
+    </a:lvl9pPr>
+  </p:notesStyle>
+</p:notesMaster>
+</file>
+
+<file path=ppt/notesSlides/notesSlide1.xml><?xml version="1.0" encoding="utf-8"?>
+<p:notes xmlns:a="http://schemas.openxmlformats.org/drawingml/2006/main" xmlns:r="http://schemas.openxmlformats.org/officeDocument/2006/relationships" xmlns:p="http://schemas.openxmlformats.org/presentationml/2006/main">
+  <p:cSld>
+    <p:spTree>
+      <p:nvGrpSpPr>
+        <p:cNvPr id="1" name=""/>
+        <p:cNvGrpSpPr/>
+        <p:nvPr/>
+      </p:nvGrpSpPr>
+      <p:grpSpPr>
+        <a:xfrm>
+          <a:off x="0" y="0"/>
+          <a:ext cx="0" cy="0"/>
+          <a:chOff x="0" y="0"/>
+          <a:chExt cx="0" cy="0"/>
+        </a:xfrm>
+      </p:grpSpPr>
+      <p:sp>
+        <p:nvSpPr>
+          <p:cNvPr id="2" name="Slide Image Placeholder 1"/>
+          <p:cNvSpPr>
+            <a:spLocks noGrp="1" noRot="1" noChangeAspect="1"/>
+          </p:cNvSpPr>
+          <p:nvPr>
+            <p:ph type="sldImg"/>
+          </p:nvPr>
+        </p:nvSpPr>
+        <p:spPr/>
+      </p:sp>
+      <p:sp>
+        <p:nvSpPr>
+          <p:cNvPr id="3" name="Notes Placeholder 2"/>
+          <p:cNvSpPr>
+            <a:spLocks noGrp="1"/>
+          </p:cNvSpPr>
+          <p:nvPr>
+            <p:ph type="body" idx="1"/>
+          </p:nvPr>
+        </p:nvSpPr>
+        <p:spPr/>
+        <p:txBody>
+          <a:bodyPr/>
+          <a:lstStyle/>
+          <a:p>
+            <a:endParaRPr lang="en-US" dirty="0"/>
+          </a:p>
+        </p:txBody>
+      </p:sp>
+      <p:sp>
+        <p:nvSpPr>
+          <p:cNvPr id="4" name="Slide Number Placeholder 3"/>
+          <p:cNvSpPr>
+            <a:spLocks noGrp="1"/>
+          </p:cNvSpPr>
+          <p:nvPr>
+            <p:ph type="sldNum" sz="quarter" idx="10"/>
+          </p:nvPr>
+        </p:nvSpPr>
+        <p:spPr/>
+        <p:txBody>
+          <a:bodyPr/>
+          <a:lstStyle/>
+          <a:p>
+            <a:fld id="{1E2AC23D-789A-5743-BC1D-F2EA34F8C5C4}" type="slidenum">
+              <a:rPr lang="en-US" smtClean="0"/>
+              <a:t>3</a:t>
+            </a:fld>
+            <a:endParaRPr lang="en-US"/>
+          </a:p>
+        </p:txBody>
+      </p:sp>
+    </p:spTree>
+    <p:extLst>
+      <p:ext uri="{BB962C8B-B14F-4D97-AF65-F5344CB8AC3E}">
+        <p14:creationId xmlns:p14="http://schemas.microsoft.com/office/powerpoint/2010/main" val="1960083939"/>
+      </p:ext>
+    </p:extLst>
+  </p:cSld>
+  <p:clrMapOvr>
+    <a:masterClrMapping/>
+  </p:clrMapOvr>
+</p:notes>
+</file>
+
+<file path=ppt/notesSlides/notesSlide2.xml><?xml version="1.0" encoding="utf-8"?>
+<p:notes xmlns:a="http://schemas.openxmlformats.org/drawingml/2006/main" xmlns:r="http://schemas.openxmlformats.org/officeDocument/2006/relationships" xmlns:p="http://schemas.openxmlformats.org/presentationml/2006/main">
+  <p:cSld>
+    <p:spTree>
+      <p:nvGrpSpPr>
+        <p:cNvPr id="1" name=""/>
+        <p:cNvGrpSpPr/>
+        <p:nvPr/>
+      </p:nvGrpSpPr>
+      <p:grpSpPr>
+        <a:xfrm>
+          <a:off x="0" y="0"/>
+          <a:ext cx="0" cy="0"/>
+          <a:chOff x="0" y="0"/>
+          <a:chExt cx="0" cy="0"/>
+        </a:xfrm>
+      </p:grpSpPr>
+      <p:sp>
+        <p:nvSpPr>
+          <p:cNvPr id="2" name="Slide Image Placeholder 1"/>
+          <p:cNvSpPr>
+            <a:spLocks noGrp="1" noRot="1" noChangeAspect="1"/>
+          </p:cNvSpPr>
+          <p:nvPr>
+            <p:ph type="sldImg"/>
+          </p:nvPr>
+        </p:nvSpPr>
+        <p:spPr/>
+      </p:sp>
+      <p:sp>
+        <p:nvSpPr>
+          <p:cNvPr id="3" name="Notes Placeholder 2"/>
+          <p:cNvSpPr>
+            <a:spLocks noGrp="1"/>
+          </p:cNvSpPr>
+          <p:nvPr>
+            <p:ph type="body" idx="1"/>
+          </p:nvPr>
+        </p:nvSpPr>
+        <p:spPr/>
+        <p:txBody>
+          <a:bodyPr/>
+          <a:lstStyle/>
+          <a:p>
+            <a:r>
+              <a:rPr lang="en-US" dirty="0" smtClean="0"/>
+              <a:t>Global</a:t>
+            </a:r>
+            <a:r>
+              <a:rPr lang="en-US" baseline="0" dirty="0" smtClean="0"/>
+              <a:t> Optimum: </a:t>
+            </a:r>
+            <a:r>
+              <a:rPr lang="en-US" baseline="0" dirty="0" err="1" smtClean="0"/>
+              <a:t>RoxyBot</a:t>
+            </a:r>
+            <a:r>
+              <a:rPr lang="en-US" baseline="0" dirty="0" smtClean="0"/>
+              <a:t> (The completer)</a:t>
+            </a:r>
+          </a:p>
+          <a:p>
+            <a:r>
+              <a:rPr lang="en-US" baseline="0" dirty="0" smtClean="0"/>
+              <a:t>Allocation Strategy: </a:t>
+            </a:r>
+            <a:r>
+              <a:rPr lang="en-US" baseline="0" dirty="0" err="1" smtClean="0"/>
+              <a:t>UmbcTAC</a:t>
+            </a:r>
+            <a:r>
+              <a:rPr lang="en-US" baseline="0" dirty="0" smtClean="0"/>
+              <a:t> (Individual itinerary per Client)</a:t>
+            </a:r>
+          </a:p>
+          <a:p>
+            <a:r>
+              <a:rPr lang="en-US" baseline="0" dirty="0" smtClean="0"/>
+              <a:t>Allocation Strategy: CUHK and </a:t>
+            </a:r>
+            <a:r>
+              <a:rPr lang="en-US" baseline="0" dirty="0" err="1" smtClean="0"/>
+              <a:t>Whitebear</a:t>
+            </a:r>
+            <a:r>
+              <a:rPr lang="en-US" baseline="0" dirty="0" smtClean="0"/>
+              <a:t> (Greedy flights/hotel/entertainment)</a:t>
+            </a:r>
+          </a:p>
+          <a:p>
+            <a:r>
+              <a:rPr lang="en-US" baseline="0" dirty="0" smtClean="0"/>
+              <a:t>Bidding Strategy: Aster (Max two hotels)</a:t>
+            </a:r>
+          </a:p>
+          <a:p>
+            <a:r>
+              <a:rPr lang="en-US" baseline="0" dirty="0" smtClean="0"/>
+              <a:t>Estimating Prices: By Design (Flights and Entertainment current costs)</a:t>
+            </a:r>
+          </a:p>
+          <a:p>
+            <a:r>
+              <a:rPr lang="en-US" baseline="0" dirty="0" smtClean="0"/>
+              <a:t>Estimating Prices: </a:t>
+            </a:r>
+            <a:r>
+              <a:rPr lang="en-US" baseline="0" dirty="0" err="1" smtClean="0"/>
+              <a:t>RoxyBot</a:t>
+            </a:r>
+            <a:r>
+              <a:rPr lang="en-US" baseline="0" dirty="0" smtClean="0"/>
+              <a:t>, Aster (Sunk costs are no costs)</a:t>
+            </a:r>
+          </a:p>
+          <a:p>
+            <a:r>
+              <a:rPr lang="en-US" baseline="0" dirty="0" smtClean="0"/>
+              <a:t>Bidding Strategy: </a:t>
+            </a:r>
+            <a:r>
+              <a:rPr lang="en-US" baseline="0" dirty="0" err="1" smtClean="0"/>
+              <a:t>Attac</a:t>
+            </a:r>
+            <a:r>
+              <a:rPr lang="en-US" baseline="0" dirty="0" smtClean="0"/>
+              <a:t> (When to bid in each auction)</a:t>
+            </a:r>
+          </a:p>
+          <a:p>
+            <a:r>
+              <a:rPr lang="en-US" baseline="0" dirty="0" smtClean="0"/>
+              <a:t>Bidding Strategy: Alta (Early), </a:t>
+            </a:r>
+            <a:r>
+              <a:rPr lang="en-US" baseline="0" dirty="0" err="1" smtClean="0"/>
+              <a:t>RoxyBot</a:t>
+            </a:r>
+            <a:r>
+              <a:rPr lang="en-US" baseline="0" dirty="0" smtClean="0"/>
+              <a:t> (Deliberate), </a:t>
+            </a:r>
+            <a:r>
+              <a:rPr lang="en-US" baseline="0" dirty="0" err="1" smtClean="0"/>
+              <a:t>ATTac</a:t>
+            </a:r>
+            <a:r>
+              <a:rPr lang="en-US" baseline="0" dirty="0" smtClean="0"/>
+              <a:t> (Both)</a:t>
+            </a:r>
+          </a:p>
+          <a:p>
+            <a:endParaRPr lang="en-US" baseline="0" dirty="0" smtClean="0"/>
+          </a:p>
+        </p:txBody>
+      </p:sp>
+      <p:sp>
+        <p:nvSpPr>
+          <p:cNvPr id="4" name="Slide Number Placeholder 3"/>
+          <p:cNvSpPr>
+            <a:spLocks noGrp="1"/>
+          </p:cNvSpPr>
+          <p:nvPr>
+            <p:ph type="sldNum" sz="quarter" idx="10"/>
+          </p:nvPr>
+        </p:nvSpPr>
+        <p:spPr/>
+        <p:txBody>
+          <a:bodyPr/>
+          <a:lstStyle/>
+          <a:p>
+            <a:fld id="{1E2AC23D-789A-5743-BC1D-F2EA34F8C5C4}" type="slidenum">
+              <a:rPr lang="en-US" smtClean="0"/>
+              <a:t>5</a:t>
+            </a:fld>
+            <a:endParaRPr lang="en-US"/>
+          </a:p>
+        </p:txBody>
+      </p:sp>
+    </p:spTree>
+    <p:extLst>
+      <p:ext uri="{BB962C8B-B14F-4D97-AF65-F5344CB8AC3E}">
+        <p14:creationId xmlns:p14="http://schemas.microsoft.com/office/powerpoint/2010/main" val="203438592"/>
+      </p:ext>
+    </p:extLst>
+  </p:cSld>
+  <p:clrMapOvr>
+    <a:masterClrMapping/>
+  </p:clrMapOvr>
+</p:notes>
 </file>
 
 <file path=ppt/slideLayouts/slideLayout1.xml><?xml version="1.0" encoding="utf-8"?>
@@ -1323,7 +1962,7 @@
             <a:fld id="{9334D819-9F07-4261-B09B-9E467E5D9002}" type="datetimeFigureOut">
               <a:rPr lang="en-US" dirty="0"/>
               <a:pPr/>
-              <a:t>11/2/15</a:t>
+              <a:t>11/3/15</a:t>
             </a:fld>
             <a:endParaRPr lang="en-US" dirty="0"/>
           </a:p>
@@ -1557,7 +2196,7 @@
           <a:p>
             <a:fld id="{9334D819-9F07-4261-B09B-9E467E5D9002}" type="datetimeFigureOut">
               <a:rPr lang="en-US" dirty="0"/>
-              <a:t>11/2/15</a:t>
+              <a:t>11/3/15</a:t>
             </a:fld>
             <a:endParaRPr lang="en-US" dirty="0"/>
           </a:p>
@@ -1732,7 +2371,7 @@
           <a:p>
             <a:fld id="{9334D819-9F07-4261-B09B-9E467E5D9002}" type="datetimeFigureOut">
               <a:rPr lang="en-US" dirty="0"/>
-              <a:t>11/2/15</a:t>
+              <a:t>11/3/15</a:t>
             </a:fld>
             <a:endParaRPr lang="en-US" dirty="0"/>
           </a:p>
@@ -1897,7 +2536,7 @@
           <a:p>
             <a:fld id="{9334D819-9F07-4261-B09B-9E467E5D9002}" type="datetimeFigureOut">
               <a:rPr lang="en-US" dirty="0"/>
-              <a:t>11/2/15</a:t>
+              <a:t>11/3/15</a:t>
             </a:fld>
             <a:endParaRPr lang="en-US" dirty="0"/>
           </a:p>
@@ -2169,7 +2808,7 @@
             <a:fld id="{9334D819-9F07-4261-B09B-9E467E5D9002}" type="datetimeFigureOut">
               <a:rPr lang="en-US" dirty="0"/>
               <a:pPr/>
-              <a:t>11/2/15</a:t>
+              <a:t>11/3/15</a:t>
             </a:fld>
             <a:endParaRPr lang="en-US" dirty="0"/>
           </a:p>
@@ -3366,7 +4005,7 @@
           <a:p>
             <a:fld id="{9334D819-9F07-4261-B09B-9E467E5D9002}" type="datetimeFigureOut">
               <a:rPr lang="en-US" dirty="0"/>
-              <a:t>11/2/15</a:t>
+              <a:t>11/3/15</a:t>
             </a:fld>
             <a:endParaRPr lang="en-US" dirty="0"/>
           </a:p>
@@ -3751,7 +4390,7 @@
           <a:p>
             <a:fld id="{9334D819-9F07-4261-B09B-9E467E5D9002}" type="datetimeFigureOut">
               <a:rPr lang="en-US" dirty="0"/>
-              <a:t>11/2/15</a:t>
+              <a:t>11/3/15</a:t>
             </a:fld>
             <a:endParaRPr lang="en-US" dirty="0"/>
           </a:p>
@@ -3869,7 +4508,7 @@
           <a:p>
             <a:fld id="{9334D819-9F07-4261-B09B-9E467E5D9002}" type="datetimeFigureOut">
               <a:rPr lang="en-US" dirty="0"/>
-              <a:t>11/2/15</a:t>
+              <a:t>11/3/15</a:t>
             </a:fld>
             <a:endParaRPr lang="en-US" dirty="0"/>
           </a:p>
@@ -3959,7 +4598,7 @@
           <a:p>
             <a:fld id="{9334D819-9F07-4261-B09B-9E467E5D9002}" type="datetimeFigureOut">
               <a:rPr lang="en-US" dirty="0"/>
-              <a:t>11/2/15</a:t>
+              <a:t>11/3/15</a:t>
             </a:fld>
             <a:endParaRPr lang="en-US" dirty="0"/>
           </a:p>
@@ -4717,7 +5356,7 @@
           <a:p>
             <a:fld id="{9334D819-9F07-4261-B09B-9E467E5D9002}" type="datetimeFigureOut">
               <a:rPr lang="en-US" dirty="0"/>
-              <a:t>11/2/15</a:t>
+              <a:t>11/3/15</a:t>
             </a:fld>
             <a:endParaRPr lang="en-US" dirty="0"/>
           </a:p>
@@ -5552,7 +6191,7 @@
           <a:p>
             <a:fld id="{9334D819-9F07-4261-B09B-9E467E5D9002}" type="datetimeFigureOut">
               <a:rPr lang="en-US" dirty="0"/>
-              <a:t>11/2/15</a:t>
+              <a:t>11/3/15</a:t>
             </a:fld>
             <a:endParaRPr lang="en-US" dirty="0"/>
           </a:p>
@@ -5775,7 +6414,7 @@
             <a:fld id="{9334D819-9F07-4261-B09B-9E467E5D9002}" type="datetimeFigureOut">
               <a:rPr lang="en-US" dirty="0"/>
               <a:pPr/>
-              <a:t>11/2/15</a:t>
+              <a:t>11/3/15</a:t>
             </a:fld>
             <a:endParaRPr lang="en-US" dirty="0"/>
           </a:p>
@@ -6847,7 +7486,7 @@
         </p:nvSpPr>
         <p:spPr>
           <a:xfrm>
-            <a:off x="4243746" y="113199"/>
+            <a:off x="4065616" y="113199"/>
             <a:ext cx="8045373" cy="742279"/>
           </a:xfrm>
           <a:prstGeom prst="rect">
@@ -7079,7 +7718,6 @@
               <a:rPr lang="en-US" sz="1800" dirty="0" smtClean="0"/>
               <a:t>Jw715 – Jamie Warburton</a:t>
             </a:r>
-            <a:endParaRPr lang="en-US" sz="1800" dirty="0" smtClean="0"/>
           </a:p>
         </p:txBody>
       </p:sp>
@@ -7087,6 +7725,112 @@
     <p:extLst>
       <p:ext uri="{BB962C8B-B14F-4D97-AF65-F5344CB8AC3E}">
         <p14:creationId xmlns:p14="http://schemas.microsoft.com/office/powerpoint/2010/main" val="1300792579"/>
+      </p:ext>
+    </p:extLst>
+  </p:cSld>
+  <p:clrMapOvr>
+    <a:masterClrMapping/>
+  </p:clrMapOvr>
+</p:sld>
+</file>
+
+<file path=ppt/slides/slide10.xml><?xml version="1.0" encoding="utf-8"?>
+<p:sld xmlns:a="http://schemas.openxmlformats.org/drawingml/2006/main" xmlns:r="http://schemas.openxmlformats.org/officeDocument/2006/relationships" xmlns:p="http://schemas.openxmlformats.org/presentationml/2006/main">
+  <p:cSld>
+    <p:spTree>
+      <p:nvGrpSpPr>
+        <p:cNvPr id="1" name=""/>
+        <p:cNvGrpSpPr/>
+        <p:nvPr/>
+      </p:nvGrpSpPr>
+      <p:grpSpPr>
+        <a:xfrm>
+          <a:off x="0" y="0"/>
+          <a:ext cx="0" cy="0"/>
+          <a:chOff x="0" y="0"/>
+          <a:chExt cx="0" cy="0"/>
+        </a:xfrm>
+      </p:grpSpPr>
+      <p:sp>
+        <p:nvSpPr>
+          <p:cNvPr id="2" name="Title 1"/>
+          <p:cNvSpPr>
+            <a:spLocks noGrp="1"/>
+          </p:cNvSpPr>
+          <p:nvPr>
+            <p:ph type="title"/>
+          </p:nvPr>
+        </p:nvSpPr>
+        <p:spPr/>
+        <p:txBody>
+          <a:bodyPr/>
+          <a:lstStyle/>
+          <a:p>
+            <a:r>
+              <a:rPr lang="en-US" dirty="0" smtClean="0"/>
+              <a:t>Main Problems</a:t>
+            </a:r>
+            <a:endParaRPr lang="en-US" dirty="0"/>
+          </a:p>
+        </p:txBody>
+      </p:sp>
+      <p:sp>
+        <p:nvSpPr>
+          <p:cNvPr id="3" name="Content Placeholder 2"/>
+          <p:cNvSpPr>
+            <a:spLocks noGrp="1"/>
+          </p:cNvSpPr>
+          <p:nvPr>
+            <p:ph idx="1"/>
+          </p:nvPr>
+        </p:nvSpPr>
+        <p:spPr/>
+        <p:txBody>
+          <a:bodyPr/>
+          <a:lstStyle/>
+          <a:p>
+            <a:r>
+              <a:rPr lang="en-US" dirty="0" smtClean="0"/>
+              <a:t>Changing hotel types could lead to purchasing redundant hotels if out outbid</a:t>
+            </a:r>
+          </a:p>
+          <a:p>
+            <a:pPr lvl="1"/>
+            <a:r>
+              <a:rPr lang="en-US" dirty="0" smtClean="0"/>
+              <a:t>Didn’t factor current bids in to price calculation (e.g. only changing package when outbid).</a:t>
+            </a:r>
+          </a:p>
+          <a:p>
+            <a:r>
+              <a:rPr lang="en-US" dirty="0" smtClean="0"/>
+              <a:t>Flight prices not factored in to package value algorithm</a:t>
+            </a:r>
+          </a:p>
+          <a:p>
+            <a:pPr lvl="1"/>
+            <a:r>
+              <a:rPr lang="en-US" dirty="0" smtClean="0"/>
+              <a:t>If a flight costs $800, giving package utility -200, but day before is $200 giving utility 0, should switch</a:t>
+            </a:r>
+            <a:r>
+              <a:rPr lang="en-US" dirty="0" smtClean="0"/>
+              <a:t>.</a:t>
+            </a:r>
+          </a:p>
+          <a:p>
+            <a:r>
+              <a:rPr lang="en-US" dirty="0" smtClean="0"/>
+              <a:t>Some hotels went for 0 that I didn’t bid on. Could place placed bids on {8, $1} for all</a:t>
+            </a:r>
+            <a:endParaRPr lang="en-US" dirty="0"/>
+          </a:p>
+        </p:txBody>
+      </p:sp>
+    </p:spTree>
+    <p:extLst>
+      <p:ext uri="{BB962C8B-B14F-4D97-AF65-F5344CB8AC3E}">
+        <p14:creationId xmlns:p14="http://schemas.microsoft.com/office/powerpoint/2010/main" val="767758370"/>
       </p:ext>
     </p:extLst>
   </p:cSld>
@@ -7130,6 +7874,244 @@
           <a:p>
             <a:r>
               <a:rPr lang="en-US" dirty="0" smtClean="0"/>
+              <a:t>What will we</a:t>
+            </a:r>
+            <a:br>
+              <a:rPr lang="en-US" dirty="0" smtClean="0"/>
+            </a:br>
+            <a:r>
+              <a:rPr lang="en-US" dirty="0" smtClean="0"/>
+              <a:t>do for you</a:t>
+            </a:r>
+            <a:endParaRPr lang="en-US" dirty="0"/>
+          </a:p>
+        </p:txBody>
+      </p:sp>
+      <p:sp>
+        <p:nvSpPr>
+          <p:cNvPr id="3" name="Text Placeholder 2"/>
+          <p:cNvSpPr>
+            <a:spLocks noGrp="1"/>
+          </p:cNvSpPr>
+          <p:nvPr>
+            <p:ph type="body" idx="1"/>
+          </p:nvPr>
+        </p:nvSpPr>
+        <p:spPr/>
+        <p:txBody>
+          <a:bodyPr/>
+          <a:lstStyle/>
+          <a:p>
+            <a:r>
+              <a:rPr lang="en-US" dirty="0" smtClean="0"/>
+              <a:t>Overview of the</a:t>
+            </a:r>
+          </a:p>
+          <a:p>
+            <a:r>
+              <a:rPr lang="en-US" dirty="0" smtClean="0"/>
+              <a:t>Problem</a:t>
+            </a:r>
+            <a:endParaRPr lang="en-US" dirty="0"/>
+          </a:p>
+        </p:txBody>
+      </p:sp>
+    </p:spTree>
+    <p:extLst>
+      <p:ext uri="{BB962C8B-B14F-4D97-AF65-F5344CB8AC3E}">
+        <p14:creationId xmlns:p14="http://schemas.microsoft.com/office/powerpoint/2010/main" val="1815150667"/>
+      </p:ext>
+    </p:extLst>
+  </p:cSld>
+  <p:clrMapOvr>
+    <a:masterClrMapping/>
+  </p:clrMapOvr>
+</p:sld>
+</file>
+
+<file path=ppt/slides/slide3.xml><?xml version="1.0" encoding="utf-8"?>
+<p:sld xmlns:a="http://schemas.openxmlformats.org/drawingml/2006/main" xmlns:r="http://schemas.openxmlformats.org/officeDocument/2006/relationships" xmlns:p="http://schemas.openxmlformats.org/presentationml/2006/main">
+  <p:cSld>
+    <p:spTree>
+      <p:nvGrpSpPr>
+        <p:cNvPr id="1" name=""/>
+        <p:cNvGrpSpPr/>
+        <p:nvPr/>
+      </p:nvGrpSpPr>
+      <p:grpSpPr>
+        <a:xfrm>
+          <a:off x="0" y="0"/>
+          <a:ext cx="0" cy="0"/>
+          <a:chOff x="0" y="0"/>
+          <a:chExt cx="0" cy="0"/>
+        </a:xfrm>
+      </p:grpSpPr>
+      <p:sp>
+        <p:nvSpPr>
+          <p:cNvPr id="2" name="Title 1"/>
+          <p:cNvSpPr>
+            <a:spLocks noGrp="1"/>
+          </p:cNvSpPr>
+          <p:nvPr>
+            <p:ph type="title"/>
+          </p:nvPr>
+        </p:nvSpPr>
+        <p:spPr/>
+        <p:txBody>
+          <a:bodyPr/>
+          <a:lstStyle/>
+          <a:p>
+            <a:r>
+              <a:rPr lang="en-US" dirty="0" smtClean="0"/>
+              <a:t>Problem Overview</a:t>
+            </a:r>
+            <a:endParaRPr lang="en-US" dirty="0"/>
+          </a:p>
+        </p:txBody>
+      </p:sp>
+      <p:sp>
+        <p:nvSpPr>
+          <p:cNvPr id="3" name="Content Placeholder 2"/>
+          <p:cNvSpPr>
+            <a:spLocks noGrp="1"/>
+          </p:cNvSpPr>
+          <p:nvPr>
+            <p:ph idx="1"/>
+          </p:nvPr>
+        </p:nvSpPr>
+        <p:spPr>
+          <a:xfrm>
+            <a:off x="1251678" y="1874517"/>
+            <a:ext cx="10178322" cy="4526283"/>
+          </a:xfrm>
+        </p:spPr>
+        <p:txBody>
+          <a:bodyPr/>
+          <a:lstStyle/>
+          <a:p>
+            <a:r>
+              <a:rPr lang="en-US" dirty="0" smtClean="0"/>
+              <a:t>Trading Agent Competition started in 2000</a:t>
+            </a:r>
+          </a:p>
+          <a:p>
+            <a:r>
+              <a:rPr lang="en-US" dirty="0" smtClean="0"/>
+              <a:t>8 Clients</a:t>
+            </a:r>
+          </a:p>
+          <a:p>
+            <a:r>
+              <a:rPr lang="en-US" dirty="0" smtClean="0"/>
+              <a:t>Purchase holiday package for each client</a:t>
+            </a:r>
+          </a:p>
+          <a:p>
+            <a:pPr lvl="1"/>
+            <a:r>
+              <a:rPr lang="en-US" dirty="0" smtClean="0"/>
+              <a:t>Flights in and out, hotels for each night, optional entertainment</a:t>
+            </a:r>
+          </a:p>
+          <a:p>
+            <a:endParaRPr lang="en-US" dirty="0" smtClean="0"/>
+          </a:p>
+          <a:p>
+            <a:r>
+              <a:rPr lang="en-US" dirty="0" smtClean="0"/>
+              <a:t>Research and implement an agent to compete in the competition</a:t>
+            </a:r>
+            <a:endParaRPr lang="en-US" dirty="0"/>
+          </a:p>
+        </p:txBody>
+      </p:sp>
+      <p:sp>
+        <p:nvSpPr>
+          <p:cNvPr id="5" name="Rectangle 4"/>
+          <p:cNvSpPr/>
+          <p:nvPr/>
+        </p:nvSpPr>
+        <p:spPr>
+          <a:xfrm>
+            <a:off x="1251678" y="1128451"/>
+            <a:ext cx="4732642" cy="384721"/>
+          </a:xfrm>
+          <a:prstGeom prst="rect">
+            <a:avLst/>
+          </a:prstGeom>
+        </p:spPr>
+        <p:txBody>
+          <a:bodyPr wrap="none">
+            <a:spAutoFit/>
+          </a:bodyPr>
+          <a:lstStyle/>
+          <a:p>
+            <a:r>
+              <a:rPr lang="en-US" sz="1900" b="1" cap="all" spc="300" dirty="0" smtClean="0">
+                <a:solidFill>
+                  <a:srgbClr val="F8B323"/>
+                </a:solidFill>
+              </a:rPr>
+              <a:t>What will we do for you</a:t>
+            </a:r>
+            <a:endParaRPr lang="en-US" dirty="0">
+              <a:solidFill>
+                <a:schemeClr val="tx2">
+                  <a:lumMod val="90000"/>
+                  <a:lumOff val="10000"/>
+                </a:schemeClr>
+              </a:solidFill>
+            </a:endParaRPr>
+          </a:p>
+        </p:txBody>
+      </p:sp>
+    </p:spTree>
+    <p:extLst>
+      <p:ext uri="{BB962C8B-B14F-4D97-AF65-F5344CB8AC3E}">
+        <p14:creationId xmlns:p14="http://schemas.microsoft.com/office/powerpoint/2010/main" val="50053773"/>
+      </p:ext>
+    </p:extLst>
+  </p:cSld>
+  <p:clrMapOvr>
+    <a:masterClrMapping/>
+  </p:clrMapOvr>
+</p:sld>
+</file>
+
+<file path=ppt/slides/slide4.xml><?xml version="1.0" encoding="utf-8"?>
+<p:sld xmlns:a="http://schemas.openxmlformats.org/drawingml/2006/main" xmlns:r="http://schemas.openxmlformats.org/officeDocument/2006/relationships" xmlns:p="http://schemas.openxmlformats.org/presentationml/2006/main">
+  <p:cSld>
+    <p:spTree>
+      <p:nvGrpSpPr>
+        <p:cNvPr id="1" name=""/>
+        <p:cNvGrpSpPr/>
+        <p:nvPr/>
+      </p:nvGrpSpPr>
+      <p:grpSpPr>
+        <a:xfrm>
+          <a:off x="0" y="0"/>
+          <a:ext cx="0" cy="0"/>
+          <a:chOff x="0" y="0"/>
+          <a:chExt cx="0" cy="0"/>
+        </a:xfrm>
+      </p:grpSpPr>
+      <p:sp>
+        <p:nvSpPr>
+          <p:cNvPr id="2" name="Title 1"/>
+          <p:cNvSpPr>
+            <a:spLocks noGrp="1"/>
+          </p:cNvSpPr>
+          <p:nvPr>
+            <p:ph type="title"/>
+          </p:nvPr>
+        </p:nvSpPr>
+        <p:spPr/>
+        <p:txBody>
+          <a:bodyPr/>
+          <a:lstStyle/>
+          <a:p>
+            <a:r>
+              <a:rPr lang="en-US" dirty="0" smtClean="0"/>
               <a:t>Market</a:t>
             </a:r>
             <a:br>
@@ -7185,7 +8167,7 @@
 </p:sld>
 </file>
 
-<file path=ppt/slides/slide3.xml><?xml version="1.0" encoding="utf-8"?>
+<file path=ppt/slides/slide5.xml><?xml version="1.0" encoding="utf-8"?>
 <p:sld xmlns:a="http://schemas.openxmlformats.org/drawingml/2006/main" xmlns:r="http://schemas.openxmlformats.org/officeDocument/2006/relationships" xmlns:p="http://schemas.openxmlformats.org/presentationml/2006/main">
   <p:cSld>
     <p:spTree>
@@ -7521,8 +8503,32 @@
             </a:r>
             <a:r>
               <a:rPr lang="en-US" sz="1800" dirty="0" smtClean="0"/>
-              <a:t>: Global optimum allocation algorithm</a:t>
-            </a:r>
+              <a:t>: Global optimum allocation </a:t>
+            </a:r>
+            <a:r>
+              <a:rPr lang="en-US" sz="1800" dirty="0" smtClean="0"/>
+              <a:t>algorithm</a:t>
+            </a:r>
+          </a:p>
+          <a:p>
+            <a:pPr>
+              <a:lnSpc>
+                <a:spcPct val="150000"/>
+              </a:lnSpc>
+            </a:pPr>
+            <a:r>
+              <a:rPr lang="en-US" sz="1800" dirty="0" smtClean="0"/>
+              <a:t>[1] </a:t>
+            </a:r>
+            <a:r>
+              <a:rPr lang="en-US" sz="1800" b="1" dirty="0" smtClean="0"/>
+              <a:t>Allocation Strategy</a:t>
+            </a:r>
+            <a:r>
+              <a:rPr lang="en-US" sz="1800" dirty="0" smtClean="0"/>
+              <a:t>: Individual itinerary per client</a:t>
+            </a:r>
+            <a:endParaRPr lang="en-US" sz="1800" dirty="0" smtClean="0"/>
           </a:p>
           <a:p>
             <a:pPr lvl="0" defTabSz="457200">
@@ -7544,9 +8550,16 @@
             </a:r>
             <a:r>
               <a:rPr lang="en-US" sz="1800" dirty="0"/>
-              <a:t>: Greedy flights, hotel &amp; entertainments</a:t>
-            </a:r>
-            <a:endParaRPr lang="en-US" sz="1800" dirty="0"/>
+              <a:t>: </a:t>
+            </a:r>
+            <a:r>
+              <a:rPr lang="en-US" sz="1800" dirty="0" smtClean="0"/>
+              <a:t>Greedy </a:t>
+            </a:r>
+            <a:r>
+              <a:rPr lang="en-US" sz="1800" dirty="0"/>
+              <a:t>flights, hotel &amp; entertainments</a:t>
+            </a:r>
           </a:p>
           <a:p>
             <a:pPr lvl="0" defTabSz="457200">
@@ -7690,6 +8703,32 @@
             <a:r>
               <a:rPr lang="en-US" sz="1800" dirty="0" smtClean="0"/>
               <a:t>[1] </a:t>
+            </a:r>
+            <a:r>
+              <a:rPr lang="en-US" sz="1800" b="1" dirty="0" smtClean="0"/>
+              <a:t>Estimating Prices</a:t>
+            </a:r>
+            <a:r>
+              <a:rPr lang="en-US" sz="1800" dirty="0" smtClean="0"/>
+              <a:t>: Owned items are free to use, sunk costs</a:t>
+            </a:r>
+          </a:p>
+          <a:p>
+            <a:pPr>
+              <a:lnSpc>
+                <a:spcPct val="150000"/>
+              </a:lnSpc>
+              <a:spcBef>
+                <a:spcPts val="0"/>
+              </a:spcBef>
+            </a:pPr>
+            <a:r>
+              <a:rPr lang="en-US" sz="1800" dirty="0" smtClean="0"/>
+              <a:t>[</a:t>
+            </a:r>
+            <a:r>
+              <a:rPr lang="en-US" sz="1800" dirty="0" smtClean="0"/>
+              <a:t>1] </a:t>
             </a:r>
             <a:r>
               <a:rPr lang="en-US" sz="1800" b="1" dirty="0" smtClean="0"/>
@@ -7792,7 +8831,7 @@
 </p:sld>
 </file>
 
-<file path=ppt/slides/slide4.xml><?xml version="1.0" encoding="utf-8"?>
+<file path=ppt/slides/slide6.xml><?xml version="1.0" encoding="utf-8"?>
 <p:sld xmlns:a="http://schemas.openxmlformats.org/drawingml/2006/main" xmlns:r="http://schemas.openxmlformats.org/officeDocument/2006/relationships" xmlns:p="http://schemas.openxmlformats.org/presentationml/2006/main">
   <p:cSld>
     <p:spTree>
@@ -7821,12 +8860,14 @@
         </p:nvSpPr>
         <p:spPr/>
         <p:txBody>
-          <a:bodyPr/>
+          <a:bodyPr>
+            <a:normAutofit/>
+          </a:bodyPr>
           <a:lstStyle/>
           <a:p>
             <a:r>
               <a:rPr lang="en-US" dirty="0" smtClean="0"/>
-              <a:t>Employed Strategy</a:t>
+              <a:t>Getting your Dream holiday</a:t>
             </a:r>
             <a:endParaRPr lang="en-US" dirty="0"/>
           </a:p>
@@ -7834,12 +8875,12 @@
       </p:sp>
       <p:sp>
         <p:nvSpPr>
-          <p:cNvPr id="3" name="Content Placeholder 2"/>
+          <p:cNvPr id="3" name="Text Placeholder 2"/>
           <p:cNvSpPr>
             <a:spLocks noGrp="1"/>
           </p:cNvSpPr>
           <p:nvPr>
-            <p:ph idx="1"/>
+            <p:ph type="body" idx="1"/>
           </p:nvPr>
         </p:nvSpPr>
         <p:spPr/>
@@ -7848,41 +8889,8 @@
           <a:lstStyle/>
           <a:p>
             <a:r>
-              <a:rPr lang="en-US" smtClean="0"/>
-              <a:t>Test</a:t>
-            </a:r>
-            <a:endParaRPr lang="en-US" dirty="0"/>
-          </a:p>
-        </p:txBody>
-      </p:sp>
-      <p:sp>
-        <p:nvSpPr>
-          <p:cNvPr id="5" name="Rectangle 4"/>
-          <p:cNvSpPr/>
-          <p:nvPr/>
-        </p:nvSpPr>
-        <p:spPr>
-          <a:xfrm>
-            <a:off x="1251678" y="1128451"/>
-            <a:ext cx="4782784" cy="384721"/>
-          </a:xfrm>
-          <a:prstGeom prst="rect">
-            <a:avLst/>
-          </a:prstGeom>
-        </p:spPr>
-        <p:txBody>
-          <a:bodyPr wrap="none">
-            <a:spAutoFit/>
-          </a:bodyPr>
-          <a:lstStyle/>
-          <a:p>
-            <a:r>
-              <a:rPr lang="en-US" sz="1900" b="1" cap="all" spc="300" dirty="0" smtClean="0">
-                <a:solidFill>
-                  <a:srgbClr val="F8B323"/>
-                </a:solidFill>
-              </a:rPr>
-              <a:t>Bidding strategy: Hotels</a:t>
+              <a:rPr lang="en-US" dirty="0" smtClean="0"/>
+              <a:t>Employed Strategy</a:t>
             </a:r>
             <a:endParaRPr lang="en-US" dirty="0"/>
           </a:p>
@@ -7891,7 +8899,7 @@
     </p:spTree>
     <p:extLst>
       <p:ext uri="{BB962C8B-B14F-4D97-AF65-F5344CB8AC3E}">
-        <p14:creationId xmlns:p14="http://schemas.microsoft.com/office/powerpoint/2010/main" val="800112262"/>
+        <p14:creationId xmlns:p14="http://schemas.microsoft.com/office/powerpoint/2010/main" val="487522674"/>
       </p:ext>
     </p:extLst>
   </p:cSld>
@@ -7901,7 +8909,7 @@
 </p:sld>
 </file>
 
-<file path=ppt/slides/slide5.xml><?xml version="1.0" encoding="utf-8"?>
+<file path=ppt/slides/slide7.xml><?xml version="1.0" encoding="utf-8"?>
 <p:sld xmlns:a="http://schemas.openxmlformats.org/drawingml/2006/main" xmlns:r="http://schemas.openxmlformats.org/officeDocument/2006/relationships" xmlns:p="http://schemas.openxmlformats.org/presentationml/2006/main">
   <p:cSld>
     <p:spTree>
@@ -7935,7 +8943,7 @@
           <a:p>
             <a:r>
               <a:rPr lang="en-US" dirty="0" smtClean="0"/>
-              <a:t>Main Problems</a:t>
+              <a:t>Employed Strategy</a:t>
             </a:r>
             <a:endParaRPr lang="en-US" dirty="0"/>
           </a:p>
@@ -7951,6 +8959,231 @@
             <p:ph idx="1"/>
           </p:nvPr>
         </p:nvSpPr>
+        <p:spPr>
+          <a:xfrm>
+            <a:off x="1251678" y="1874517"/>
+            <a:ext cx="10178322" cy="4526283"/>
+          </a:xfrm>
+        </p:spPr>
+        <p:txBody>
+          <a:bodyPr/>
+          <a:lstStyle/>
+          <a:p>
+            <a:r>
+              <a:rPr lang="en-US" dirty="0" err="1" smtClean="0"/>
+              <a:t>TACClient</a:t>
+            </a:r>
+            <a:r>
+              <a:rPr lang="en-US" dirty="0" smtClean="0"/>
+              <a:t> class</a:t>
+            </a:r>
+          </a:p>
+          <a:p>
+            <a:pPr lvl="1"/>
+            <a:r>
+              <a:rPr lang="en-US" dirty="0" smtClean="0"/>
+              <a:t>Compute own package - current costs &amp; items owned</a:t>
+            </a:r>
+          </a:p>
+          <a:p>
+            <a:pPr lvl="1"/>
+            <a:r>
+              <a:rPr lang="en-US" dirty="0" smtClean="0"/>
+              <a:t>Able to compute which entertainment it wants, based on cost, sell pric</a:t>
+            </a:r>
+            <a:r>
+              <a:rPr lang="en-US" dirty="0" smtClean="0"/>
+              <a:t>e,</a:t>
+            </a:r>
+            <a:r>
+              <a:rPr lang="en-US" dirty="0" smtClean="0"/>
+              <a:t> items owned and utility</a:t>
+            </a:r>
+          </a:p>
+          <a:p>
+            <a:pPr lvl="1"/>
+            <a:r>
+              <a:rPr lang="en-US" dirty="0" smtClean="0"/>
+              <a:t>Decides if it wants cheap or good hotels based on estimated costs of package</a:t>
+            </a:r>
+          </a:p>
+          <a:p>
+            <a:r>
+              <a:rPr lang="en-US" dirty="0" smtClean="0"/>
+              <a:t>Main Program</a:t>
+            </a:r>
+          </a:p>
+          <a:p>
+            <a:pPr lvl="1"/>
+            <a:r>
+              <a:rPr lang="en-US" dirty="0" smtClean="0"/>
+              <a:t>Tells each client what is available and at what price – owned items are free to use</a:t>
+            </a:r>
+          </a:p>
+          <a:p>
+            <a:pPr lvl="1"/>
+            <a:r>
+              <a:rPr lang="en-US" dirty="0" smtClean="0"/>
+              <a:t>Asks each client to compute its desired package</a:t>
+            </a:r>
+          </a:p>
+          <a:p>
+            <a:pPr lvl="1"/>
+            <a:r>
+              <a:rPr lang="en-US" dirty="0" smtClean="0"/>
+              <a:t>Picks package with best price and removes allocation from available resources</a:t>
+            </a:r>
+          </a:p>
+          <a:p>
+            <a:pPr lvl="1"/>
+            <a:r>
+              <a:rPr lang="en-US" dirty="0" smtClean="0"/>
+              <a:t>Repeat until all clients have allocated package, then set</a:t>
+            </a:r>
+            <a:endParaRPr lang="en-US" dirty="0"/>
+          </a:p>
+          <a:p>
+            <a:pPr lvl="1"/>
+            <a:endParaRPr lang="en-US" dirty="0"/>
+          </a:p>
+        </p:txBody>
+      </p:sp>
+      <p:sp>
+        <p:nvSpPr>
+          <p:cNvPr id="5" name="Rectangle 4"/>
+          <p:cNvSpPr/>
+          <p:nvPr/>
+        </p:nvSpPr>
+        <p:spPr>
+          <a:xfrm>
+            <a:off x="1251678" y="1128451"/>
+            <a:ext cx="7671459" cy="384721"/>
+          </a:xfrm>
+          <a:prstGeom prst="rect">
+            <a:avLst/>
+          </a:prstGeom>
+        </p:spPr>
+        <p:txBody>
+          <a:bodyPr wrap="none">
+            <a:spAutoFit/>
+          </a:bodyPr>
+          <a:lstStyle/>
+          <a:p>
+            <a:r>
+              <a:rPr lang="en-US" sz="1900" b="1" cap="all" spc="300" dirty="0" smtClean="0">
+                <a:solidFill>
+                  <a:srgbClr val="F8B323"/>
+                </a:solidFill>
+              </a:rPr>
+              <a:t>Allocation Strategy: </a:t>
+            </a:r>
+            <a:r>
+              <a:rPr lang="en-US" sz="1900" b="1" cap="all" spc="300" dirty="0" smtClean="0">
+                <a:solidFill>
+                  <a:schemeClr val="tx2">
+                    <a:lumMod val="90000"/>
+                    <a:lumOff val="10000"/>
+                  </a:schemeClr>
+                </a:solidFill>
+              </a:rPr>
+              <a:t>Initial Allocation</a:t>
+            </a:r>
+            <a:endParaRPr lang="en-US" dirty="0">
+              <a:solidFill>
+                <a:schemeClr val="tx2">
+                  <a:lumMod val="90000"/>
+                  <a:lumOff val="10000"/>
+                </a:schemeClr>
+              </a:solidFill>
+            </a:endParaRPr>
+          </a:p>
+        </p:txBody>
+      </p:sp>
+      <p:sp>
+        <p:nvSpPr>
+          <p:cNvPr id="4" name="Rectangle 3"/>
+          <p:cNvSpPr/>
+          <p:nvPr/>
+        </p:nvSpPr>
+        <p:spPr>
+          <a:xfrm>
+            <a:off x="1251678" y="5841684"/>
+            <a:ext cx="10178322" cy="707886"/>
+          </a:xfrm>
+          <a:prstGeom prst="rect">
+            <a:avLst/>
+          </a:prstGeom>
+        </p:spPr>
+        <p:txBody>
+          <a:bodyPr wrap="square">
+            <a:spAutoFit/>
+          </a:bodyPr>
+          <a:lstStyle/>
+          <a:p>
+            <a:pPr lvl="0" defTabSz="914400">
+              <a:spcBef>
+                <a:spcPts val="700"/>
+              </a:spcBef>
+              <a:buClr>
+                <a:srgbClr val="F3F3F2"/>
+              </a:buClr>
+            </a:pPr>
+            <a:r>
+              <a:rPr lang="en-US" sz="2000" b="1" cap="all" spc="400" dirty="0" smtClean="0">
+                <a:solidFill>
+                  <a:srgbClr val="F8B323"/>
+                </a:solidFill>
+              </a:rPr>
+              <a:t>Allocation Evaluation repeats every minute when a hotel auction ends</a:t>
+            </a:r>
+            <a:endParaRPr lang="en-US" sz="2000" b="1" cap="all" spc="400" dirty="0">
+              <a:solidFill>
+                <a:srgbClr val="F8B323"/>
+              </a:solidFill>
+            </a:endParaRPr>
+          </a:p>
+        </p:txBody>
+      </p:sp>
+    </p:spTree>
+    <p:extLst>
+      <p:ext uri="{BB962C8B-B14F-4D97-AF65-F5344CB8AC3E}">
+        <p14:creationId xmlns:p14="http://schemas.microsoft.com/office/powerpoint/2010/main" val="800112262"/>
+      </p:ext>
+    </p:extLst>
+  </p:cSld>
+  <p:clrMapOvr>
+    <a:masterClrMapping/>
+  </p:clrMapOvr>
+</p:sld>
+</file>
+
+<file path=ppt/slides/slide8.xml><?xml version="1.0" encoding="utf-8"?>
+<p:sld xmlns:a="http://schemas.openxmlformats.org/drawingml/2006/main" xmlns:r="http://schemas.openxmlformats.org/officeDocument/2006/relationships" xmlns:p="http://schemas.openxmlformats.org/presentationml/2006/main">
+  <p:cSld>
+    <p:spTree>
+      <p:nvGrpSpPr>
+        <p:cNvPr id="1" name=""/>
+        <p:cNvGrpSpPr/>
+        <p:nvPr/>
+      </p:nvGrpSpPr>
+      <p:grpSpPr>
+        <a:xfrm>
+          <a:off x="0" y="0"/>
+          <a:ext cx="0" cy="0"/>
+          <a:chOff x="0" y="0"/>
+          <a:chExt cx="0" cy="0"/>
+        </a:xfrm>
+      </p:grpSpPr>
+      <p:sp>
+        <p:nvSpPr>
+          <p:cNvPr id="2" name="Title 1"/>
+          <p:cNvSpPr>
+            <a:spLocks noGrp="1"/>
+          </p:cNvSpPr>
+          <p:nvPr>
+            <p:ph type="title"/>
+          </p:nvPr>
+        </p:nvSpPr>
         <p:spPr/>
         <p:txBody>
           <a:bodyPr/>
@@ -7958,36 +9191,404 @@
           <a:p>
             <a:r>
               <a:rPr lang="en-US" dirty="0" smtClean="0"/>
-              <a:t>Changing hotel types could lead to purchasing redundant hotels if out outbid</a:t>
+              <a:t>Employed Strategy</a:t>
+            </a:r>
+            <a:endParaRPr lang="en-US" dirty="0"/>
+          </a:p>
+        </p:txBody>
+      </p:sp>
+      <p:sp>
+        <p:nvSpPr>
+          <p:cNvPr id="3" name="Content Placeholder 2"/>
+          <p:cNvSpPr>
+            <a:spLocks noGrp="1"/>
+          </p:cNvSpPr>
+          <p:nvPr>
+            <p:ph idx="1"/>
+          </p:nvPr>
+        </p:nvSpPr>
+        <p:spPr>
+          <a:xfrm>
+            <a:off x="1251678" y="1874517"/>
+            <a:ext cx="10178322" cy="4526283"/>
+          </a:xfrm>
+        </p:spPr>
+        <p:txBody>
+          <a:bodyPr/>
+          <a:lstStyle/>
+          <a:p>
+            <a:r>
+              <a:rPr lang="en-US" dirty="0" smtClean="0"/>
+              <a:t>Hotels</a:t>
             </a:r>
           </a:p>
           <a:p>
             <a:pPr lvl="1"/>
             <a:r>
               <a:rPr lang="en-US" dirty="0" smtClean="0"/>
-              <a:t>Didn’t factor current bids in to price calculation (e.g. only changing package when outbid).</a:t>
-            </a:r>
-          </a:p>
-          <a:p>
+              <a:t>Bid on initial allocation at {x, 50} to cover hotels that close before first price update</a:t>
+            </a:r>
+          </a:p>
+          <a:p>
+            <a:pPr lvl="1"/>
             <a:r>
               <a:rPr lang="en-US" dirty="0" smtClean="0"/>
-              <a:t>Flight prices not factored in to package value algorithm</a:t>
+              <a:t>Update bid to </a:t>
+            </a:r>
+            <a:r>
+              <a:rPr lang="en-US" dirty="0" err="1" smtClean="0"/>
+              <a:t>askPrice</a:t>
+            </a:r>
+            <a:r>
+              <a:rPr lang="en-US" dirty="0" smtClean="0"/>
+              <a:t> + 50 every minute, after reevaluating allocation.</a:t>
+            </a:r>
+          </a:p>
+          <a:p>
+            <a:r>
+              <a:rPr lang="en-US" dirty="0" smtClean="0"/>
+              <a:t>Flights</a:t>
             </a:r>
           </a:p>
           <a:p>
             <a:pPr lvl="1"/>
             <a:r>
               <a:rPr lang="en-US" dirty="0" smtClean="0"/>
-              <a:t>If a flight costs $800, giving package utility -200, but day before is $200 giving utility 0, should switch.</a:t>
+              <a:t>Update expected allocation, but place no bids</a:t>
+            </a:r>
+            <a:endParaRPr lang="en-US" dirty="0" smtClean="0"/>
+          </a:p>
+          <a:p>
+            <a:r>
+              <a:rPr lang="en-US" dirty="0" smtClean="0"/>
+              <a:t>Entertainment</a:t>
+            </a:r>
+          </a:p>
+          <a:p>
+            <a:pPr lvl="1"/>
+            <a:r>
+              <a:rPr lang="en-US" dirty="0" smtClean="0"/>
+              <a:t>Bid on initial allocation at {x, bidPrice+1}</a:t>
+            </a:r>
+          </a:p>
+          <a:p>
+            <a:pPr lvl="1"/>
+            <a:r>
+              <a:rPr lang="en-US" dirty="0" smtClean="0"/>
+              <a:t>Update bidPrice+1 every time prices update for +</a:t>
+            </a:r>
+            <a:r>
+              <a:rPr lang="en-US" dirty="0" err="1" smtClean="0"/>
+              <a:t>alloc</a:t>
+            </a:r>
+            <a:endParaRPr lang="en-US" dirty="0" smtClean="0"/>
+          </a:p>
+          <a:p>
+            <a:pPr lvl="1"/>
+            <a:r>
+              <a:rPr lang="en-US" dirty="0" smtClean="0"/>
+              <a:t>Update </a:t>
+            </a:r>
+            <a:r>
+              <a:rPr lang="en-US" dirty="0" err="1" smtClean="0"/>
+              <a:t>askPrice</a:t>
+            </a:r>
+            <a:r>
+              <a:rPr lang="en-US" dirty="0" smtClean="0"/>
+              <a:t> to askPrice-1 every time prices update for -</a:t>
+            </a:r>
+            <a:r>
+              <a:rPr lang="en-US" dirty="0" err="1" smtClean="0"/>
+              <a:t>alloc</a:t>
+            </a:r>
+            <a:endParaRPr lang="en-US" dirty="0" smtClean="0"/>
+          </a:p>
+          <a:p>
+            <a:pPr lvl="1"/>
+            <a:r>
+              <a:rPr lang="en-US" dirty="0" smtClean="0"/>
+              <a:t>If </a:t>
+            </a:r>
+            <a:r>
+              <a:rPr lang="en-US" dirty="0" err="1" smtClean="0"/>
+              <a:t>askPrice</a:t>
+            </a:r>
+            <a:r>
+              <a:rPr lang="en-US" dirty="0" smtClean="0"/>
+              <a:t> close to </a:t>
+            </a:r>
+            <a:r>
+              <a:rPr lang="en-US" dirty="0" err="1" smtClean="0"/>
+              <a:t>bidPrice</a:t>
+            </a:r>
+            <a:r>
+              <a:rPr lang="en-US" dirty="0" smtClean="0"/>
+              <a:t> and higher than client’s value, sell entertainment</a:t>
             </a:r>
             <a:endParaRPr lang="en-US" dirty="0"/>
+          </a:p>
+        </p:txBody>
+      </p:sp>
+      <p:sp>
+        <p:nvSpPr>
+          <p:cNvPr id="5" name="Rectangle 4"/>
+          <p:cNvSpPr/>
+          <p:nvPr/>
+        </p:nvSpPr>
+        <p:spPr>
+          <a:xfrm>
+            <a:off x="1251678" y="1128451"/>
+            <a:ext cx="8565422" cy="384721"/>
+          </a:xfrm>
+          <a:prstGeom prst="rect">
+            <a:avLst/>
+          </a:prstGeom>
+        </p:spPr>
+        <p:txBody>
+          <a:bodyPr wrap="none">
+            <a:spAutoFit/>
+          </a:bodyPr>
+          <a:lstStyle/>
+          <a:p>
+            <a:r>
+              <a:rPr lang="en-US" sz="1900" b="1" cap="all" spc="300" dirty="0" smtClean="0">
+                <a:solidFill>
+                  <a:srgbClr val="F8B323"/>
+                </a:solidFill>
+              </a:rPr>
+              <a:t>Bidding strategy: </a:t>
+            </a:r>
+            <a:r>
+              <a:rPr lang="en-US" sz="1900" b="1" cap="all" spc="300" dirty="0" smtClean="0">
+                <a:solidFill>
+                  <a:schemeClr val="tx2">
+                    <a:lumMod val="90000"/>
+                    <a:lumOff val="10000"/>
+                  </a:schemeClr>
+                </a:solidFill>
+              </a:rPr>
+              <a:t>Initial &amp; Recurring Bidding</a:t>
+            </a:r>
+            <a:endParaRPr lang="en-US" dirty="0">
+              <a:solidFill>
+                <a:schemeClr val="tx2">
+                  <a:lumMod val="90000"/>
+                  <a:lumOff val="10000"/>
+                </a:schemeClr>
+              </a:solidFill>
+            </a:endParaRPr>
           </a:p>
         </p:txBody>
       </p:sp>
     </p:spTree>
     <p:extLst>
       <p:ext uri="{BB962C8B-B14F-4D97-AF65-F5344CB8AC3E}">
-        <p14:creationId xmlns:p14="http://schemas.microsoft.com/office/powerpoint/2010/main" val="767758370"/>
+        <p14:creationId xmlns:p14="http://schemas.microsoft.com/office/powerpoint/2010/main" val="1687801101"/>
+      </p:ext>
+    </p:extLst>
+  </p:cSld>
+  <p:clrMapOvr>
+    <a:masterClrMapping/>
+  </p:clrMapOvr>
+</p:sld>
+</file>
+
+<file path=ppt/slides/slide9.xml><?xml version="1.0" encoding="utf-8"?>
+<p:sld xmlns:a="http://schemas.openxmlformats.org/drawingml/2006/main" xmlns:r="http://schemas.openxmlformats.org/officeDocument/2006/relationships" xmlns:p="http://schemas.openxmlformats.org/presentationml/2006/main">
+  <p:cSld>
+    <p:spTree>
+      <p:nvGrpSpPr>
+        <p:cNvPr id="1" name=""/>
+        <p:cNvGrpSpPr/>
+        <p:nvPr/>
+      </p:nvGrpSpPr>
+      <p:grpSpPr>
+        <a:xfrm>
+          <a:off x="0" y="0"/>
+          <a:ext cx="0" cy="0"/>
+          <a:chOff x="0" y="0"/>
+          <a:chExt cx="0" cy="0"/>
+        </a:xfrm>
+      </p:grpSpPr>
+      <p:sp>
+        <p:nvSpPr>
+          <p:cNvPr id="2" name="Title 1"/>
+          <p:cNvSpPr>
+            <a:spLocks noGrp="1"/>
+          </p:cNvSpPr>
+          <p:nvPr>
+            <p:ph type="title"/>
+          </p:nvPr>
+        </p:nvSpPr>
+        <p:spPr/>
+        <p:txBody>
+          <a:bodyPr/>
+          <a:lstStyle/>
+          <a:p>
+            <a:r>
+              <a:rPr lang="en-US" dirty="0" smtClean="0"/>
+              <a:t>Employed Strategy</a:t>
+            </a:r>
+            <a:endParaRPr lang="en-US" dirty="0"/>
+          </a:p>
+        </p:txBody>
+      </p:sp>
+      <p:sp>
+        <p:nvSpPr>
+          <p:cNvPr id="3" name="Content Placeholder 2"/>
+          <p:cNvSpPr>
+            <a:spLocks noGrp="1"/>
+          </p:cNvSpPr>
+          <p:nvPr>
+            <p:ph idx="1"/>
+          </p:nvPr>
+        </p:nvSpPr>
+        <p:spPr>
+          <a:xfrm>
+            <a:off x="1251678" y="1874517"/>
+            <a:ext cx="10178322" cy="4526283"/>
+          </a:xfrm>
+        </p:spPr>
+        <p:txBody>
+          <a:bodyPr/>
+          <a:lstStyle/>
+          <a:p>
+            <a:pPr marL="0" indent="0">
+              <a:buNone/>
+            </a:pPr>
+            <a:r>
+              <a:rPr lang="en-US" dirty="0" smtClean="0"/>
+              <a:t>With 30 seconds left, bidding strategy changes:</a:t>
+            </a:r>
+          </a:p>
+          <a:p>
+            <a:r>
+              <a:rPr lang="en-US" dirty="0" smtClean="0"/>
+              <a:t>Hotels</a:t>
+            </a:r>
+          </a:p>
+          <a:p>
+            <a:pPr lvl="1"/>
+            <a:r>
+              <a:rPr lang="en-US" dirty="0" smtClean="0"/>
+              <a:t>By this point all hotel auctions have closed</a:t>
+            </a:r>
+          </a:p>
+          <a:p>
+            <a:r>
+              <a:rPr lang="en-US" dirty="0" smtClean="0"/>
+              <a:t>Flights</a:t>
+            </a:r>
+          </a:p>
+          <a:p>
+            <a:pPr lvl="1"/>
+            <a:r>
+              <a:rPr lang="en-US" dirty="0" smtClean="0"/>
+              <a:t>Place bids </a:t>
+            </a:r>
+            <a:r>
+              <a:rPr lang="en-US" dirty="0" smtClean="0"/>
+              <a:t>on flights based on which package each client ended up with</a:t>
+            </a:r>
+          </a:p>
+          <a:p>
+            <a:pPr lvl="1"/>
+            <a:r>
+              <a:rPr lang="en-US" dirty="0" smtClean="0"/>
+              <a:t>Buy immediately at </a:t>
+            </a:r>
+            <a:r>
+              <a:rPr lang="en-US" dirty="0" err="1" smtClean="0"/>
+              <a:t>askPrice</a:t>
+            </a:r>
+            <a:endParaRPr lang="en-US" dirty="0" smtClean="0"/>
+          </a:p>
+          <a:p>
+            <a:r>
+              <a:rPr lang="en-US" dirty="0" smtClean="0"/>
+              <a:t>Entertainment</a:t>
+            </a:r>
+          </a:p>
+          <a:p>
+            <a:pPr lvl="1"/>
+            <a:r>
+              <a:rPr lang="en-US" dirty="0" smtClean="0"/>
+              <a:t>When </a:t>
+            </a:r>
+            <a:r>
+              <a:rPr lang="en-US" dirty="0"/>
+              <a:t>game has 30s left, sell entertainment where </a:t>
+            </a:r>
+            <a:r>
+              <a:rPr lang="en-US" dirty="0" err="1"/>
+              <a:t>bidPrice</a:t>
+            </a:r>
+            <a:r>
+              <a:rPr lang="en-US" dirty="0"/>
+              <a:t> &gt; client’s value, and &gt; </a:t>
+            </a:r>
+            <a:r>
+              <a:rPr lang="en-US" dirty="0" smtClean="0"/>
+              <a:t>85</a:t>
+            </a:r>
+          </a:p>
+        </p:txBody>
+      </p:sp>
+      <p:sp>
+        <p:nvSpPr>
+          <p:cNvPr id="5" name="Rectangle 4"/>
+          <p:cNvSpPr/>
+          <p:nvPr/>
+        </p:nvSpPr>
+        <p:spPr>
+          <a:xfrm>
+            <a:off x="1251678" y="1128451"/>
+            <a:ext cx="6233053" cy="384721"/>
+          </a:xfrm>
+          <a:prstGeom prst="rect">
+            <a:avLst/>
+          </a:prstGeom>
+        </p:spPr>
+        <p:txBody>
+          <a:bodyPr wrap="none">
+            <a:spAutoFit/>
+          </a:bodyPr>
+          <a:lstStyle/>
+          <a:p>
+            <a:r>
+              <a:rPr lang="en-US" sz="1900" b="1" cap="all" spc="300" dirty="0" smtClean="0">
+                <a:solidFill>
+                  <a:srgbClr val="F8B323"/>
+                </a:solidFill>
+              </a:rPr>
+              <a:t>Bidding strategy: </a:t>
+            </a:r>
+            <a:r>
+              <a:rPr lang="en-US" sz="1900" b="1" cap="all" spc="300" dirty="0" smtClean="0">
+                <a:solidFill>
+                  <a:schemeClr val="tx2">
+                    <a:lumMod val="90000"/>
+                    <a:lumOff val="10000"/>
+                  </a:schemeClr>
+                </a:solidFill>
+              </a:rPr>
+              <a:t>Final Bidding</a:t>
+            </a:r>
+            <a:endParaRPr lang="en-US" dirty="0">
+              <a:solidFill>
+                <a:schemeClr val="tx2">
+                  <a:lumMod val="90000"/>
+                  <a:lumOff val="10000"/>
+                </a:schemeClr>
+              </a:solidFill>
+            </a:endParaRPr>
+          </a:p>
+        </p:txBody>
+      </p:sp>
+    </p:spTree>
+    <p:extLst>
+      <p:ext uri="{BB962C8B-B14F-4D97-AF65-F5344CB8AC3E}">
+        <p14:creationId xmlns:p14="http://schemas.microsoft.com/office/powerpoint/2010/main" val="1482326997"/>
       </p:ext>
     </p:extLst>
   </p:cSld>
@@ -8255,4 +9856,265 @@
     </a:ext>
   </a:extLst>
 </a:theme>
+</file>
+
+<file path=ppt/theme/theme2.xml><?xml version="1.0" encoding="utf-8"?>
+<a:theme xmlns:a="http://schemas.openxmlformats.org/drawingml/2006/main" name="Office Theme">
+  <a:themeElements>
+    <a:clrScheme name="Office">
+      <a:dk1>
+        <a:sysClr val="windowText" lastClr="000000"/>
+      </a:dk1>
+      <a:lt1>
+        <a:sysClr val="window" lastClr="FFFFFF"/>
+      </a:lt1>
+      <a:dk2>
+        <a:srgbClr val="44546A"/>
+      </a:dk2>
+      <a:lt2>
+        <a:srgbClr val="E7E6E6"/>
+      </a:lt2>
+      <a:accent1>
+        <a:srgbClr val="5B9BD5"/>
+      </a:accent1>
+      <a:accent2>
+        <a:srgbClr val="ED7D31"/>
+      </a:accent2>
+      <a:accent3>
+        <a:srgbClr val="A5A5A5"/>
+      </a:accent3>
+      <a:accent4>
+        <a:srgbClr val="FFC000"/>
+      </a:accent4>
+      <a:accent5>
+        <a:srgbClr val="4472C4"/>
+      </a:accent5>
+      <a:accent6>
+        <a:srgbClr val="70AD47"/>
+      </a:accent6>
+      <a:hlink>
+        <a:srgbClr val="0563C1"/>
+      </a:hlink>
+      <a:folHlink>
+        <a:srgbClr val="954F72"/>
+      </a:folHlink>
+    </a:clrScheme>
+    <a:fontScheme name="Office">
+      <a:majorFont>
+        <a:latin typeface="Calibri Light" panose="020F0302020204030204"/>
+        <a:ea typeface=""/>
+        <a:cs typeface=""/>
+        <a:font script="Jpan" typeface="Yu Gothic Light"/>
+        <a:font script="Hang" typeface="맑은 고딕"/>
+        <a:font script="Hans" typeface="DengXian Light"/>
+        <a:font script="Hant" typeface="新細明體"/>
+        <a:font script="Arab" typeface="Times New Roman"/>
+        <a:font script="Hebr" typeface="Times New Roman"/>
+        <a:font script="Thai" typeface="Angsana New"/>
+        <a:font script="Ethi" typeface="Nyala"/>
+        <a:font script="Beng" typeface="Vrinda"/>
+        <a:font script="Gujr" typeface="Shruti"/>
+        <a:font script="Khmr" typeface="MoolBoran"/>
+        <a:font script="Knda" typeface="Tunga"/>
+        <a:font script="Guru" typeface="Raavi"/>
+        <a:font script="Cans" typeface="Euphemia"/>
+        <a:font script="Cher" typeface="Plantagenet Cherokee"/>
+        <a:font script="Yiii" typeface="Microsoft Yi Baiti"/>
+        <a:font script="Tibt" typeface="Microsoft Himalaya"/>
+        <a:font script="Thaa" typeface="MV Boli"/>
+        <a:font script="Deva" typeface="Mangal"/>
+        <a:font script="Telu" typeface="Gautami"/>
+        <a:font script="Taml" typeface="Latha"/>
+        <a:font script="Syrc" typeface="Estrangelo Edessa"/>
+        <a:font script="Orya" typeface="Kalinga"/>
+        <a:font script="Mlym" typeface="Kartika"/>
+        <a:font script="Laoo" typeface="DokChampa"/>
+        <a:font script="Sinh" typeface="Iskoola Pota"/>
+        <a:font script="Mong" typeface="Mongolian Baiti"/>
+        <a:font script="Viet" typeface="Times New Roman"/>
+        <a:font script="Uigh" typeface="Microsoft Uighur"/>
+        <a:font script="Geor" typeface="Sylfaen"/>
+      </a:majorFont>
+      <a:minorFont>
+        <a:latin typeface="Calibri" panose="020F0502020204030204"/>
+        <a:ea typeface=""/>
+        <a:cs typeface=""/>
+        <a:font script="Jpan" typeface="Yu Gothic"/>
+        <a:font script="Hang" typeface="맑은 고딕"/>
+        <a:font script="Hans" typeface="DengXian"/>
+        <a:font script="Hant" typeface="新細明體"/>
+        <a:font script="Arab" typeface="Arial"/>
+        <a:font script="Hebr" typeface="Arial"/>
+        <a:font script="Thai" typeface="Cordia New"/>
+        <a:font script="Ethi" typeface="Nyala"/>
+        <a:font script="Beng" typeface="Vrinda"/>
+        <a:font script="Gujr" typeface="Shruti"/>
+        <a:font script="Khmr" typeface="DaunPenh"/>
+        <a:font script="Knda" typeface="Tunga"/>
+        <a:font script="Guru" typeface="Raavi"/>
+        <a:font script="Cans" typeface="Euphemia"/>
+        <a:font script="Cher" typeface="Plantagenet Cherokee"/>
+        <a:font script="Yiii" typeface="Microsoft Yi Baiti"/>
+        <a:font script="Tibt" typeface="Microsoft Himalaya"/>
+        <a:font script="Thaa" typeface="MV Boli"/>
+        <a:font script="Deva" typeface="Mangal"/>
+        <a:font script="Telu" typeface="Gautami"/>
+        <a:font script="Taml" typeface="Latha"/>
+        <a:font script="Syrc" typeface="Estrangelo Edessa"/>
+        <a:font script="Orya" typeface="Kalinga"/>
+        <a:font script="Mlym" typeface="Kartika"/>
+        <a:font script="Laoo" typeface="DokChampa"/>
+        <a:font script="Sinh" typeface="Iskoola Pota"/>
+        <a:font script="Mong" typeface="Mongolian Baiti"/>
+        <a:font script="Viet" typeface="Arial"/>
+        <a:font script="Uigh" typeface="Microsoft Uighur"/>
+        <a:font script="Geor" typeface="Sylfaen"/>
+      </a:minorFont>
+    </a:fontScheme>
+    <a:fmtScheme name="Office">
+      <a:fillStyleLst>
+        <a:solidFill>
+          <a:schemeClr val="phClr"/>
+        </a:solidFill>
+        <a:gradFill rotWithShape="1">
+          <a:gsLst>
+            <a:gs pos="0">
+              <a:schemeClr val="phClr">
+                <a:lumMod val="110000"/>
+                <a:satMod val="105000"/>
+                <a:tint val="67000"/>
+              </a:schemeClr>
+            </a:gs>
+            <a:gs pos="50000">
+              <a:schemeClr val="phClr">
+                <a:lumMod val="105000"/>
+                <a:satMod val="103000"/>
+                <a:tint val="73000"/>
+              </a:schemeClr>
+            </a:gs>
+            <a:gs pos="100000">
+              <a:schemeClr val="phClr">
+                <a:lumMod val="105000"/>
+                <a:satMod val="109000"/>
+                <a:tint val="81000"/>
+              </a:schemeClr>
+            </a:gs>
+          </a:gsLst>
+          <a:lin ang="5400000" scaled="0"/>
+        </a:gradFill>
+        <a:gradFill rotWithShape="1">
+          <a:gsLst>
+            <a:gs pos="0">
+              <a:schemeClr val="phClr">
+                <a:satMod val="103000"/>
+                <a:lumMod val="102000"/>
+                <a:tint val="94000"/>
+              </a:schemeClr>
+            </a:gs>
+            <a:gs pos="50000">
+              <a:schemeClr val="phClr">
+                <a:satMod val="110000"/>
+                <a:lumMod val="100000"/>
+                <a:shade val="100000"/>
+              </a:schemeClr>
+            </a:gs>
+            <a:gs pos="100000">
+              <a:schemeClr val="phClr">
+                <a:lumMod val="99000"/>
+                <a:satMod val="120000"/>
+                <a:shade val="78000"/>
+              </a:schemeClr>
+            </a:gs>
+          </a:gsLst>
+          <a:lin ang="5400000" scaled="0"/>
+        </a:gradFill>
+      </a:fillStyleLst>
+      <a:lnStyleLst>
+        <a:ln w="6350" cap="flat" cmpd="sng" algn="ctr">
+          <a:solidFill>
+            <a:schemeClr val="phClr"/>
+          </a:solidFill>
+          <a:prstDash val="solid"/>
+          <a:miter lim="800000"/>
+        </a:ln>
+        <a:ln w="12700" cap="flat" cmpd="sng" algn="ctr">
+          <a:solidFill>
+            <a:schemeClr val="phClr"/>
+          </a:solidFill>
+          <a:prstDash val="solid"/>
+          <a:miter lim="800000"/>
+        </a:ln>
+        <a:ln w="19050" cap="flat" cmpd="sng" algn="ctr">
+          <a:solidFill>
+            <a:schemeClr val="phClr"/>
+          </a:solidFill>
+          <a:prstDash val="solid"/>
+          <a:miter lim="800000"/>
+        </a:ln>
+      </a:lnStyleLst>
+      <a:effectStyleLst>
+        <a:effectStyle>
+          <a:effectLst/>
+        </a:effectStyle>
+        <a:effectStyle>
+          <a:effectLst/>
+        </a:effectStyle>
+        <a:effectStyle>
+          <a:effectLst>
+            <a:outerShdw blurRad="57150" dist="19050" dir="5400000" algn="ctr" rotWithShape="0">
+              <a:srgbClr val="000000">
+                <a:alpha val="63000"/>
+              </a:srgbClr>
+            </a:outerShdw>
+          </a:effectLst>
+        </a:effectStyle>
+      </a:effectStyleLst>
+      <a:bgFillStyleLst>
+        <a:solidFill>
+          <a:schemeClr val="phClr"/>
+        </a:solidFill>
+        <a:solidFill>
+          <a:schemeClr val="phClr">
+            <a:tint val="95000"/>
+            <a:satMod val="170000"/>
+          </a:schemeClr>
+        </a:solidFill>
+        <a:gradFill rotWithShape="1">
+          <a:gsLst>
+            <a:gs pos="0">
+              <a:schemeClr val="phClr">
+                <a:tint val="93000"/>
+                <a:satMod val="150000"/>
+                <a:shade val="98000"/>
+                <a:lumMod val="102000"/>
+              </a:schemeClr>
+            </a:gs>
+            <a:gs pos="50000">
+              <a:schemeClr val="phClr">
+                <a:tint val="98000"/>
+                <a:satMod val="130000"/>
+                <a:shade val="90000"/>
+                <a:lumMod val="103000"/>
+              </a:schemeClr>
+            </a:gs>
+            <a:gs pos="100000">
+              <a:schemeClr val="phClr">
+                <a:shade val="63000"/>
+                <a:satMod val="120000"/>
+              </a:schemeClr>
+            </a:gs>
+          </a:gsLst>
+          <a:lin ang="5400000" scaled="0"/>
+        </a:gradFill>
+      </a:bgFillStyleLst>
+    </a:fmtScheme>
+  </a:themeElements>
+  <a:objectDefaults/>
+  <a:extraClrSchemeLst/>
+  <a:extLst>
+    <a:ext uri="{05A4C25C-085E-4340-85A3-A5531E510DB2}">
+      <thm15:themeFamily xmlns:thm15="http://schemas.microsoft.com/office/thememl/2012/main" name="Office Theme" id="{62F939B6-93AF-4DB8-9C6B-D6C7DFDC589F}" vid="{4A3C46E8-61CC-4603-A589-7422A47A8E4A}"/>
+    </a:ext>
+  </a:extLst>
+</a:theme>
 </file>
--- a/VivaSlides.pptx
+++ b/VivaSlides.pptx
@@ -5,7 +5,7 @@
     <p:sldMasterId id="2147483648" r:id="rId1"/>
   </p:sldMasterIdLst>
   <p:notesMasterIdLst>
-    <p:notesMasterId r:id="rId12"/>
+    <p:notesMasterId r:id="rId18"/>
   </p:notesMasterIdLst>
   <p:sldIdLst>
     <p:sldId id="256" r:id="rId2"/>
@@ -17,7 +17,13 @@
     <p:sldId id="261" r:id="rId8"/>
     <p:sldId id="262" r:id="rId9"/>
     <p:sldId id="264" r:id="rId10"/>
-    <p:sldId id="260" r:id="rId11"/>
+    <p:sldId id="268" r:id="rId11"/>
+    <p:sldId id="269" r:id="rId12"/>
+    <p:sldId id="267" r:id="rId13"/>
+    <p:sldId id="260" r:id="rId14"/>
+    <p:sldId id="270" r:id="rId15"/>
+    <p:sldId id="271" r:id="rId16"/>
+    <p:sldId id="272" r:id="rId17"/>
   </p:sldIdLst>
   <p:sldSz cx="12192000" cy="6858000"/>
   <p:notesSz cx="6858000" cy="9144000"/>
@@ -741,6 +747,102 @@
     <p:extLst>
       <p:ext uri="{BB962C8B-B14F-4D97-AF65-F5344CB8AC3E}">
         <p14:creationId xmlns:p14="http://schemas.microsoft.com/office/powerpoint/2010/main" val="203438592"/>
+      </p:ext>
+    </p:extLst>
+  </p:cSld>
+  <p:clrMapOvr>
+    <a:masterClrMapping/>
+  </p:clrMapOvr>
+</p:notes>
+</file>
+
+<file path=ppt/notesSlides/notesSlide3.xml><?xml version="1.0" encoding="utf-8"?>
+<p:notes xmlns:a="http://schemas.openxmlformats.org/drawingml/2006/main" xmlns:r="http://schemas.openxmlformats.org/officeDocument/2006/relationships" xmlns:p="http://schemas.openxmlformats.org/presentationml/2006/main">
+  <p:cSld>
+    <p:spTree>
+      <p:nvGrpSpPr>
+        <p:cNvPr id="1" name=""/>
+        <p:cNvGrpSpPr/>
+        <p:nvPr/>
+      </p:nvGrpSpPr>
+      <p:grpSpPr>
+        <a:xfrm>
+          <a:off x="0" y="0"/>
+          <a:ext cx="0" cy="0"/>
+          <a:chOff x="0" y="0"/>
+          <a:chExt cx="0" cy="0"/>
+        </a:xfrm>
+      </p:grpSpPr>
+      <p:sp>
+        <p:nvSpPr>
+          <p:cNvPr id="2" name="Slide Image Placeholder 1"/>
+          <p:cNvSpPr>
+            <a:spLocks noGrp="1" noRot="1" noChangeAspect="1"/>
+          </p:cNvSpPr>
+          <p:nvPr>
+            <p:ph type="sldImg"/>
+          </p:nvPr>
+        </p:nvSpPr>
+        <p:spPr/>
+      </p:sp>
+      <p:sp>
+        <p:nvSpPr>
+          <p:cNvPr id="3" name="Notes Placeholder 2"/>
+          <p:cNvSpPr>
+            <a:spLocks noGrp="1"/>
+          </p:cNvSpPr>
+          <p:nvPr>
+            <p:ph type="body" idx="1"/>
+          </p:nvPr>
+        </p:nvSpPr>
+        <p:spPr/>
+        <p:txBody>
+          <a:bodyPr/>
+          <a:lstStyle/>
+          <a:p>
+            <a:pPr lvl="1"/>
+            <a:r>
+              <a:rPr lang="en-US" dirty="0" smtClean="0"/>
+              <a:t>Client changes desired package if an alternative is available worth higher utility</a:t>
+            </a:r>
+          </a:p>
+          <a:p>
+            <a:pPr lvl="1"/>
+            <a:r>
+              <a:rPr lang="en-US" dirty="0" smtClean="0"/>
+              <a:t>Often buys entertainment at the start for around 50, and sells at the end between 100-130</a:t>
+            </a:r>
+            <a:endParaRPr lang="en-US" dirty="0"/>
+          </a:p>
+        </p:txBody>
+      </p:sp>
+      <p:sp>
+        <p:nvSpPr>
+          <p:cNvPr id="4" name="Slide Number Placeholder 3"/>
+          <p:cNvSpPr>
+            <a:spLocks noGrp="1"/>
+          </p:cNvSpPr>
+          <p:nvPr>
+            <p:ph type="sldNum" sz="quarter" idx="10"/>
+          </p:nvPr>
+        </p:nvSpPr>
+        <p:spPr/>
+        <p:txBody>
+          <a:bodyPr/>
+          <a:lstStyle/>
+          <a:p>
+            <a:fld id="{1E2AC23D-789A-5743-BC1D-F2EA34F8C5C4}" type="slidenum">
+              <a:rPr lang="en-US" smtClean="0"/>
+              <a:t>11</a:t>
+            </a:fld>
+            <a:endParaRPr lang="en-US"/>
+          </a:p>
+        </p:txBody>
+      </p:sp>
+    </p:spTree>
+    <p:extLst>
+      <p:ext uri="{BB962C8B-B14F-4D97-AF65-F5344CB8AC3E}">
+        <p14:creationId xmlns:p14="http://schemas.microsoft.com/office/powerpoint/2010/main" val="318432937"/>
       </p:ext>
     </p:extLst>
   </p:cSld>
@@ -7731,6 +7833,13 @@
   <p:clrMapOvr>
     <a:masterClrMapping/>
   </p:clrMapOvr>
+  <p:timing>
+    <p:tnLst>
+      <p:par>
+        <p:cTn id="1" dur="indefinite" restart="never" nodeType="tmRoot"/>
+      </p:par>
+    </p:tnLst>
+  </p:timing>
 </p:sld>
 </file>
 
@@ -7763,12 +7872,103 @@
         </p:nvSpPr>
         <p:spPr/>
         <p:txBody>
+          <a:bodyPr>
+            <a:normAutofit/>
+          </a:bodyPr>
+          <a:lstStyle/>
+          <a:p>
+            <a:r>
+              <a:rPr lang="en-US" dirty="0" smtClean="0"/>
+              <a:t>All Expenses</a:t>
+            </a:r>
+            <a:br>
+              <a:rPr lang="en-US" dirty="0" smtClean="0"/>
+            </a:br>
+            <a:r>
+              <a:rPr lang="en-US" dirty="0" smtClean="0"/>
+              <a:t>Paid</a:t>
+            </a:r>
+            <a:endParaRPr lang="en-US" dirty="0"/>
+          </a:p>
+        </p:txBody>
+      </p:sp>
+      <p:sp>
+        <p:nvSpPr>
+          <p:cNvPr id="3" name="Text Placeholder 2"/>
+          <p:cNvSpPr>
+            <a:spLocks noGrp="1"/>
+          </p:cNvSpPr>
+          <p:nvPr>
+            <p:ph type="body" idx="1"/>
+          </p:nvPr>
+        </p:nvSpPr>
+        <p:spPr/>
+        <p:txBody>
           <a:bodyPr/>
           <a:lstStyle/>
           <a:p>
             <a:r>
               <a:rPr lang="en-US" dirty="0" smtClean="0"/>
-              <a:t>Main Problems</a:t>
+              <a:t>Strengths of my</a:t>
+            </a:r>
+          </a:p>
+          <a:p>
+            <a:r>
+              <a:rPr lang="en-US" dirty="0" smtClean="0"/>
+              <a:t>Strategies</a:t>
+            </a:r>
+            <a:endParaRPr lang="en-US" dirty="0"/>
+          </a:p>
+        </p:txBody>
+      </p:sp>
+    </p:spTree>
+    <p:extLst>
+      <p:ext uri="{BB962C8B-B14F-4D97-AF65-F5344CB8AC3E}">
+        <p14:creationId xmlns:p14="http://schemas.microsoft.com/office/powerpoint/2010/main" val="1372014485"/>
+      </p:ext>
+    </p:extLst>
+  </p:cSld>
+  <p:clrMapOvr>
+    <a:masterClrMapping/>
+  </p:clrMapOvr>
+</p:sld>
+</file>
+
+<file path=ppt/slides/slide11.xml><?xml version="1.0" encoding="utf-8"?>
+<p:sld xmlns:a="http://schemas.openxmlformats.org/drawingml/2006/main" xmlns:r="http://schemas.openxmlformats.org/officeDocument/2006/relationships" xmlns:p="http://schemas.openxmlformats.org/presentationml/2006/main">
+  <p:cSld>
+    <p:spTree>
+      <p:nvGrpSpPr>
+        <p:cNvPr id="1" name=""/>
+        <p:cNvGrpSpPr/>
+        <p:nvPr/>
+      </p:nvGrpSpPr>
+      <p:grpSpPr>
+        <a:xfrm>
+          <a:off x="0" y="0"/>
+          <a:ext cx="0" cy="0"/>
+          <a:chOff x="0" y="0"/>
+          <a:chExt cx="0" cy="0"/>
+        </a:xfrm>
+      </p:grpSpPr>
+      <p:sp>
+        <p:nvSpPr>
+          <p:cNvPr id="2" name="Title 1"/>
+          <p:cNvSpPr>
+            <a:spLocks noGrp="1"/>
+          </p:cNvSpPr>
+          <p:nvPr>
+            <p:ph type="title"/>
+          </p:nvPr>
+        </p:nvSpPr>
+        <p:spPr/>
+        <p:txBody>
+          <a:bodyPr/>
+          <a:lstStyle/>
+          <a:p>
+            <a:r>
+              <a:rPr lang="en-US" dirty="0" smtClean="0"/>
+              <a:t>Strengths of my Strategies</a:t>
             </a:r>
             <a:endParaRPr lang="en-US" dirty="0"/>
           </a:p>
@@ -7784,6 +7984,216 @@
             <p:ph idx="1"/>
           </p:nvPr>
         </p:nvSpPr>
+        <p:spPr>
+          <a:xfrm>
+            <a:off x="1251677" y="1874517"/>
+            <a:ext cx="10489749" cy="4005075"/>
+          </a:xfrm>
+        </p:spPr>
+        <p:txBody>
+          <a:bodyPr>
+            <a:normAutofit lnSpcReduction="10000"/>
+          </a:bodyPr>
+          <a:lstStyle/>
+          <a:p>
+            <a:r>
+              <a:rPr lang="en-US" dirty="0"/>
+              <a:t>Never buys flights it can’t </a:t>
+            </a:r>
+            <a:r>
+              <a:rPr lang="en-US" dirty="0" smtClean="0"/>
+              <a:t>use (</a:t>
+            </a:r>
+            <a:r>
+              <a:rPr lang="en-US" i="1" dirty="0" err="1" smtClean="0"/>
+              <a:t>Attac</a:t>
+            </a:r>
+            <a:r>
+              <a:rPr lang="en-US" i="1" dirty="0" smtClean="0"/>
+              <a:t>[1] bidding strategy</a:t>
+            </a:r>
+            <a:r>
+              <a:rPr lang="en-US" dirty="0" smtClean="0"/>
+              <a:t>)</a:t>
+            </a:r>
+            <a:endParaRPr lang="en-US" dirty="0" smtClean="0"/>
+          </a:p>
+          <a:p>
+            <a:r>
+              <a:rPr lang="en-US" dirty="0" smtClean="0"/>
+              <a:t>Not susceptible to hotel </a:t>
+            </a:r>
+            <a:r>
+              <a:rPr lang="en-US" dirty="0"/>
+              <a:t>price hikes</a:t>
+            </a:r>
+          </a:p>
+          <a:p>
+            <a:r>
+              <a:rPr lang="en-US" dirty="0"/>
+              <a:t>Always tries to get good hotels</a:t>
+            </a:r>
+          </a:p>
+          <a:p>
+            <a:pPr lvl="1"/>
+            <a:r>
+              <a:rPr lang="en-US" dirty="0"/>
+              <a:t>will switch when no longer cost effective</a:t>
+            </a:r>
+          </a:p>
+          <a:p>
+            <a:pPr lvl="1"/>
+            <a:r>
+              <a:rPr lang="en-US" dirty="0"/>
+              <a:t>and sometimes back again</a:t>
+            </a:r>
+            <a:r>
+              <a:rPr lang="en-US" dirty="0" smtClean="0"/>
+              <a:t>!</a:t>
+            </a:r>
+            <a:endParaRPr lang="en-US" dirty="0"/>
+          </a:p>
+          <a:p>
+            <a:r>
+              <a:rPr lang="en-US" dirty="0" smtClean="0"/>
+              <a:t>Often buys entertainment low, then sells it high</a:t>
+            </a:r>
+          </a:p>
+          <a:p>
+            <a:r>
+              <a:rPr lang="en-US" dirty="0" smtClean="0"/>
+              <a:t>Tries to sell entertainment when worth more than client will pay</a:t>
+            </a:r>
+          </a:p>
+          <a:p>
+            <a:r>
+              <a:rPr lang="en-US" dirty="0" smtClean="0"/>
+              <a:t>Sunk costs calculated as free - used before buying more (</a:t>
+            </a:r>
+            <a:r>
+              <a:rPr lang="en-US" i="1" dirty="0" err="1" smtClean="0"/>
+              <a:t>RoxyBot</a:t>
+            </a:r>
+            <a:r>
+              <a:rPr lang="en-US" i="1" dirty="0" smtClean="0"/>
+              <a:t>[1] allocation strategy</a:t>
+            </a:r>
+            <a:r>
+              <a:rPr lang="en-US" dirty="0" smtClean="0"/>
+              <a:t>)</a:t>
+            </a:r>
+          </a:p>
+          <a:p>
+            <a:r>
+              <a:rPr lang="en-US" dirty="0" smtClean="0"/>
+              <a:t>Client’s responsible for own itinerary, program handles decisions (</a:t>
+            </a:r>
+            <a:r>
+              <a:rPr lang="en-US" i="1" dirty="0" err="1" smtClean="0"/>
+              <a:t>UmbcTAC</a:t>
+            </a:r>
+            <a:r>
+              <a:rPr lang="en-US" i="1" dirty="0" smtClean="0"/>
+              <a:t>[1] allocation strategy</a:t>
+            </a:r>
+            <a:r>
+              <a:rPr lang="en-US" dirty="0" smtClean="0"/>
+              <a:t>)</a:t>
+            </a:r>
+          </a:p>
+          <a:p>
+            <a:r>
+              <a:rPr lang="en-US" dirty="0" smtClean="0"/>
+              <a:t>Reduce likelihood that selling entertainment is more beneficial for </a:t>
+            </a:r>
+            <a:r>
+              <a:rPr lang="en-US" dirty="0"/>
+              <a:t>someone else [</a:t>
+            </a:r>
+            <a:r>
+              <a:rPr lang="en-US" i="1" dirty="0" smtClean="0"/>
+              <a:t>Aster[1]</a:t>
+            </a:r>
+            <a:r>
+              <a:rPr lang="en-US" dirty="0" smtClean="0"/>
+              <a:t>]</a:t>
+            </a:r>
+            <a:endParaRPr lang="en-US" dirty="0" smtClean="0"/>
+          </a:p>
+        </p:txBody>
+      </p:sp>
+    </p:spTree>
+    <p:extLst>
+      <p:ext uri="{BB962C8B-B14F-4D97-AF65-F5344CB8AC3E}">
+        <p14:creationId xmlns:p14="http://schemas.microsoft.com/office/powerpoint/2010/main" val="1718661398"/>
+      </p:ext>
+    </p:extLst>
+  </p:cSld>
+  <p:clrMapOvr>
+    <a:masterClrMapping/>
+  </p:clrMapOvr>
+</p:sld>
+</file>
+
+<file path=ppt/slides/slide12.xml><?xml version="1.0" encoding="utf-8"?>
+<p:sld xmlns:a="http://schemas.openxmlformats.org/drawingml/2006/main" xmlns:r="http://schemas.openxmlformats.org/officeDocument/2006/relationships" xmlns:p="http://schemas.openxmlformats.org/presentationml/2006/main">
+  <p:cSld>
+    <p:spTree>
+      <p:nvGrpSpPr>
+        <p:cNvPr id="1" name=""/>
+        <p:cNvGrpSpPr/>
+        <p:nvPr/>
+      </p:nvGrpSpPr>
+      <p:grpSpPr>
+        <a:xfrm>
+          <a:off x="0" y="0"/>
+          <a:ext cx="0" cy="0"/>
+          <a:chOff x="0" y="0"/>
+          <a:chExt cx="0" cy="0"/>
+        </a:xfrm>
+      </p:grpSpPr>
+      <p:sp>
+        <p:nvSpPr>
+          <p:cNvPr id="2" name="Title 1"/>
+          <p:cNvSpPr>
+            <a:spLocks noGrp="1"/>
+          </p:cNvSpPr>
+          <p:nvPr>
+            <p:ph type="title"/>
+          </p:nvPr>
+        </p:nvSpPr>
+        <p:spPr/>
+        <p:txBody>
+          <a:bodyPr>
+            <a:normAutofit/>
+          </a:bodyPr>
+          <a:lstStyle/>
+          <a:p>
+            <a:r>
+              <a:rPr lang="en-US" dirty="0" smtClean="0"/>
+              <a:t>404 Error: </a:t>
+            </a:r>
+            <a:br>
+              <a:rPr lang="en-US" dirty="0" smtClean="0"/>
+            </a:br>
+            <a:r>
+              <a:rPr lang="en-US" dirty="0" smtClean="0"/>
+              <a:t>Holiday Not Found</a:t>
+            </a:r>
+            <a:endParaRPr lang="en-US" dirty="0"/>
+          </a:p>
+        </p:txBody>
+      </p:sp>
+      <p:sp>
+        <p:nvSpPr>
+          <p:cNvPr id="3" name="Text Placeholder 2"/>
+          <p:cNvSpPr>
+            <a:spLocks noGrp="1"/>
+          </p:cNvSpPr>
+          <p:nvPr>
+            <p:ph type="body" idx="1"/>
+          </p:nvPr>
+        </p:nvSpPr>
         <p:spPr/>
         <p:txBody>
           <a:bodyPr/>
@@ -7791,6 +8201,99 @@
           <a:p>
             <a:r>
               <a:rPr lang="en-US" dirty="0" smtClean="0"/>
+              <a:t>Problems with my </a:t>
+            </a:r>
+          </a:p>
+          <a:p>
+            <a:r>
+              <a:rPr lang="en-US" dirty="0" smtClean="0"/>
+              <a:t>Strategies</a:t>
+            </a:r>
+            <a:endParaRPr lang="en-US" dirty="0"/>
+          </a:p>
+        </p:txBody>
+      </p:sp>
+    </p:spTree>
+    <p:extLst>
+      <p:ext uri="{BB962C8B-B14F-4D97-AF65-F5344CB8AC3E}">
+        <p14:creationId xmlns:p14="http://schemas.microsoft.com/office/powerpoint/2010/main" val="896534773"/>
+      </p:ext>
+    </p:extLst>
+  </p:cSld>
+  <p:clrMapOvr>
+    <a:masterClrMapping/>
+  </p:clrMapOvr>
+</p:sld>
+</file>
+
+<file path=ppt/slides/slide13.xml><?xml version="1.0" encoding="utf-8"?>
+<p:sld xmlns:a="http://schemas.openxmlformats.org/drawingml/2006/main" xmlns:r="http://schemas.openxmlformats.org/officeDocument/2006/relationships" xmlns:p="http://schemas.openxmlformats.org/presentationml/2006/main">
+  <p:cSld>
+    <p:spTree>
+      <p:nvGrpSpPr>
+        <p:cNvPr id="1" name=""/>
+        <p:cNvGrpSpPr/>
+        <p:nvPr/>
+      </p:nvGrpSpPr>
+      <p:grpSpPr>
+        <a:xfrm>
+          <a:off x="0" y="0"/>
+          <a:ext cx="0" cy="0"/>
+          <a:chOff x="0" y="0"/>
+          <a:chExt cx="0" cy="0"/>
+        </a:xfrm>
+      </p:grpSpPr>
+      <p:sp>
+        <p:nvSpPr>
+          <p:cNvPr id="2" name="Title 1"/>
+          <p:cNvSpPr>
+            <a:spLocks noGrp="1"/>
+          </p:cNvSpPr>
+          <p:nvPr>
+            <p:ph type="title"/>
+          </p:nvPr>
+        </p:nvSpPr>
+        <p:spPr/>
+        <p:txBody>
+          <a:bodyPr/>
+          <a:lstStyle/>
+          <a:p>
+            <a:r>
+              <a:rPr lang="en-US" dirty="0" smtClean="0"/>
+              <a:t>Main </a:t>
+            </a:r>
+            <a:r>
+              <a:rPr lang="en-US" dirty="0" smtClean="0"/>
+              <a:t>Problems of my agent</a:t>
+            </a:r>
+            <a:endParaRPr lang="en-US" dirty="0"/>
+          </a:p>
+        </p:txBody>
+      </p:sp>
+      <p:sp>
+        <p:nvSpPr>
+          <p:cNvPr id="3" name="Content Placeholder 2"/>
+          <p:cNvSpPr>
+            <a:spLocks noGrp="1"/>
+          </p:cNvSpPr>
+          <p:nvPr>
+            <p:ph idx="1"/>
+          </p:nvPr>
+        </p:nvSpPr>
+        <p:spPr>
+          <a:xfrm>
+            <a:off x="1251678" y="2014539"/>
+            <a:ext cx="10178322" cy="4243386"/>
+          </a:xfrm>
+        </p:spPr>
+        <p:txBody>
+          <a:bodyPr>
+            <a:normAutofit/>
+          </a:bodyPr>
+          <a:lstStyle/>
+          <a:p>
+            <a:r>
+              <a:rPr lang="en-US" dirty="0" smtClean="0"/>
               <a:t>Changing hotel types could lead to purchasing redundant hotels if out outbid</a:t>
             </a:r>
           </a:p>
@@ -7798,7 +8301,15 @@
             <a:pPr lvl="1"/>
             <a:r>
               <a:rPr lang="en-US" dirty="0" smtClean="0"/>
-              <a:t>Didn’t factor current bids in to price calculation (e.g. only changing package when outbid).</a:t>
+              <a:t>Didn’t factor current bids in to price calculation (e.g. </a:t>
+            </a:r>
+            <a:r>
+              <a:rPr lang="en-US" dirty="0" smtClean="0"/>
+              <a:t>could only change </a:t>
+            </a:r>
+            <a:r>
+              <a:rPr lang="en-US" dirty="0" smtClean="0"/>
+              <a:t>package when outbid).</a:t>
             </a:r>
           </a:p>
           <a:p>
@@ -7821,7 +8332,53 @@
           <a:p>
             <a:r>
               <a:rPr lang="en-US" dirty="0" smtClean="0"/>
-              <a:t>Some hotels went for 0 that I didn’t bid on. Could place placed bids on {8, $1} for all</a:t>
+              <a:t>Some hotels went for 0 that I didn’t bid on</a:t>
+            </a:r>
+          </a:p>
+          <a:p>
+            <a:pPr lvl="1"/>
+            <a:r>
+              <a:rPr lang="en-US" dirty="0" smtClean="0"/>
+              <a:t>Could place bids on {8, $1} for all not in initial allocation</a:t>
+            </a:r>
+          </a:p>
+          <a:p>
+            <a:r>
+              <a:rPr lang="en-US" dirty="0" smtClean="0"/>
+              <a:t>Greedy Allocation is not optimal</a:t>
+            </a:r>
+          </a:p>
+          <a:p>
+            <a:pPr lvl="1"/>
+            <a:r>
+              <a:rPr lang="en-US" dirty="0" smtClean="0"/>
+              <a:t>Could look at problem from global perspective across all clients</a:t>
+            </a:r>
+          </a:p>
+          <a:p>
+            <a:r>
+              <a:rPr lang="en-US" dirty="0" smtClean="0"/>
+              <a:t>Only looks at potential other packages within day range of </a:t>
+            </a:r>
+            <a:r>
+              <a:rPr lang="en-US" dirty="0" err="1" smtClean="0"/>
+              <a:t>inFlight</a:t>
+            </a:r>
+            <a:r>
+              <a:rPr lang="en-US" dirty="0" smtClean="0"/>
+              <a:t> &lt;-&gt; </a:t>
+            </a:r>
+            <a:r>
+              <a:rPr lang="en-US" dirty="0" err="1" smtClean="0"/>
+              <a:t>outFlight</a:t>
+            </a:r>
+            <a:endParaRPr lang="en-US" dirty="0" smtClean="0"/>
+          </a:p>
+          <a:p>
+            <a:pPr lvl="1"/>
+            <a:r>
+              <a:rPr lang="en-US" dirty="0" smtClean="0"/>
+              <a:t>Could look at alternative holidays where days fall outside of this range</a:t>
             </a:r>
             <a:endParaRPr lang="en-US" dirty="0"/>
           </a:p>
@@ -7831,6 +8388,539 @@
     <p:extLst>
       <p:ext uri="{BB962C8B-B14F-4D97-AF65-F5344CB8AC3E}">
         <p14:creationId xmlns:p14="http://schemas.microsoft.com/office/powerpoint/2010/main" val="767758370"/>
+      </p:ext>
+    </p:extLst>
+  </p:cSld>
+  <p:clrMapOvr>
+    <a:masterClrMapping/>
+  </p:clrMapOvr>
+</p:sld>
+</file>
+
+<file path=ppt/slides/slide14.xml><?xml version="1.0" encoding="utf-8"?>
+<p:sld xmlns:a="http://schemas.openxmlformats.org/drawingml/2006/main" xmlns:r="http://schemas.openxmlformats.org/officeDocument/2006/relationships" xmlns:p="http://schemas.openxmlformats.org/presentationml/2006/main">
+  <p:cSld>
+    <p:spTree>
+      <p:nvGrpSpPr>
+        <p:cNvPr id="1" name=""/>
+        <p:cNvGrpSpPr/>
+        <p:nvPr/>
+      </p:nvGrpSpPr>
+      <p:grpSpPr>
+        <a:xfrm>
+          <a:off x="0" y="0"/>
+          <a:ext cx="0" cy="0"/>
+          <a:chOff x="0" y="0"/>
+          <a:chExt cx="0" cy="0"/>
+        </a:xfrm>
+      </p:grpSpPr>
+      <p:sp>
+        <p:nvSpPr>
+          <p:cNvPr id="2" name="Title 1"/>
+          <p:cNvSpPr>
+            <a:spLocks noGrp="1"/>
+          </p:cNvSpPr>
+          <p:nvPr>
+            <p:ph type="title"/>
+          </p:nvPr>
+        </p:nvSpPr>
+        <p:spPr/>
+        <p:txBody>
+          <a:bodyPr>
+            <a:normAutofit/>
+          </a:bodyPr>
+          <a:lstStyle/>
+          <a:p>
+            <a:r>
+              <a:rPr lang="en-US" dirty="0" smtClean="0"/>
+              <a:t>The </a:t>
+            </a:r>
+            <a:br>
+              <a:rPr lang="en-US" dirty="0" smtClean="0"/>
+            </a:br>
+            <a:r>
+              <a:rPr lang="en-US" dirty="0" smtClean="0"/>
+              <a:t>Results</a:t>
+            </a:r>
+            <a:endParaRPr lang="en-US" dirty="0"/>
+          </a:p>
+        </p:txBody>
+      </p:sp>
+      <p:sp>
+        <p:nvSpPr>
+          <p:cNvPr id="3" name="Text Placeholder 2"/>
+          <p:cNvSpPr>
+            <a:spLocks noGrp="1"/>
+          </p:cNvSpPr>
+          <p:nvPr>
+            <p:ph type="body" idx="1"/>
+          </p:nvPr>
+        </p:nvSpPr>
+        <p:spPr>
+          <a:xfrm>
+            <a:off x="3242930" y="5159781"/>
+            <a:ext cx="7017488" cy="1212444"/>
+          </a:xfrm>
+        </p:spPr>
+        <p:txBody>
+          <a:bodyPr>
+            <a:normAutofit/>
+          </a:bodyPr>
+          <a:lstStyle/>
+          <a:p>
+            <a:r>
+              <a:rPr lang="en-US" dirty="0" smtClean="0"/>
+              <a:t>Analysis of actual</a:t>
+            </a:r>
+          </a:p>
+          <a:p>
+            <a:r>
+              <a:rPr lang="en-US" dirty="0" smtClean="0"/>
+              <a:t>Competition</a:t>
+            </a:r>
+          </a:p>
+          <a:p>
+            <a:r>
+              <a:rPr lang="en-US" dirty="0" smtClean="0"/>
+              <a:t>Future Development</a:t>
+            </a:r>
+            <a:endParaRPr lang="en-US" dirty="0"/>
+          </a:p>
+        </p:txBody>
+      </p:sp>
+    </p:spTree>
+    <p:extLst>
+      <p:ext uri="{BB962C8B-B14F-4D97-AF65-F5344CB8AC3E}">
+        <p14:creationId xmlns:p14="http://schemas.microsoft.com/office/powerpoint/2010/main" val="726073454"/>
+      </p:ext>
+    </p:extLst>
+  </p:cSld>
+  <p:clrMapOvr>
+    <a:masterClrMapping/>
+  </p:clrMapOvr>
+</p:sld>
+</file>
+
+<file path=ppt/slides/slide15.xml><?xml version="1.0" encoding="utf-8"?>
+<p:sld xmlns:a="http://schemas.openxmlformats.org/drawingml/2006/main" xmlns:r="http://schemas.openxmlformats.org/officeDocument/2006/relationships" xmlns:p="http://schemas.openxmlformats.org/presentationml/2006/main">
+  <p:cSld>
+    <p:spTree>
+      <p:nvGrpSpPr>
+        <p:cNvPr id="1" name=""/>
+        <p:cNvGrpSpPr/>
+        <p:nvPr/>
+      </p:nvGrpSpPr>
+      <p:grpSpPr>
+        <a:xfrm>
+          <a:off x="0" y="0"/>
+          <a:ext cx="0" cy="0"/>
+          <a:chOff x="0" y="0"/>
+          <a:chExt cx="0" cy="0"/>
+        </a:xfrm>
+      </p:grpSpPr>
+      <p:sp>
+        <p:nvSpPr>
+          <p:cNvPr id="2" name="Title 1"/>
+          <p:cNvSpPr>
+            <a:spLocks noGrp="1"/>
+          </p:cNvSpPr>
+          <p:nvPr>
+            <p:ph type="title"/>
+          </p:nvPr>
+        </p:nvSpPr>
+        <p:spPr/>
+        <p:txBody>
+          <a:bodyPr/>
+          <a:lstStyle/>
+          <a:p>
+            <a:r>
+              <a:rPr lang="en-US" dirty="0" smtClean="0"/>
+              <a:t>Analysis of Actual Competition</a:t>
+            </a:r>
+            <a:endParaRPr lang="en-US" dirty="0"/>
+          </a:p>
+        </p:txBody>
+      </p:sp>
+      <p:sp>
+        <p:nvSpPr>
+          <p:cNvPr id="3" name="Content Placeholder 2"/>
+          <p:cNvSpPr>
+            <a:spLocks noGrp="1"/>
+          </p:cNvSpPr>
+          <p:nvPr>
+            <p:ph idx="1"/>
+          </p:nvPr>
+        </p:nvSpPr>
+        <p:spPr>
+          <a:xfrm>
+            <a:off x="1251678" y="2014539"/>
+            <a:ext cx="10178322" cy="4243386"/>
+          </a:xfrm>
+        </p:spPr>
+        <p:txBody>
+          <a:bodyPr>
+            <a:normAutofit/>
+          </a:bodyPr>
+          <a:lstStyle/>
+          <a:p>
+            <a:pPr marL="0" indent="0">
+              <a:buNone/>
+            </a:pPr>
+            <a:r>
+              <a:rPr lang="en-US" dirty="0" smtClean="0">
+                <a:solidFill>
+                  <a:schemeClr val="accent4">
+                    <a:lumMod val="75000"/>
+                  </a:schemeClr>
+                </a:solidFill>
+              </a:rPr>
+              <a:t>+ Agent maintained reasonably average score</a:t>
+            </a:r>
+          </a:p>
+          <a:p>
+            <a:pPr marL="0" indent="0">
+              <a:buNone/>
+            </a:pPr>
+            <a:r>
+              <a:rPr lang="en-US" dirty="0" smtClean="0">
+                <a:solidFill>
+                  <a:schemeClr val="accent4">
+                    <a:lumMod val="75000"/>
+                  </a:schemeClr>
+                </a:solidFill>
+              </a:rPr>
+              <a:t>+ When little competition for hotels, agent’s performance was steady</a:t>
+            </a:r>
+          </a:p>
+          <a:p>
+            <a:pPr marL="0" indent="0">
+              <a:buNone/>
+            </a:pPr>
+            <a:r>
+              <a:rPr lang="en-US" dirty="0" smtClean="0">
+                <a:solidFill>
+                  <a:schemeClr val="accent4">
+                    <a:lumMod val="75000"/>
+                  </a:schemeClr>
+                </a:solidFill>
+              </a:rPr>
+              <a:t>+ With hard competition for hotels, agent often outperformed others</a:t>
+            </a:r>
+          </a:p>
+          <a:p>
+            <a:pPr marL="0" indent="0">
+              <a:buNone/>
+            </a:pPr>
+            <a:r>
+              <a:rPr lang="en-US" dirty="0" smtClean="0">
+                <a:solidFill>
+                  <a:schemeClr val="accent4">
+                    <a:lumMod val="75000"/>
+                  </a:schemeClr>
+                </a:solidFill>
+              </a:rPr>
+              <a:t>+ Earned a premium through sale of entertainment at end game, often boosting score</a:t>
+            </a:r>
+          </a:p>
+          <a:p>
+            <a:pPr marL="0" indent="0">
+              <a:buNone/>
+            </a:pPr>
+            <a:r>
+              <a:rPr lang="en-US" dirty="0" smtClean="0">
+                <a:solidFill>
+                  <a:schemeClr val="accent5">
+                    <a:lumMod val="75000"/>
+                  </a:schemeClr>
+                </a:solidFill>
+              </a:rPr>
+              <a:t>- Lost utility often through hotel type switching, when not outbid for old package</a:t>
+            </a:r>
+          </a:p>
+          <a:p>
+            <a:pPr marL="0" indent="0">
+              <a:buNone/>
+            </a:pPr>
+            <a:r>
+              <a:rPr lang="en-US" dirty="0" smtClean="0">
+                <a:solidFill>
+                  <a:schemeClr val="accent5">
+                    <a:lumMod val="75000"/>
+                  </a:schemeClr>
+                </a:solidFill>
+              </a:rPr>
+              <a:t>- Optimum global end game allocation not calculated before buying flights</a:t>
+            </a:r>
+          </a:p>
+          <a:p>
+            <a:pPr marL="0" indent="0">
+              <a:buNone/>
+            </a:pPr>
+            <a:r>
+              <a:rPr lang="en-US" sz="1400" dirty="0" smtClean="0">
+                <a:solidFill>
+                  <a:schemeClr val="tx1"/>
+                </a:solidFill>
+              </a:rPr>
+              <a:t>&gt;</a:t>
+            </a:r>
+            <a:r>
+              <a:rPr lang="en-US" dirty="0" smtClean="0">
+                <a:solidFill>
+                  <a:schemeClr val="tx1"/>
+                </a:solidFill>
+              </a:rPr>
+              <a:t> Agent didn’t cap spending, just allocated best of the worst options</a:t>
+            </a:r>
+          </a:p>
+        </p:txBody>
+      </p:sp>
+      <p:sp>
+        <p:nvSpPr>
+          <p:cNvPr id="4" name="Rectangle 3"/>
+          <p:cNvSpPr/>
+          <p:nvPr/>
+        </p:nvSpPr>
+        <p:spPr>
+          <a:xfrm>
+            <a:off x="1251678" y="5841684"/>
+            <a:ext cx="10178322" cy="736099"/>
+          </a:xfrm>
+          <a:prstGeom prst="rect">
+            <a:avLst/>
+          </a:prstGeom>
+        </p:spPr>
+        <p:txBody>
+          <a:bodyPr wrap="square">
+            <a:spAutoFit/>
+          </a:bodyPr>
+          <a:lstStyle/>
+          <a:p>
+            <a:pPr lvl="0" defTabSz="914400">
+              <a:spcBef>
+                <a:spcPts val="700"/>
+              </a:spcBef>
+              <a:buClr>
+                <a:srgbClr val="F3F3F2"/>
+              </a:buClr>
+            </a:pPr>
+            <a:r>
+              <a:rPr lang="en-US" sz="2000" b="1" cap="all" spc="400" dirty="0" smtClean="0">
+                <a:solidFill>
+                  <a:srgbClr val="F8B323"/>
+                </a:solidFill>
+              </a:rPr>
+              <a:t>Agent ended in 6</a:t>
+            </a:r>
+            <a:r>
+              <a:rPr lang="en-US" sz="2000" b="1" cap="all" spc="400" baseline="30000" dirty="0" smtClean="0">
+                <a:solidFill>
+                  <a:srgbClr val="F8B323"/>
+                </a:solidFill>
+              </a:rPr>
+              <a:t>th</a:t>
+            </a:r>
+            <a:r>
+              <a:rPr lang="en-US" sz="2000" b="1" cap="all" spc="400" dirty="0" smtClean="0">
+                <a:solidFill>
+                  <a:srgbClr val="F8B323"/>
+                </a:solidFill>
+              </a:rPr>
+              <a:t> place with 2393.69</a:t>
+            </a:r>
+          </a:p>
+          <a:p>
+            <a:pPr lvl="0" algn="r" defTabSz="914400">
+              <a:spcBef>
+                <a:spcPts val="700"/>
+              </a:spcBef>
+              <a:buClr>
+                <a:srgbClr val="F3F3F2"/>
+              </a:buClr>
+            </a:pPr>
+            <a:r>
+              <a:rPr lang="en-US" sz="1600" b="1" cap="all" spc="400" dirty="0" smtClean="0">
+                <a:solidFill>
+                  <a:schemeClr val="tx2">
+                    <a:lumMod val="90000"/>
+                    <a:lumOff val="10000"/>
+                  </a:schemeClr>
+                </a:solidFill>
+              </a:rPr>
+              <a:t>2680 – First place</a:t>
+            </a:r>
+            <a:endParaRPr lang="en-US" sz="1400" b="1" cap="all" spc="400" dirty="0">
+              <a:solidFill>
+                <a:schemeClr val="tx2">
+                  <a:lumMod val="90000"/>
+                  <a:lumOff val="10000"/>
+                </a:schemeClr>
+              </a:solidFill>
+            </a:endParaRPr>
+          </a:p>
+        </p:txBody>
+      </p:sp>
+    </p:spTree>
+    <p:extLst>
+      <p:ext uri="{BB962C8B-B14F-4D97-AF65-F5344CB8AC3E}">
+        <p14:creationId xmlns:p14="http://schemas.microsoft.com/office/powerpoint/2010/main" val="144565903"/>
+      </p:ext>
+    </p:extLst>
+  </p:cSld>
+  <p:clrMapOvr>
+    <a:masterClrMapping/>
+  </p:clrMapOvr>
+</p:sld>
+</file>
+
+<file path=ppt/slides/slide16.xml><?xml version="1.0" encoding="utf-8"?>
+<p:sld xmlns:a="http://schemas.openxmlformats.org/drawingml/2006/main" xmlns:r="http://schemas.openxmlformats.org/officeDocument/2006/relationships" xmlns:p="http://schemas.openxmlformats.org/presentationml/2006/main">
+  <p:cSld>
+    <p:spTree>
+      <p:nvGrpSpPr>
+        <p:cNvPr id="1" name=""/>
+        <p:cNvGrpSpPr/>
+        <p:nvPr/>
+      </p:nvGrpSpPr>
+      <p:grpSpPr>
+        <a:xfrm>
+          <a:off x="0" y="0"/>
+          <a:ext cx="0" cy="0"/>
+          <a:chOff x="0" y="0"/>
+          <a:chExt cx="0" cy="0"/>
+        </a:xfrm>
+      </p:grpSpPr>
+      <p:sp>
+        <p:nvSpPr>
+          <p:cNvPr id="2" name="Title 1"/>
+          <p:cNvSpPr>
+            <a:spLocks noGrp="1"/>
+          </p:cNvSpPr>
+          <p:nvPr>
+            <p:ph type="title"/>
+          </p:nvPr>
+        </p:nvSpPr>
+        <p:spPr/>
+        <p:txBody>
+          <a:bodyPr/>
+          <a:lstStyle/>
+          <a:p>
+            <a:r>
+              <a:rPr lang="en-US" dirty="0" smtClean="0"/>
+              <a:t>Future Development</a:t>
+            </a:r>
+            <a:endParaRPr lang="en-US" dirty="0"/>
+          </a:p>
+        </p:txBody>
+      </p:sp>
+      <p:sp>
+        <p:nvSpPr>
+          <p:cNvPr id="3" name="Content Placeholder 2"/>
+          <p:cNvSpPr>
+            <a:spLocks noGrp="1"/>
+          </p:cNvSpPr>
+          <p:nvPr>
+            <p:ph idx="1"/>
+          </p:nvPr>
+        </p:nvSpPr>
+        <p:spPr>
+          <a:xfrm>
+            <a:off x="1251678" y="2014539"/>
+            <a:ext cx="10178322" cy="4243386"/>
+          </a:xfrm>
+        </p:spPr>
+        <p:txBody>
+          <a:bodyPr>
+            <a:normAutofit/>
+          </a:bodyPr>
+          <a:lstStyle/>
+          <a:p>
+            <a:r>
+              <a:rPr lang="en-US" dirty="0" smtClean="0"/>
+              <a:t>Hotel </a:t>
+            </a:r>
+            <a:r>
+              <a:rPr lang="en-US" dirty="0"/>
+              <a:t>type switching (</a:t>
+            </a:r>
+            <a:r>
+              <a:rPr lang="en-US" i="1" dirty="0"/>
+              <a:t>Learn from </a:t>
+            </a:r>
+            <a:r>
+              <a:rPr lang="en-US" i="1" dirty="0" err="1" smtClean="0"/>
+              <a:t>UmbcTAC</a:t>
+            </a:r>
+            <a:r>
+              <a:rPr lang="en-US" i="1" dirty="0" smtClean="0"/>
+              <a:t>[1]</a:t>
+            </a:r>
+            <a:r>
+              <a:rPr lang="en-US" dirty="0" smtClean="0"/>
+              <a:t>)</a:t>
+            </a:r>
+          </a:p>
+          <a:p>
+            <a:pPr lvl="1"/>
+            <a:r>
+              <a:rPr lang="en-US" dirty="0" smtClean="0"/>
+              <a:t>Include extra costs for switching packages</a:t>
+            </a:r>
+          </a:p>
+          <a:p>
+            <a:pPr lvl="1"/>
+            <a:r>
+              <a:rPr lang="en-US" dirty="0" smtClean="0"/>
+              <a:t>Encourage early switching (</a:t>
+            </a:r>
+            <a:r>
+              <a:rPr lang="en-US" i="1" dirty="0" smtClean="0"/>
+              <a:t>first switch costs 0)</a:t>
+            </a:r>
+          </a:p>
+          <a:p>
+            <a:pPr lvl="1"/>
+            <a:r>
+              <a:rPr lang="en-US" dirty="0" smtClean="0"/>
+              <a:t>Only change if profit exceeds threshold </a:t>
+            </a:r>
+            <a:r>
+              <a:rPr lang="en-US" i="1" dirty="0" smtClean="0"/>
+              <a:t>(for example $100)</a:t>
+            </a:r>
+          </a:p>
+          <a:p>
+            <a:r>
+              <a:rPr lang="en-US" dirty="0" smtClean="0"/>
+              <a:t>Factor flight prices in to allocation algorithm</a:t>
+            </a:r>
+            <a:endParaRPr lang="en-US" dirty="0" smtClean="0"/>
+          </a:p>
+          <a:p>
+            <a:r>
+              <a:rPr lang="en-US" dirty="0" smtClean="0"/>
+              <a:t>Consider days outside of initial range</a:t>
+            </a:r>
+          </a:p>
+          <a:p>
+            <a:r>
+              <a:rPr lang="en-US" dirty="0" smtClean="0"/>
+              <a:t>Consider problem on global scale, rather than per client</a:t>
+            </a:r>
+          </a:p>
+          <a:p>
+            <a:r>
+              <a:rPr lang="en-US" dirty="0" smtClean="0"/>
+              <a:t>Cap spending based on actual package utility. Sunk costs are free</a:t>
+            </a:r>
+            <a:endParaRPr lang="en-US" dirty="0"/>
+          </a:p>
+        </p:txBody>
+      </p:sp>
+    </p:spTree>
+    <p:extLst>
+      <p:ext uri="{BB962C8B-B14F-4D97-AF65-F5344CB8AC3E}">
+        <p14:creationId xmlns:p14="http://schemas.microsoft.com/office/powerpoint/2010/main" val="354813626"/>
       </p:ext>
     </p:extLst>
   </p:cSld>
@@ -7926,6 +9016,13 @@
   <p:clrMapOvr>
     <a:masterClrMapping/>
   </p:clrMapOvr>
+  <p:timing>
+    <p:tnLst>
+      <p:par>
+        <p:cTn id="1" dur="indefinite" restart="never" nodeType="tmRoot"/>
+      </p:par>
+    </p:tnLst>
+  </p:timing>
 </p:sld>
 </file>
 
@@ -8075,6 +9172,13 @@
   <p:clrMapOvr>
     <a:masterClrMapping/>
   </p:clrMapOvr>
+  <p:timing>
+    <p:tnLst>
+      <p:par>
+        <p:cTn id="1" dur="indefinite" restart="never" nodeType="tmRoot"/>
+      </p:par>
+    </p:tnLst>
+  </p:timing>
 </p:sld>
 </file>
 
@@ -8164,6 +9268,13 @@
   <p:clrMapOvr>
     <a:masterClrMapping/>
   </p:clrMapOvr>
+  <p:timing>
+    <p:tnLst>
+      <p:par>
+        <p:cTn id="1" dur="indefinite" restart="never" nodeType="tmRoot"/>
+      </p:par>
+    </p:tnLst>
+  </p:timing>
 </p:sld>
 </file>
 
@@ -8619,32 +9730,13 @@
             </a:r>
           </a:p>
           <a:p>
-            <a:pPr lvl="0" defTabSz="457200">
-              <a:lnSpc>
-                <a:spcPct val="150000"/>
-              </a:lnSpc>
-              <a:spcBef>
-                <a:spcPts val="0"/>
-              </a:spcBef>
-              <a:buClrTx/>
-            </a:pPr>
             <a:r>
               <a:rPr lang="en-US" sz="1800" dirty="0" smtClean="0"/>
-              <a:t>[1] </a:t>
-            </a:r>
-            <a:r>
-              <a:rPr lang="en-US" sz="1800" b="1" dirty="0" smtClean="0"/>
-              <a:t>Bidding Strategy</a:t>
+              <a:t>[</a:t>
             </a:r>
             <a:r>
               <a:rPr lang="en-US" sz="1800" dirty="0" smtClean="0"/>
-              <a:t>: Bidding max two hotels per package at once</a:t>
-            </a:r>
-          </a:p>
-          <a:p>
-            <a:r>
-              <a:rPr lang="en-US" sz="1800" dirty="0" smtClean="0"/>
-              <a:t>[1] </a:t>
+              <a:t>1] </a:t>
             </a:r>
             <a:r>
               <a:rPr lang="en-US" sz="1800" b="1" dirty="0" smtClean="0"/>
@@ -8740,6 +9832,36 @@
             </a:r>
           </a:p>
           <a:p>
+            <a:pPr lvl="0">
+              <a:lnSpc>
+                <a:spcPct val="150000"/>
+              </a:lnSpc>
+              <a:spcBef>
+                <a:spcPts val="0"/>
+              </a:spcBef>
+            </a:pPr>
+            <a:r>
+              <a:rPr lang="en-US" sz="1800" dirty="0" smtClean="0"/>
+              <a:t>[</a:t>
+            </a:r>
+            <a:r>
+              <a:rPr lang="en-US" sz="1800" dirty="0"/>
+              <a:t>1] </a:t>
+            </a:r>
+            <a:r>
+              <a:rPr lang="en-US" sz="1800" b="1" dirty="0"/>
+              <a:t>Bidding Strategy</a:t>
+            </a:r>
+            <a:r>
+              <a:rPr lang="en-US" sz="1800" dirty="0"/>
+              <a:t>: Bidding max two hotels per package at </a:t>
+            </a:r>
+            <a:r>
+              <a:rPr lang="en-US" sz="1800" dirty="0" smtClean="0"/>
+              <a:t>once</a:t>
+            </a:r>
+          </a:p>
+          <a:p>
             <a:pPr>
               <a:lnSpc>
                 <a:spcPct val="150000"/>
@@ -8749,17 +9871,42 @@
               </a:spcBef>
             </a:pPr>
             <a:r>
+              <a:rPr lang="en-US" sz="1800" dirty="0"/>
+              <a:t>[2] </a:t>
+            </a:r>
+            <a:r>
+              <a:rPr lang="en-US" sz="1800" b="1" dirty="0"/>
+              <a:t>Bidding Strategy</a:t>
+            </a:r>
+            <a:r>
+              <a:rPr lang="en-US" sz="1800" dirty="0"/>
+              <a:t>: Early or deliberate bidding, or </a:t>
+            </a:r>
+            <a:r>
               <a:rPr lang="en-US" sz="1800" dirty="0" smtClean="0"/>
-              <a:t>[2] </a:t>
-            </a:r>
-            <a:r>
-              <a:rPr lang="en-US" sz="1800" b="1" dirty="0" smtClean="0"/>
-              <a:t>Bidding Strategy</a:t>
-            </a:r>
-            <a:r>
-              <a:rPr lang="en-US" sz="1800" dirty="0" smtClean="0"/>
-              <a:t>: Early or deliberate bidding, or both</a:t>
-            </a:r>
+              <a:t>both</a:t>
+            </a:r>
+          </a:p>
+          <a:p>
+            <a:pPr lvl="0">
+              <a:lnSpc>
+                <a:spcPct val="150000"/>
+              </a:lnSpc>
+              <a:spcBef>
+                <a:spcPts val="0"/>
+              </a:spcBef>
+            </a:pPr>
+            <a:endParaRPr lang="en-US" sz="1800" dirty="0" smtClean="0"/>
+          </a:p>
+          <a:p>
+            <a:pPr>
+              <a:lnSpc>
+                <a:spcPct val="150000"/>
+              </a:lnSpc>
+              <a:spcBef>
+                <a:spcPts val="0"/>
+              </a:spcBef>
+            </a:pPr>
             <a:endParaRPr lang="en-US" sz="1800" dirty="0"/>
           </a:p>
         </p:txBody>
@@ -8828,6 +9975,13 @@
   <p:clrMapOvr>
     <a:masterClrMapping/>
   </p:clrMapOvr>
+  <p:timing>
+    <p:tnLst>
+      <p:par>
+        <p:cTn id="1" dur="indefinite" restart="never" nodeType="tmRoot"/>
+      </p:par>
+    </p:tnLst>
+  </p:timing>
 </p:sld>
 </file>
 
@@ -8906,6 +10060,13 @@
   <p:clrMapOvr>
     <a:masterClrMapping/>
   </p:clrMapOvr>
+  <p:timing>
+    <p:tnLst>
+      <p:par>
+        <p:cTn id="1" dur="indefinite" restart="never" nodeType="tmRoot"/>
+      </p:par>
+    </p:tnLst>
+  </p:timing>
 </p:sld>
 </file>
 
@@ -8975,21 +10136,45 @@
             </a:r>
             <a:r>
               <a:rPr lang="en-US" dirty="0" smtClean="0"/>
-              <a:t> class</a:t>
+              <a:t> class </a:t>
+            </a:r>
+            <a:r>
+              <a:rPr lang="en-US" i="1" dirty="0" smtClean="0"/>
+              <a:t>[</a:t>
+            </a:r>
+            <a:r>
+              <a:rPr lang="en-US" i="1" dirty="0" err="1" smtClean="0"/>
+              <a:t>UmbcTAC</a:t>
+            </a:r>
+            <a:r>
+              <a:rPr lang="en-US" i="1" dirty="0" smtClean="0"/>
+              <a:t>[1</a:t>
+            </a:r>
+            <a:r>
+              <a:rPr lang="en-US" i="1" dirty="0" smtClean="0"/>
+              <a:t>] allocation strategy]</a:t>
             </a:r>
           </a:p>
           <a:p>
             <a:pPr lvl="1"/>
             <a:r>
-              <a:rPr lang="en-US" dirty="0" smtClean="0"/>
-              <a:t>Compute own package - current costs &amp; items owned</a:t>
+              <a:rPr lang="en-US" b="1" dirty="0" smtClean="0"/>
+              <a:t>Computes desired package </a:t>
+            </a:r>
+            <a:r>
+              <a:rPr lang="en-US" dirty="0" smtClean="0"/>
+              <a:t>– uses current/estimated costs &amp; items owned</a:t>
             </a:r>
           </a:p>
           <a:p>
             <a:pPr lvl="1"/>
             <a:r>
-              <a:rPr lang="en-US" dirty="0" smtClean="0"/>
-              <a:t>Able to compute which entertainment it wants, based on cost, sell pric</a:t>
+              <a:rPr lang="en-US" b="1" dirty="0" smtClean="0"/>
+              <a:t>Computes entertainment choices </a:t>
+            </a:r>
+            <a:r>
+              <a:rPr lang="en-US" dirty="0" smtClean="0"/>
+              <a:t>– uses current cost, sell pric</a:t>
             </a:r>
             <a:r>
               <a:rPr lang="en-US" dirty="0" smtClean="0"/>
@@ -9003,8 +10188,16 @@
           <a:p>
             <a:pPr lvl="1"/>
             <a:r>
-              <a:rPr lang="en-US" dirty="0" smtClean="0"/>
-              <a:t>Decides if it wants cheap or good hotels based on estimated costs of package</a:t>
+              <a:rPr lang="en-US" b="1" dirty="0" smtClean="0"/>
+              <a:t>Switches between </a:t>
+            </a:r>
+            <a:r>
+              <a:rPr lang="en-US" b="1" dirty="0" smtClean="0"/>
+              <a:t>Good and Cheap </a:t>
+            </a:r>
+            <a:r>
+              <a:rPr lang="en-US" dirty="0" smtClean="0"/>
+              <a:t>- based on estimated costs of packages</a:t>
             </a:r>
           </a:p>
           <a:p>
@@ -9016,29 +10209,66 @@
           <a:p>
             <a:pPr lvl="1"/>
             <a:r>
-              <a:rPr lang="en-US" dirty="0" smtClean="0"/>
-              <a:t>Tells each client what is available and at what price – owned items are free to use</a:t>
+              <a:rPr lang="en-US" b="1" dirty="0" smtClean="0"/>
+              <a:t>Tracks availability and prices </a:t>
+            </a:r>
+            <a:r>
+              <a:rPr lang="en-US" dirty="0" smtClean="0"/>
+              <a:t>– tells </a:t>
+            </a:r>
+            <a:r>
+              <a:rPr lang="en-US" dirty="0" err="1" smtClean="0"/>
+              <a:t>TACClients</a:t>
+            </a:r>
+            <a:r>
+              <a:rPr lang="en-US" dirty="0" smtClean="0"/>
+              <a:t>, reports owned items as free to use</a:t>
             </a:r>
           </a:p>
           <a:p>
             <a:pPr lvl="1"/>
             <a:r>
-              <a:rPr lang="en-US" dirty="0" smtClean="0"/>
-              <a:t>Asks each client to compute its desired package</a:t>
-            </a:r>
+              <a:rPr lang="en-US" b="1" dirty="0" smtClean="0"/>
+              <a:t>Asks for </a:t>
+            </a:r>
+            <a:r>
+              <a:rPr lang="en-US" b="1" dirty="0" err="1" smtClean="0"/>
+              <a:t>TACClients</a:t>
+            </a:r>
+            <a:r>
+              <a:rPr lang="en-US" b="1" dirty="0"/>
+              <a:t> </a:t>
+            </a:r>
+            <a:r>
+              <a:rPr lang="en-US" b="1" dirty="0" smtClean="0"/>
+              <a:t>desired packages</a:t>
+            </a:r>
+            <a:endParaRPr lang="en-US" dirty="0" smtClean="0"/>
           </a:p>
           <a:p>
             <a:pPr lvl="1"/>
             <a:r>
-              <a:rPr lang="en-US" dirty="0" smtClean="0"/>
-              <a:t>Picks package with best price and removes allocation from available resources</a:t>
+              <a:rPr lang="en-US" b="1" dirty="0" smtClean="0"/>
+              <a:t>Chooses highest utility package </a:t>
+            </a:r>
+            <a:r>
+              <a:rPr lang="en-US" dirty="0" smtClean="0"/>
+              <a:t>– removes allocation from available assets (no double booking)</a:t>
             </a:r>
           </a:p>
           <a:p>
             <a:pPr lvl="1"/>
             <a:r>
-              <a:rPr lang="en-US" dirty="0" smtClean="0"/>
-              <a:t>Repeat until all clients have allocated package, then set</a:t>
+              <a:rPr lang="en-US" b="1" dirty="0" smtClean="0"/>
+              <a:t>Repeat</a:t>
+            </a:r>
+            <a:r>
+              <a:rPr lang="en-US" dirty="0" smtClean="0"/>
+              <a:t> –  until all clients have allocated package, then </a:t>
+            </a:r>
+            <a:r>
+              <a:rPr lang="en-US" dirty="0" err="1" smtClean="0"/>
+              <a:t>setAllocation</a:t>
             </a:r>
             <a:endParaRPr lang="en-US" dirty="0"/>
           </a:p>
@@ -9214,26 +10444,176 @@
           </a:xfrm>
         </p:spPr>
         <p:txBody>
-          <a:bodyPr/>
+          <a:bodyPr>
+            <a:normAutofit/>
+          </a:bodyPr>
           <a:lstStyle/>
           <a:p>
             <a:r>
               <a:rPr lang="en-US" dirty="0" smtClean="0"/>
+              <a:t>Mix of Early and Deliberate bidding (</a:t>
+            </a:r>
+            <a:r>
+              <a:rPr lang="en-US" i="1" dirty="0" smtClean="0"/>
+              <a:t>Example </a:t>
+            </a:r>
+            <a:r>
+              <a:rPr lang="en-US" i="1" dirty="0" err="1" smtClean="0"/>
+              <a:t>ATTac</a:t>
+            </a:r>
+            <a:r>
+              <a:rPr lang="en-US" i="1" dirty="0" smtClean="0"/>
+              <a:t>[1]</a:t>
+            </a:r>
+            <a:r>
+              <a:rPr lang="en-US" dirty="0" smtClean="0"/>
+              <a:t>)</a:t>
+            </a:r>
+            <a:endParaRPr lang="en-US" dirty="0" smtClean="0"/>
+          </a:p>
+          <a:p>
+            <a:r>
+              <a:rPr lang="en-US" dirty="0" smtClean="0"/>
               <a:t>Hotels</a:t>
             </a:r>
           </a:p>
           <a:p>
             <a:pPr lvl="1"/>
             <a:r>
-              <a:rPr lang="en-US" dirty="0" smtClean="0"/>
-              <a:t>Bid on initial allocation at {x, 50} to cover hotels that close before first price update</a:t>
+              <a:rPr lang="en-US" b="1" dirty="0" smtClean="0"/>
+              <a:t>Bid on initial allocation</a:t>
+            </a:r>
+            <a:r>
+              <a:rPr lang="en-US" dirty="0" smtClean="0"/>
+              <a:t> </a:t>
+            </a:r>
+            <a:r>
+              <a:rPr lang="en-US" b="1" dirty="0" smtClean="0"/>
+              <a:t>at {x, 50} - </a:t>
+            </a:r>
+            <a:r>
+              <a:rPr lang="en-US" dirty="0" smtClean="0"/>
+              <a:t>cover hotels that close before first price update</a:t>
             </a:r>
           </a:p>
           <a:p>
             <a:pPr lvl="1"/>
             <a:r>
-              <a:rPr lang="en-US" dirty="0" smtClean="0"/>
+              <a:rPr lang="en-US" b="1" dirty="0" smtClean="0"/>
               <a:t>Update bid to </a:t>
+            </a:r>
+            <a:r>
+              <a:rPr lang="en-US" b="1" dirty="0" err="1" smtClean="0"/>
+              <a:t>askPrice</a:t>
+            </a:r>
+            <a:r>
+              <a:rPr lang="en-US" b="1" dirty="0" smtClean="0"/>
+              <a:t> + 50 - </a:t>
+            </a:r>
+            <a:r>
+              <a:rPr lang="en-US" dirty="0" smtClean="0"/>
+              <a:t>every minute, after reevaluating allocation</a:t>
+            </a:r>
+            <a:r>
+              <a:rPr lang="en-US" smtClean="0"/>
+              <a:t>. </a:t>
+            </a:r>
+          </a:p>
+          <a:p>
+            <a:r>
+              <a:rPr lang="en-US" smtClean="0"/>
+              <a:t>Flights</a:t>
+            </a:r>
+            <a:endParaRPr lang="en-US" dirty="0" smtClean="0"/>
+          </a:p>
+          <a:p>
+            <a:pPr lvl="1"/>
+            <a:r>
+              <a:rPr lang="en-US" b="1" dirty="0" smtClean="0"/>
+              <a:t>Place no bids, </a:t>
+            </a:r>
+            <a:r>
+              <a:rPr lang="en-US" dirty="0" smtClean="0"/>
+              <a:t>but update expected allocation</a:t>
+            </a:r>
+            <a:endParaRPr lang="en-US" dirty="0" smtClean="0"/>
+          </a:p>
+          <a:p>
+            <a:r>
+              <a:rPr lang="en-US" dirty="0" smtClean="0"/>
+              <a:t>Entertainment</a:t>
+            </a:r>
+          </a:p>
+          <a:p>
+            <a:pPr lvl="1"/>
+            <a:r>
+              <a:rPr lang="en-US" b="1" dirty="0" smtClean="0"/>
+              <a:t>Bid on initial allocation - </a:t>
+            </a:r>
+            <a:r>
+              <a:rPr lang="en-US" dirty="0" smtClean="0"/>
+              <a:t>{x, bidPrice+1}</a:t>
+            </a:r>
+          </a:p>
+          <a:p>
+            <a:pPr lvl="1"/>
+            <a:r>
+              <a:rPr lang="en-US" b="1" dirty="0" smtClean="0"/>
+              <a:t>Update bidPrice+1 </a:t>
+            </a:r>
+            <a:r>
+              <a:rPr lang="en-US" dirty="0" smtClean="0"/>
+              <a:t>– for +</a:t>
+            </a:r>
+            <a:r>
+              <a:rPr lang="en-US" dirty="0" err="1" smtClean="0"/>
+              <a:t>alloc</a:t>
+            </a:r>
+            <a:r>
+              <a:rPr lang="en-US" dirty="0" smtClean="0"/>
+              <a:t>, every time prices update</a:t>
+            </a:r>
+          </a:p>
+          <a:p>
+            <a:pPr lvl="1"/>
+            <a:r>
+              <a:rPr lang="en-US" b="1" dirty="0" smtClean="0"/>
+              <a:t>Update </a:t>
+            </a:r>
+            <a:r>
+              <a:rPr lang="en-US" b="1" dirty="0" err="1" smtClean="0"/>
+              <a:t>askPrice</a:t>
+            </a:r>
+            <a:r>
+              <a:rPr lang="en-US" b="1" dirty="0" smtClean="0"/>
+              <a:t> to askPrice-1 </a:t>
+            </a:r>
+            <a:r>
+              <a:rPr lang="en-US" dirty="0" smtClean="0"/>
+              <a:t>– for –</a:t>
+            </a:r>
+            <a:r>
+              <a:rPr lang="en-US" dirty="0" err="1" smtClean="0"/>
+              <a:t>alloc</a:t>
+            </a:r>
+            <a:r>
+              <a:rPr lang="en-US" dirty="0" smtClean="0"/>
+              <a:t>, every time prices update</a:t>
+            </a:r>
+          </a:p>
+          <a:p>
+            <a:pPr lvl="1"/>
+            <a:r>
+              <a:rPr lang="en-US" b="1" dirty="0" smtClean="0"/>
+              <a:t>Sell Entertainment</a:t>
+            </a:r>
+            <a:r>
+              <a:rPr lang="en-US" dirty="0"/>
+              <a:t> </a:t>
+            </a:r>
+            <a:r>
+              <a:rPr lang="en-US" dirty="0" smtClean="0"/>
+              <a:t>– if </a:t>
             </a:r>
             <a:r>
               <a:rPr lang="en-US" dirty="0" err="1" smtClean="0"/>
@@ -9241,80 +10621,6 @@
             </a:r>
             <a:r>
               <a:rPr lang="en-US" dirty="0" smtClean="0"/>
-              <a:t> + 50 every minute, after reevaluating allocation.</a:t>
-            </a:r>
-          </a:p>
-          <a:p>
-            <a:r>
-              <a:rPr lang="en-US" dirty="0" smtClean="0"/>
-              <a:t>Flights</a:t>
-            </a:r>
-          </a:p>
-          <a:p>
-            <a:pPr lvl="1"/>
-            <a:r>
-              <a:rPr lang="en-US" dirty="0" smtClean="0"/>
-              <a:t>Update expected allocation, but place no bids</a:t>
-            </a:r>
-            <a:endParaRPr lang="en-US" dirty="0" smtClean="0"/>
-          </a:p>
-          <a:p>
-            <a:r>
-              <a:rPr lang="en-US" dirty="0" smtClean="0"/>
-              <a:t>Entertainment</a:t>
-            </a:r>
-          </a:p>
-          <a:p>
-            <a:pPr lvl="1"/>
-            <a:r>
-              <a:rPr lang="en-US" dirty="0" smtClean="0"/>
-              <a:t>Bid on initial allocation at {x, bidPrice+1}</a:t>
-            </a:r>
-          </a:p>
-          <a:p>
-            <a:pPr lvl="1"/>
-            <a:r>
-              <a:rPr lang="en-US" dirty="0" smtClean="0"/>
-              <a:t>Update bidPrice+1 every time prices update for +</a:t>
-            </a:r>
-            <a:r>
-              <a:rPr lang="en-US" dirty="0" err="1" smtClean="0"/>
-              <a:t>alloc</a:t>
-            </a:r>
-            <a:endParaRPr lang="en-US" dirty="0" smtClean="0"/>
-          </a:p>
-          <a:p>
-            <a:pPr lvl="1"/>
-            <a:r>
-              <a:rPr lang="en-US" dirty="0" smtClean="0"/>
-              <a:t>Update </a:t>
-            </a:r>
-            <a:r>
-              <a:rPr lang="en-US" dirty="0" err="1" smtClean="0"/>
-              <a:t>askPrice</a:t>
-            </a:r>
-            <a:r>
-              <a:rPr lang="en-US" dirty="0" smtClean="0"/>
-              <a:t> to askPrice-1 every time prices update for -</a:t>
-            </a:r>
-            <a:r>
-              <a:rPr lang="en-US" dirty="0" err="1" smtClean="0"/>
-              <a:t>alloc</a:t>
-            </a:r>
-            <a:endParaRPr lang="en-US" dirty="0" smtClean="0"/>
-          </a:p>
-          <a:p>
-            <a:pPr lvl="1"/>
-            <a:r>
-              <a:rPr lang="en-US" dirty="0" smtClean="0"/>
-              <a:t>If </a:t>
-            </a:r>
-            <a:r>
-              <a:rPr lang="en-US" dirty="0" err="1" smtClean="0"/>
-              <a:t>askPrice</a:t>
-            </a:r>
-            <a:r>
-              <a:rPr lang="en-US" dirty="0" smtClean="0"/>
               <a:t> close to </a:t>
             </a:r>
             <a:r>
@@ -9323,7 +10629,7 @@
             </a:r>
             <a:r>
               <a:rPr lang="en-US" dirty="0" smtClean="0"/>
-              <a:t> and higher than client’s value, sell entertainment</a:t>
+              <a:t> and higher than client’s value</a:t>
             </a:r>
             <a:endParaRPr lang="en-US" dirty="0"/>
           </a:p>
@@ -9470,8 +10776,12 @@
           <a:p>
             <a:pPr lvl="1"/>
             <a:r>
-              <a:rPr lang="en-US" dirty="0" smtClean="0"/>
-              <a:t>By this point all hotel auctions have closed</a:t>
+              <a:rPr lang="en-US" b="1" dirty="0" smtClean="0"/>
+              <a:t>No bids </a:t>
+            </a:r>
+            <a:r>
+              <a:rPr lang="en-US" dirty="0" smtClean="0"/>
+              <a:t>– By this point all hotel auctions have closed</a:t>
             </a:r>
           </a:p>
           <a:p>
@@ -9483,8 +10793,12 @@
           <a:p>
             <a:pPr lvl="1"/>
             <a:r>
-              <a:rPr lang="en-US" dirty="0" smtClean="0"/>
-              <a:t>Place bids </a:t>
+              <a:rPr lang="en-US" b="1" dirty="0" smtClean="0"/>
+              <a:t>Place all bids </a:t>
+            </a:r>
+            <a:r>
+              <a:rPr lang="en-US" dirty="0" smtClean="0"/>
+              <a:t>– Place bids </a:t>
             </a:r>
             <a:r>
               <a:rPr lang="en-US" dirty="0" smtClean="0"/>
@@ -9504,6 +10818,17 @@
             <a:endParaRPr lang="en-US" dirty="0" smtClean="0"/>
           </a:p>
           <a:p>
+            <a:pPr lvl="1"/>
+            <a:r>
+              <a:rPr lang="en-US" i="1" dirty="0" err="1" smtClean="0"/>
+              <a:t>Attac</a:t>
+            </a:r>
+            <a:r>
+              <a:rPr lang="en-US" i="1" dirty="0" smtClean="0"/>
+              <a:t>[1] bidding strategy</a:t>
+            </a:r>
+          </a:p>
+          <a:p>
             <a:r>
               <a:rPr lang="en-US" dirty="0" smtClean="0"/>
               <a:t>Entertainment</a:t>
@@ -9512,12 +10837,12 @@
           <a:p>
             <a:pPr lvl="1"/>
             <a:r>
-              <a:rPr lang="en-US" dirty="0" smtClean="0"/>
-              <a:t>When </a:t>
-            </a:r>
-            <a:r>
-              <a:rPr lang="en-US" dirty="0"/>
-              <a:t>game has 30s left, sell entertainment where </a:t>
+              <a:rPr lang="en-US" b="1" dirty="0" smtClean="0"/>
+              <a:t>At 30s, sell entertainment </a:t>
+            </a:r>
+            <a:r>
+              <a:rPr lang="en-US" dirty="0" smtClean="0"/>
+              <a:t>– where </a:t>
             </a:r>
             <a:r>
               <a:rPr lang="en-US" dirty="0" err="1"/>
@@ -9525,11 +10850,42 @@
             </a:r>
             <a:r>
               <a:rPr lang="en-US" dirty="0"/>
-              <a:t> &gt; client’s value, and &gt; </a:t>
-            </a:r>
-            <a:r>
-              <a:rPr lang="en-US" dirty="0" smtClean="0"/>
-              <a:t>85</a:t>
+              <a:t> &gt; </a:t>
+            </a:r>
+            <a:r>
+              <a:rPr lang="en-US" dirty="0" err="1" smtClean="0"/>
+              <a:t>clientsValue</a:t>
+            </a:r>
+            <a:r>
+              <a:rPr lang="en-US" dirty="0"/>
+              <a:t>, and </a:t>
+            </a:r>
+            <a:r>
+              <a:rPr lang="en-US" dirty="0" err="1" smtClean="0"/>
+              <a:t>bidPrice</a:t>
+            </a:r>
+            <a:r>
+              <a:rPr lang="en-US" dirty="0" smtClean="0"/>
+              <a:t> &gt; 85</a:t>
+            </a:r>
+          </a:p>
+          <a:p>
+            <a:pPr lvl="1"/>
+            <a:r>
+              <a:rPr lang="en-US" dirty="0" smtClean="0"/>
+              <a:t>Aim is to beat other’s utility, selling under 85 likely to give more to opponents </a:t>
+            </a:r>
+            <a:r>
+              <a:rPr lang="en-US" dirty="0"/>
+              <a:t>than myself [</a:t>
+            </a:r>
+            <a:r>
+              <a:rPr lang="en-US" i="1" dirty="0" smtClean="0"/>
+              <a:t>Aster[1]</a:t>
+            </a:r>
+            <a:r>
+              <a:rPr lang="en-US" dirty="0" smtClean="0"/>
+              <a:t>]</a:t>
             </a:r>
           </a:p>
         </p:txBody>

--- a/VivaSlides.pptx
+++ b/VivaSlides.pptx
@@ -5,7 +5,7 @@
     <p:sldMasterId id="2147483648" r:id="rId1"/>
   </p:sldMasterIdLst>
   <p:notesMasterIdLst>
-    <p:notesMasterId r:id="rId18"/>
+    <p:notesMasterId r:id="rId19"/>
   </p:notesMasterIdLst>
   <p:sldIdLst>
     <p:sldId id="256" r:id="rId2"/>
@@ -24,6 +24,7 @@
     <p:sldId id="270" r:id="rId15"/>
     <p:sldId id="271" r:id="rId16"/>
     <p:sldId id="272" r:id="rId17"/>
+    <p:sldId id="273" r:id="rId18"/>
   </p:sldIdLst>
   <p:sldSz cx="12192000" cy="6858000"/>
   <p:notesSz cx="6858000" cy="9144000"/>
@@ -8201,7 +8202,7 @@
           <a:p>
             <a:r>
               <a:rPr lang="en-US" dirty="0" smtClean="0"/>
-              <a:t>Problems with my </a:t>
+              <a:t>Weaknesses of my </a:t>
             </a:r>
           </a:p>
           <a:p>
@@ -8260,11 +8261,7 @@
           <a:p>
             <a:r>
               <a:rPr lang="en-US" dirty="0" smtClean="0"/>
-              <a:t>Main </a:t>
-            </a:r>
-            <a:r>
-              <a:rPr lang="en-US" dirty="0" smtClean="0"/>
-              <a:t>Problems of my agent</a:t>
+              <a:t>Weaknesses of my Strategies</a:t>
             </a:r>
             <a:endParaRPr lang="en-US" dirty="0"/>
           </a:p>
@@ -8927,6 +8924,108 @@
   <p:clrMapOvr>
     <a:masterClrMapping/>
   </p:clrMapOvr>
+</p:sld>
+</file>
+
+<file path=ppt/slides/slide17.xml><?xml version="1.0" encoding="utf-8"?>
+<p:sld xmlns:a="http://schemas.openxmlformats.org/drawingml/2006/main" xmlns:r="http://schemas.openxmlformats.org/officeDocument/2006/relationships" xmlns:p="http://schemas.openxmlformats.org/presentationml/2006/main">
+  <p:cSld>
+    <p:spTree>
+      <p:nvGrpSpPr>
+        <p:cNvPr id="1" name=""/>
+        <p:cNvGrpSpPr/>
+        <p:nvPr/>
+      </p:nvGrpSpPr>
+      <p:grpSpPr>
+        <a:xfrm>
+          <a:off x="0" y="0"/>
+          <a:ext cx="0" cy="0"/>
+          <a:chOff x="0" y="0"/>
+          <a:chExt cx="0" cy="0"/>
+        </a:xfrm>
+      </p:grpSpPr>
+      <p:sp>
+        <p:nvSpPr>
+          <p:cNvPr id="2" name="Title 1"/>
+          <p:cNvSpPr>
+            <a:spLocks noGrp="1"/>
+          </p:cNvSpPr>
+          <p:nvPr>
+            <p:ph type="ctrTitle"/>
+          </p:nvPr>
+        </p:nvSpPr>
+        <p:spPr>
+          <a:xfrm>
+            <a:off x="1078523" y="1443038"/>
+            <a:ext cx="10318418" cy="4050338"/>
+          </a:xfrm>
+        </p:spPr>
+        <p:txBody>
+          <a:bodyPr/>
+          <a:lstStyle/>
+          <a:p>
+            <a:r>
+              <a:rPr lang="en-US" smtClean="0"/>
+              <a:t>Thank</a:t>
+            </a:r>
+            <a:br>
+              <a:rPr lang="en-US" smtClean="0"/>
+            </a:br>
+            <a:r>
+              <a:rPr lang="en-US" smtClean="0"/>
+              <a:t>You</a:t>
+            </a:r>
+            <a:endParaRPr lang="en-US" dirty="0"/>
+          </a:p>
+        </p:txBody>
+      </p:sp>
+      <p:sp>
+        <p:nvSpPr>
+          <p:cNvPr id="3" name="Subtitle 2"/>
+          <p:cNvSpPr>
+            <a:spLocks noGrp="1"/>
+          </p:cNvSpPr>
+          <p:nvPr>
+            <p:ph type="subTitle" idx="1"/>
+          </p:nvPr>
+        </p:nvSpPr>
+        <p:spPr>
+          <a:xfrm>
+            <a:off x="2215045" y="6097950"/>
+            <a:ext cx="8045373" cy="433479"/>
+          </a:xfrm>
+        </p:spPr>
+        <p:txBody>
+          <a:bodyPr>
+            <a:normAutofit/>
+          </a:bodyPr>
+          <a:lstStyle/>
+          <a:p>
+            <a:r>
+              <a:rPr lang="en-US" dirty="0" smtClean="0"/>
+              <a:t>for FLYING WITH TAC-AIR!</a:t>
+            </a:r>
+            <a:endParaRPr lang="en-US" dirty="0" smtClean="0"/>
+          </a:p>
+        </p:txBody>
+      </p:sp>
+    </p:spTree>
+    <p:extLst>
+      <p:ext uri="{BB962C8B-B14F-4D97-AF65-F5344CB8AC3E}">
+        <p14:creationId xmlns:p14="http://schemas.microsoft.com/office/powerpoint/2010/main" val="1017478263"/>
+      </p:ext>
+    </p:extLst>
+  </p:cSld>
+  <p:clrMapOvr>
+    <a:masterClrMapping/>
+  </p:clrMapOvr>
+  <p:timing>
+    <p:tnLst>
+      <p:par>
+        <p:cTn id="1" dur="indefinite" restart="never" nodeType="tmRoot"/>
+      </p:par>
+    </p:tnLst>
+  </p:timing>
 </p:sld>
 </file>
 
@@ -10512,19 +10611,14 @@
             </a:r>
             <a:r>
               <a:rPr lang="en-US" dirty="0" smtClean="0"/>
-              <a:t>every minute, after reevaluating allocation</a:t>
-            </a:r>
-            <a:r>
-              <a:rPr lang="en-US" smtClean="0"/>
-              <a:t>. </a:t>
-            </a:r>
-          </a:p>
-          <a:p>
-            <a:r>
-              <a:rPr lang="en-US" smtClean="0"/>
+              <a:t>every minute, after reevaluating allocation. </a:t>
+            </a:r>
+          </a:p>
+          <a:p>
+            <a:r>
+              <a:rPr lang="en-US" dirty="0" smtClean="0"/>
               <a:t>Flights</a:t>
             </a:r>
-            <a:endParaRPr lang="en-US" dirty="0" smtClean="0"/>
           </a:p>
           <a:p>
             <a:pPr lvl="1"/>

--- a/VivaSlides.pptx
+++ b/VivaSlides.pptx
@@ -7,6 +7,9 @@
   <p:notesMasterIdLst>
     <p:notesMasterId r:id="rId19"/>
   </p:notesMasterIdLst>
+  <p:handoutMasterIdLst>
+    <p:handoutMasterId r:id="rId20"/>
+  </p:handoutMasterIdLst>
   <p:sldIdLst>
     <p:sldId id="256" r:id="rId2"/>
     <p:sldId id="265" r:id="rId3"/>
@@ -131,6 +134,171 @@
 </p:presentation>
 </file>
 
+<file path=ppt/handoutMasters/handoutMaster1.xml><?xml version="1.0" encoding="utf-8"?>
+<p:handoutMaster xmlns:a="http://schemas.openxmlformats.org/drawingml/2006/main" xmlns:r="http://schemas.openxmlformats.org/officeDocument/2006/relationships" xmlns:p="http://schemas.openxmlformats.org/presentationml/2006/main">
+  <p:cSld>
+    <p:bg>
+      <p:bgRef idx="1001">
+        <a:schemeClr val="bg1"/>
+      </p:bgRef>
+    </p:bg>
+    <p:spTree>
+      <p:nvGrpSpPr>
+        <p:cNvPr id="1" name=""/>
+        <p:cNvGrpSpPr/>
+        <p:nvPr/>
+      </p:nvGrpSpPr>
+      <p:grpSpPr>
+        <a:xfrm>
+          <a:off x="0" y="0"/>
+          <a:ext cx="0" cy="0"/>
+          <a:chOff x="0" y="0"/>
+          <a:chExt cx="0" cy="0"/>
+        </a:xfrm>
+      </p:grpSpPr>
+      <p:sp>
+        <p:nvSpPr>
+          <p:cNvPr id="2" name="Header Placeholder 1"/>
+          <p:cNvSpPr>
+            <a:spLocks noGrp="1"/>
+          </p:cNvSpPr>
+          <p:nvPr>
+            <p:ph type="hdr" sz="quarter"/>
+          </p:nvPr>
+        </p:nvSpPr>
+        <p:spPr>
+          <a:xfrm>
+            <a:off x="0" y="0"/>
+            <a:ext cx="2971800" cy="458788"/>
+          </a:xfrm>
+          <a:prstGeom prst="rect">
+            <a:avLst/>
+          </a:prstGeom>
+        </p:spPr>
+        <p:txBody>
+          <a:bodyPr vert="horz" lIns="91440" tIns="45720" rIns="91440" bIns="45720" rtlCol="0"/>
+          <a:lstStyle>
+            <a:lvl1pPr algn="l">
+              <a:defRPr sz="1200"/>
+            </a:lvl1pPr>
+          </a:lstStyle>
+          <a:p>
+            <a:endParaRPr lang="en-US"/>
+          </a:p>
+        </p:txBody>
+      </p:sp>
+      <p:sp>
+        <p:nvSpPr>
+          <p:cNvPr id="3" name="Date Placeholder 2"/>
+          <p:cNvSpPr>
+            <a:spLocks noGrp="1"/>
+          </p:cNvSpPr>
+          <p:nvPr>
+            <p:ph type="dt" sz="quarter" idx="1"/>
+          </p:nvPr>
+        </p:nvSpPr>
+        <p:spPr>
+          <a:xfrm>
+            <a:off x="3884613" y="0"/>
+            <a:ext cx="2971800" cy="458788"/>
+          </a:xfrm>
+          <a:prstGeom prst="rect">
+            <a:avLst/>
+          </a:prstGeom>
+        </p:spPr>
+        <p:txBody>
+          <a:bodyPr vert="horz" lIns="91440" tIns="45720" rIns="91440" bIns="45720" rtlCol="0"/>
+          <a:lstStyle>
+            <a:lvl1pPr algn="r">
+              <a:defRPr sz="1200"/>
+            </a:lvl1pPr>
+          </a:lstStyle>
+          <a:p>
+            <a:fld id="{B1DD80EF-7137-3441-8510-8B3FDA743583}" type="datetimeFigureOut">
+              <a:rPr lang="en-US" smtClean="0"/>
+              <a:t>11/10/15</a:t>
+            </a:fld>
+            <a:endParaRPr lang="en-US"/>
+          </a:p>
+        </p:txBody>
+      </p:sp>
+      <p:sp>
+        <p:nvSpPr>
+          <p:cNvPr id="4" name="Footer Placeholder 3"/>
+          <p:cNvSpPr>
+            <a:spLocks noGrp="1"/>
+          </p:cNvSpPr>
+          <p:nvPr>
+            <p:ph type="ftr" sz="quarter" idx="2"/>
+          </p:nvPr>
+        </p:nvSpPr>
+        <p:spPr>
+          <a:xfrm>
+            <a:off x="0" y="8685213"/>
+            <a:ext cx="2971800" cy="458787"/>
+          </a:xfrm>
+          <a:prstGeom prst="rect">
+            <a:avLst/>
+          </a:prstGeom>
+        </p:spPr>
+        <p:txBody>
+          <a:bodyPr vert="horz" lIns="91440" tIns="45720" rIns="91440" bIns="45720" rtlCol="0" anchor="b"/>
+          <a:lstStyle>
+            <a:lvl1pPr algn="l">
+              <a:defRPr sz="1200"/>
+            </a:lvl1pPr>
+          </a:lstStyle>
+          <a:p>
+            <a:endParaRPr lang="en-US"/>
+          </a:p>
+        </p:txBody>
+      </p:sp>
+      <p:sp>
+        <p:nvSpPr>
+          <p:cNvPr id="5" name="Slide Number Placeholder 4"/>
+          <p:cNvSpPr>
+            <a:spLocks noGrp="1"/>
+          </p:cNvSpPr>
+          <p:nvPr>
+            <p:ph type="sldNum" sz="quarter" idx="3"/>
+          </p:nvPr>
+        </p:nvSpPr>
+        <p:spPr>
+          <a:xfrm>
+            <a:off x="3884613" y="8685213"/>
+            <a:ext cx="2971800" cy="458787"/>
+          </a:xfrm>
+          <a:prstGeom prst="rect">
+            <a:avLst/>
+          </a:prstGeom>
+        </p:spPr>
+        <p:txBody>
+          <a:bodyPr vert="horz" lIns="91440" tIns="45720" rIns="91440" bIns="45720" rtlCol="0" anchor="b"/>
+          <a:lstStyle>
+            <a:lvl1pPr algn="r">
+              <a:defRPr sz="1200"/>
+            </a:lvl1pPr>
+          </a:lstStyle>
+          <a:p>
+            <a:fld id="{47C3F5C7-DE89-D949-AC0E-CED2658B7063}" type="slidenum">
+              <a:rPr lang="en-US" smtClean="0"/>
+              <a:t>‹#›</a:t>
+            </a:fld>
+            <a:endParaRPr lang="en-US"/>
+          </a:p>
+        </p:txBody>
+      </p:sp>
+    </p:spTree>
+    <p:extLst>
+      <p:ext uri="{BB962C8B-B14F-4D97-AF65-F5344CB8AC3E}">
+        <p14:creationId xmlns:p14="http://schemas.microsoft.com/office/powerpoint/2010/main" val="938837897"/>
+      </p:ext>
+    </p:extLst>
+  </p:cSld>
+  <p:clrMap bg1="lt1" tx1="dk1" bg2="lt2" tx2="dk2" accent1="accent1" accent2="accent2" accent3="accent3" accent4="accent4" accent5="accent5" accent6="accent6" hlink="hlink" folHlink="folHlink"/>
+</p:handoutMaster>
+</file>
+
 <file path=ppt/notesMasters/notesMaster1.xml><?xml version="1.0" encoding="utf-8"?>
 <p:notesMaster xmlns:a="http://schemas.openxmlformats.org/drawingml/2006/main" xmlns:r="http://schemas.openxmlformats.org/officeDocument/2006/relationships" xmlns:p="http://schemas.openxmlformats.org/presentationml/2006/main">
   <p:cSld>
@@ -213,7 +381,7 @@
           <a:p>
             <a:fld id="{27CC76A3-AE08-BD49-BEFA-FB5D910540E9}" type="datetimeFigureOut">
               <a:rPr lang="en-US" smtClean="0"/>
-              <a:t>11/3/15</a:t>
+              <a:t>11/10/15</a:t>
             </a:fld>
             <a:endParaRPr lang="en-US"/>
           </a:p>
@@ -651,7 +819,53 @@
             </a:r>
             <a:r>
               <a:rPr lang="en-US" baseline="0" dirty="0" smtClean="0"/>
-              <a:t> (Greedy flights/hotel/entertainment)</a:t>
+              <a:t> (Greedy flights/hotel/entertainment</a:t>
+            </a:r>
+            <a:r>
+              <a:rPr lang="en-US" baseline="0" dirty="0" smtClean="0"/>
+              <a:t>) </a:t>
+            </a:r>
+          </a:p>
+          <a:p>
+            <a:r>
+              <a:rPr lang="en-US" baseline="0" dirty="0" smtClean="0"/>
+              <a:t>Estimating </a:t>
+            </a:r>
+            <a:r>
+              <a:rPr lang="en-US" baseline="0" dirty="0" smtClean="0"/>
+              <a:t>Prices: By Design (Flights and Entertainment current costs)</a:t>
+            </a:r>
+          </a:p>
+          <a:p>
+            <a:r>
+              <a:rPr lang="en-US" baseline="0" dirty="0" smtClean="0"/>
+              <a:t>Estimating Prices: </a:t>
+            </a:r>
+            <a:r>
+              <a:rPr lang="en-US" baseline="0" dirty="0" err="1" smtClean="0"/>
+              <a:t>RoxyBot</a:t>
+            </a:r>
+            <a:r>
+              <a:rPr lang="en-US" baseline="0" dirty="0" smtClean="0"/>
+              <a:t>, Aster (Sunk costs are no costs)</a:t>
+            </a:r>
+          </a:p>
+          <a:p>
+            <a:r>
+              <a:rPr lang="en-US" baseline="0" dirty="0" smtClean="0"/>
+              <a:t>Bidding Strategy: </a:t>
+            </a:r>
+            <a:r>
+              <a:rPr lang="en-US" baseline="0" dirty="0" err="1" smtClean="0"/>
+              <a:t>Attac</a:t>
+            </a:r>
+            <a:r>
+              <a:rPr lang="en-US" baseline="0" dirty="0" smtClean="0"/>
+              <a:t> (When to bid in each auction</a:t>
+            </a:r>
+            <a:r>
+              <a:rPr lang="en-US" baseline="0" dirty="0" smtClean="0"/>
+              <a:t>)</a:t>
             </a:r>
           </a:p>
           <a:p>
@@ -659,40 +873,7 @@
               <a:rPr lang="en-US" baseline="0" dirty="0" smtClean="0"/>
               <a:t>Bidding Strategy: Aster (Max two hotels)</a:t>
             </a:r>
-          </a:p>
-          <a:p>
-            <a:r>
-              <a:rPr lang="en-US" baseline="0" dirty="0" smtClean="0"/>
-              <a:t>Estimating Prices: By Design (Flights and Entertainment current costs)</a:t>
-            </a:r>
-          </a:p>
-          <a:p>
-            <a:r>
-              <a:rPr lang="en-US" baseline="0" dirty="0" smtClean="0"/>
-              <a:t>Estimating Prices: </a:t>
-            </a:r>
-            <a:r>
-              <a:rPr lang="en-US" baseline="0" dirty="0" err="1" smtClean="0"/>
-              <a:t>RoxyBot</a:t>
-            </a:r>
-            <a:r>
-              <a:rPr lang="en-US" baseline="0" dirty="0" smtClean="0"/>
-              <a:t>, Aster (Sunk costs are no costs)</a:t>
-            </a:r>
-          </a:p>
-          <a:p>
-            <a:r>
-              <a:rPr lang="en-US" baseline="0" dirty="0" smtClean="0"/>
-              <a:t>Bidding Strategy: </a:t>
-            </a:r>
-            <a:r>
-              <a:rPr lang="en-US" baseline="0" dirty="0" err="1" smtClean="0"/>
-              <a:t>Attac</a:t>
-            </a:r>
-            <a:r>
-              <a:rPr lang="en-US" baseline="0" dirty="0" smtClean="0"/>
-              <a:t> (When to bid in each auction)</a:t>
-            </a:r>
+            <a:endParaRPr lang="en-US" baseline="0" dirty="0" smtClean="0"/>
           </a:p>
           <a:p>
             <a:r>
@@ -2065,7 +2246,7 @@
             <a:fld id="{9334D819-9F07-4261-B09B-9E467E5D9002}" type="datetimeFigureOut">
               <a:rPr lang="en-US" dirty="0"/>
               <a:pPr/>
-              <a:t>11/3/15</a:t>
+              <a:t>11/10/15</a:t>
             </a:fld>
             <a:endParaRPr lang="en-US" dirty="0"/>
           </a:p>
@@ -2299,7 +2480,7 @@
           <a:p>
             <a:fld id="{9334D819-9F07-4261-B09B-9E467E5D9002}" type="datetimeFigureOut">
               <a:rPr lang="en-US" dirty="0"/>
-              <a:t>11/3/15</a:t>
+              <a:t>11/10/15</a:t>
             </a:fld>
             <a:endParaRPr lang="en-US" dirty="0"/>
           </a:p>
@@ -2474,7 +2655,7 @@
           <a:p>
             <a:fld id="{9334D819-9F07-4261-B09B-9E467E5D9002}" type="datetimeFigureOut">
               <a:rPr lang="en-US" dirty="0"/>
-              <a:t>11/3/15</a:t>
+              <a:t>11/10/15</a:t>
             </a:fld>
             <a:endParaRPr lang="en-US" dirty="0"/>
           </a:p>
@@ -2639,7 +2820,7 @@
           <a:p>
             <a:fld id="{9334D819-9F07-4261-B09B-9E467E5D9002}" type="datetimeFigureOut">
               <a:rPr lang="en-US" dirty="0"/>
-              <a:t>11/3/15</a:t>
+              <a:t>11/10/15</a:t>
             </a:fld>
             <a:endParaRPr lang="en-US" dirty="0"/>
           </a:p>
@@ -2911,7 +3092,7 @@
             <a:fld id="{9334D819-9F07-4261-B09B-9E467E5D9002}" type="datetimeFigureOut">
               <a:rPr lang="en-US" dirty="0"/>
               <a:pPr/>
-              <a:t>11/3/15</a:t>
+              <a:t>11/10/15</a:t>
             </a:fld>
             <a:endParaRPr lang="en-US" dirty="0"/>
           </a:p>
@@ -4108,7 +4289,7 @@
           <a:p>
             <a:fld id="{9334D819-9F07-4261-B09B-9E467E5D9002}" type="datetimeFigureOut">
               <a:rPr lang="en-US" dirty="0"/>
-              <a:t>11/3/15</a:t>
+              <a:t>11/10/15</a:t>
             </a:fld>
             <a:endParaRPr lang="en-US" dirty="0"/>
           </a:p>
@@ -4493,7 +4674,7 @@
           <a:p>
             <a:fld id="{9334D819-9F07-4261-B09B-9E467E5D9002}" type="datetimeFigureOut">
               <a:rPr lang="en-US" dirty="0"/>
-              <a:t>11/3/15</a:t>
+              <a:t>11/10/15</a:t>
             </a:fld>
             <a:endParaRPr lang="en-US" dirty="0"/>
           </a:p>
@@ -4611,7 +4792,7 @@
           <a:p>
             <a:fld id="{9334D819-9F07-4261-B09B-9E467E5D9002}" type="datetimeFigureOut">
               <a:rPr lang="en-US" dirty="0"/>
-              <a:t>11/3/15</a:t>
+              <a:t>11/10/15</a:t>
             </a:fld>
             <a:endParaRPr lang="en-US" dirty="0"/>
           </a:p>
@@ -4701,7 +4882,7 @@
           <a:p>
             <a:fld id="{9334D819-9F07-4261-B09B-9E467E5D9002}" type="datetimeFigureOut">
               <a:rPr lang="en-US" dirty="0"/>
-              <a:t>11/3/15</a:t>
+              <a:t>11/10/15</a:t>
             </a:fld>
             <a:endParaRPr lang="en-US" dirty="0"/>
           </a:p>
@@ -5459,7 +5640,7 @@
           <a:p>
             <a:fld id="{9334D819-9F07-4261-B09B-9E467E5D9002}" type="datetimeFigureOut">
               <a:rPr lang="en-US" dirty="0"/>
-              <a:t>11/3/15</a:t>
+              <a:t>11/10/15</a:t>
             </a:fld>
             <a:endParaRPr lang="en-US" dirty="0"/>
           </a:p>
@@ -6294,7 +6475,7 @@
           <a:p>
             <a:fld id="{9334D819-9F07-4261-B09B-9E467E5D9002}" type="datetimeFigureOut">
               <a:rPr lang="en-US" dirty="0"/>
-              <a:t>11/3/15</a:t>
+              <a:t>11/10/15</a:t>
             </a:fld>
             <a:endParaRPr lang="en-US" dirty="0"/>
           </a:p>
@@ -6517,7 +6698,7 @@
             <a:fld id="{9334D819-9F07-4261-B09B-9E467E5D9002}" type="datetimeFigureOut">
               <a:rPr lang="en-US" dirty="0"/>
               <a:pPr/>
-              <a:t>11/3/15</a:t>
+              <a:t>11/10/15</a:t>
             </a:fld>
             <a:endParaRPr lang="en-US" dirty="0"/>
           </a:p>
@@ -8017,7 +8198,6 @@
               <a:rPr lang="en-US" dirty="0" smtClean="0"/>
               <a:t>)</a:t>
             </a:r>
-            <a:endParaRPr lang="en-US" dirty="0" smtClean="0"/>
           </a:p>
           <a:p>
             <a:r>
@@ -8119,7 +8299,6 @@
               <a:rPr lang="en-US" dirty="0" smtClean="0"/>
               <a:t>]</a:t>
             </a:r>
-            <a:endParaRPr lang="en-US" dirty="0" smtClean="0"/>
           </a:p>
         </p:txBody>
       </p:sp>
@@ -8298,15 +8477,7 @@
             <a:pPr lvl="1"/>
             <a:r>
               <a:rPr lang="en-US" dirty="0" smtClean="0"/>
-              <a:t>Didn’t factor current bids in to price calculation (e.g. </a:t>
-            </a:r>
-            <a:r>
-              <a:rPr lang="en-US" dirty="0" smtClean="0"/>
-              <a:t>could only change </a:t>
-            </a:r>
-            <a:r>
-              <a:rPr lang="en-US" dirty="0" smtClean="0"/>
-              <a:t>package when outbid).</a:t>
+              <a:t>Didn’t factor current bids in to price calculation (e.g. could only change package when outbid).</a:t>
             </a:r>
           </a:p>
           <a:p>
@@ -8319,11 +8490,7 @@
             <a:pPr lvl="1"/>
             <a:r>
               <a:rPr lang="en-US" dirty="0" smtClean="0"/>
-              <a:t>If a flight costs $800, giving package utility -200, but day before is $200 giving utility 0, should switch</a:t>
-            </a:r>
-            <a:r>
-              <a:rPr lang="en-US" dirty="0" smtClean="0"/>
-              <a:t>.</a:t>
+              <a:t>If a flight costs $800, giving package utility -200, but day before is $200 giving utility 0, should switch.</a:t>
             </a:r>
           </a:p>
           <a:p>
@@ -8891,7 +9058,6 @@
               <a:rPr lang="en-US" dirty="0" smtClean="0"/>
               <a:t>Factor flight prices in to allocation algorithm</a:t>
             </a:r>
-            <a:endParaRPr lang="en-US" dirty="0" smtClean="0"/>
           </a:p>
           <a:p>
             <a:r>
@@ -9005,7 +9171,6 @@
               <a:rPr lang="en-US" dirty="0" smtClean="0"/>
               <a:t>for FLYING WITH TAC-AIR!</a:t>
             </a:r>
-            <a:endParaRPr lang="en-US" dirty="0" smtClean="0"/>
           </a:p>
         </p:txBody>
       </p:sp>
@@ -9713,11 +9878,7 @@
             </a:r>
             <a:r>
               <a:rPr lang="en-US" sz="1800" dirty="0" smtClean="0"/>
-              <a:t>: Global optimum allocation </a:t>
-            </a:r>
-            <a:r>
-              <a:rPr lang="en-US" sz="1800" dirty="0" smtClean="0"/>
-              <a:t>algorithm</a:t>
+              <a:t>: Global optimum allocation algorithm</a:t>
             </a:r>
           </a:p>
           <a:p>
@@ -9738,7 +9899,6 @@
               <a:rPr lang="en-US" sz="1800" dirty="0" smtClean="0"/>
               <a:t>: Individual itinerary per client</a:t>
             </a:r>
-            <a:endParaRPr lang="en-US" sz="1800" dirty="0" smtClean="0"/>
           </a:p>
           <a:p>
             <a:pPr lvl="0" defTabSz="457200">
@@ -9831,11 +9991,7 @@
           <a:p>
             <a:r>
               <a:rPr lang="en-US" sz="1800" dirty="0" smtClean="0"/>
-              <a:t>[</a:t>
-            </a:r>
-            <a:r>
-              <a:rPr lang="en-US" sz="1800" dirty="0" smtClean="0"/>
-              <a:t>1] </a:t>
+              <a:t>[1] </a:t>
             </a:r>
             <a:r>
               <a:rPr lang="en-US" sz="1800" b="1" dirty="0" smtClean="0"/>
@@ -9915,11 +10071,7 @@
             </a:pPr>
             <a:r>
               <a:rPr lang="en-US" sz="1800" dirty="0" smtClean="0"/>
-              <a:t>[</a:t>
-            </a:r>
-            <a:r>
-              <a:rPr lang="en-US" sz="1800" dirty="0" smtClean="0"/>
-              <a:t>1] </a:t>
+              <a:t>[1] </a:t>
             </a:r>
             <a:r>
               <a:rPr lang="en-US" sz="1800" b="1" dirty="0" smtClean="0"/>
@@ -10247,11 +10399,7 @@
             </a:r>
             <a:r>
               <a:rPr lang="en-US" i="1" dirty="0" smtClean="0"/>
-              <a:t>[1</a:t>
-            </a:r>
-            <a:r>
-              <a:rPr lang="en-US" i="1" dirty="0" smtClean="0"/>
-              <a:t>] allocation strategy]</a:t>
+              <a:t>[1] allocation strategy]</a:t>
             </a:r>
           </a:p>
           <a:p>
@@ -10273,26 +10421,14 @@
             </a:r>
             <a:r>
               <a:rPr lang="en-US" dirty="0" smtClean="0"/>
-              <a:t>– uses current cost, sell pric</a:t>
-            </a:r>
-            <a:r>
-              <a:rPr lang="en-US" dirty="0" smtClean="0"/>
-              <a:t>e,</a:t>
-            </a:r>
-            <a:r>
-              <a:rPr lang="en-US" dirty="0" smtClean="0"/>
-              <a:t> items owned and utility</a:t>
+              <a:t>– uses current cost, sell price, items owned and utility</a:t>
             </a:r>
           </a:p>
           <a:p>
             <a:pPr lvl="1"/>
             <a:r>
               <a:rPr lang="en-US" b="1" dirty="0" smtClean="0"/>
-              <a:t>Switches between </a:t>
-            </a:r>
-            <a:r>
-              <a:rPr lang="en-US" b="1" dirty="0" smtClean="0"/>
-              <a:t>Good and Cheap </a:t>
+              <a:t>Switches between Good and Cheap </a:t>
             </a:r>
             <a:r>
               <a:rPr lang="en-US" dirty="0" smtClean="0"/>
@@ -10568,7 +10704,6 @@
               <a:rPr lang="en-US" dirty="0" smtClean="0"/>
               <a:t>)</a:t>
             </a:r>
-            <a:endParaRPr lang="en-US" dirty="0" smtClean="0"/>
           </a:p>
           <a:p>
             <a:r>
@@ -10630,7 +10765,6 @@
               <a:rPr lang="en-US" dirty="0" smtClean="0"/>
               <a:t>but update expected allocation</a:t>
             </a:r>
-            <a:endParaRPr lang="en-US" dirty="0" smtClean="0"/>
           </a:p>
           <a:p>
             <a:r>
@@ -10892,11 +11026,7 @@
             </a:r>
             <a:r>
               <a:rPr lang="en-US" dirty="0" smtClean="0"/>
-              <a:t>– Place bids </a:t>
-            </a:r>
-            <a:r>
-              <a:rPr lang="en-US" dirty="0" smtClean="0"/>
-              <a:t>on flights based on which package each client ended up with</a:t>
+              <a:t>– Place bids on flights based on which package each client ended up with</a:t>
             </a:r>
           </a:p>
           <a:p>
@@ -11567,4 +11697,265 @@
     </a:ext>
   </a:extLst>
 </a:theme>
+</file>
+
+<file path=ppt/theme/theme3.xml><?xml version="1.0" encoding="utf-8"?>
+<a:theme xmlns:a="http://schemas.openxmlformats.org/drawingml/2006/main" name="Office Theme">
+  <a:themeElements>
+    <a:clrScheme name="Office">
+      <a:dk1>
+        <a:sysClr val="windowText" lastClr="000000"/>
+      </a:dk1>
+      <a:lt1>
+        <a:sysClr val="window" lastClr="FFFFFF"/>
+      </a:lt1>
+      <a:dk2>
+        <a:srgbClr val="44546A"/>
+      </a:dk2>
+      <a:lt2>
+        <a:srgbClr val="E7E6E6"/>
+      </a:lt2>
+      <a:accent1>
+        <a:srgbClr val="5B9BD5"/>
+      </a:accent1>
+      <a:accent2>
+        <a:srgbClr val="ED7D31"/>
+      </a:accent2>
+      <a:accent3>
+        <a:srgbClr val="A5A5A5"/>
+      </a:accent3>
+      <a:accent4>
+        <a:srgbClr val="FFC000"/>
+      </a:accent4>
+      <a:accent5>
+        <a:srgbClr val="4472C4"/>
+      </a:accent5>
+      <a:accent6>
+        <a:srgbClr val="70AD47"/>
+      </a:accent6>
+      <a:hlink>
+        <a:srgbClr val="0563C1"/>
+      </a:hlink>
+      <a:folHlink>
+        <a:srgbClr val="954F72"/>
+      </a:folHlink>
+    </a:clrScheme>
+    <a:fontScheme name="Office">
+      <a:majorFont>
+        <a:latin typeface="Calibri Light" panose="020F0302020204030204"/>
+        <a:ea typeface=""/>
+        <a:cs typeface=""/>
+        <a:font script="Jpan" typeface="Yu Gothic Light"/>
+        <a:font script="Hang" typeface="맑은 고딕"/>
+        <a:font script="Hans" typeface="DengXian Light"/>
+        <a:font script="Hant" typeface="新細明體"/>
+        <a:font script="Arab" typeface="Times New Roman"/>
+        <a:font script="Hebr" typeface="Times New Roman"/>
+        <a:font script="Thai" typeface="Angsana New"/>
+        <a:font script="Ethi" typeface="Nyala"/>
+        <a:font script="Beng" typeface="Vrinda"/>
+        <a:font script="Gujr" typeface="Shruti"/>
+        <a:font script="Khmr" typeface="MoolBoran"/>
+        <a:font script="Knda" typeface="Tunga"/>
+        <a:font script="Guru" typeface="Raavi"/>
+        <a:font script="Cans" typeface="Euphemia"/>
+        <a:font script="Cher" typeface="Plantagenet Cherokee"/>
+        <a:font script="Yiii" typeface="Microsoft Yi Baiti"/>
+        <a:font script="Tibt" typeface="Microsoft Himalaya"/>
+        <a:font script="Thaa" typeface="MV Boli"/>
+        <a:font script="Deva" typeface="Mangal"/>
+        <a:font script="Telu" typeface="Gautami"/>
+        <a:font script="Taml" typeface="Latha"/>
+        <a:font script="Syrc" typeface="Estrangelo Edessa"/>
+        <a:font script="Orya" typeface="Kalinga"/>
+        <a:font script="Mlym" typeface="Kartika"/>
+        <a:font script="Laoo" typeface="DokChampa"/>
+        <a:font script="Sinh" typeface="Iskoola Pota"/>
+        <a:font script="Mong" typeface="Mongolian Baiti"/>
+        <a:font script="Viet" typeface="Times New Roman"/>
+        <a:font script="Uigh" typeface="Microsoft Uighur"/>
+        <a:font script="Geor" typeface="Sylfaen"/>
+      </a:majorFont>
+      <a:minorFont>
+        <a:latin typeface="Calibri" panose="020F0502020204030204"/>
+        <a:ea typeface=""/>
+        <a:cs typeface=""/>
+        <a:font script="Jpan" typeface="Yu Gothic"/>
+        <a:font script="Hang" typeface="맑은 고딕"/>
+        <a:font script="Hans" typeface="DengXian"/>
+        <a:font script="Hant" typeface="新細明體"/>
+        <a:font script="Arab" typeface="Arial"/>
+        <a:font script="Hebr" typeface="Arial"/>
+        <a:font script="Thai" typeface="Cordia New"/>
+        <a:font script="Ethi" typeface="Nyala"/>
+        <a:font script="Beng" typeface="Vrinda"/>
+        <a:font script="Gujr" typeface="Shruti"/>
+        <a:font script="Khmr" typeface="DaunPenh"/>
+        <a:font script="Knda" typeface="Tunga"/>
+        <a:font script="Guru" typeface="Raavi"/>
+        <a:font script="Cans" typeface="Euphemia"/>
+        <a:font script="Cher" typeface="Plantagenet Cherokee"/>
+        <a:font script="Yiii" typeface="Microsoft Yi Baiti"/>
+        <a:font script="Tibt" typeface="Microsoft Himalaya"/>
+        <a:font script="Thaa" typeface="MV Boli"/>
+        <a:font script="Deva" typeface="Mangal"/>
+        <a:font script="Telu" typeface="Gautami"/>
+        <a:font script="Taml" typeface="Latha"/>
+        <a:font script="Syrc" typeface="Estrangelo Edessa"/>
+        <a:font script="Orya" typeface="Kalinga"/>
+        <a:font script="Mlym" typeface="Kartika"/>
+        <a:font script="Laoo" typeface="DokChampa"/>
+        <a:font script="Sinh" typeface="Iskoola Pota"/>
+        <a:font script="Mong" typeface="Mongolian Baiti"/>
+        <a:font script="Viet" typeface="Arial"/>
+        <a:font script="Uigh" typeface="Microsoft Uighur"/>
+        <a:font script="Geor" typeface="Sylfaen"/>
+      </a:minorFont>
+    </a:fontScheme>
+    <a:fmtScheme name="Office">
+      <a:fillStyleLst>
+        <a:solidFill>
+          <a:schemeClr val="phClr"/>
+        </a:solidFill>
+        <a:gradFill rotWithShape="1">
+          <a:gsLst>
+            <a:gs pos="0">
+              <a:schemeClr val="phClr">
+                <a:lumMod val="110000"/>
+                <a:satMod val="105000"/>
+                <a:tint val="67000"/>
+              </a:schemeClr>
+            </a:gs>
+            <a:gs pos="50000">
+              <a:schemeClr val="phClr">
+                <a:lumMod val="105000"/>
+                <a:satMod val="103000"/>
+                <a:tint val="73000"/>
+              </a:schemeClr>
+            </a:gs>
+            <a:gs pos="100000">
+              <a:schemeClr val="phClr">
+                <a:lumMod val="105000"/>
+                <a:satMod val="109000"/>
+                <a:tint val="81000"/>
+              </a:schemeClr>
+            </a:gs>
+          </a:gsLst>
+          <a:lin ang="5400000" scaled="0"/>
+        </a:gradFill>
+        <a:gradFill rotWithShape="1">
+          <a:gsLst>
+            <a:gs pos="0">
+              <a:schemeClr val="phClr">
+                <a:satMod val="103000"/>
+                <a:lumMod val="102000"/>
+                <a:tint val="94000"/>
+              </a:schemeClr>
+            </a:gs>
+            <a:gs pos="50000">
+              <a:schemeClr val="phClr">
+                <a:satMod val="110000"/>
+                <a:lumMod val="100000"/>
+                <a:shade val="100000"/>
+              </a:schemeClr>
+            </a:gs>
+            <a:gs pos="100000">
+              <a:schemeClr val="phClr">
+                <a:lumMod val="99000"/>
+                <a:satMod val="120000"/>
+                <a:shade val="78000"/>
+              </a:schemeClr>
+            </a:gs>
+          </a:gsLst>
+          <a:lin ang="5400000" scaled="0"/>
+        </a:gradFill>
+      </a:fillStyleLst>
+      <a:lnStyleLst>
+        <a:ln w="6350" cap="flat" cmpd="sng" algn="ctr">
+          <a:solidFill>
+            <a:schemeClr val="phClr"/>
+          </a:solidFill>
+          <a:prstDash val="solid"/>
+          <a:miter lim="800000"/>
+        </a:ln>
+        <a:ln w="12700" cap="flat" cmpd="sng" algn="ctr">
+          <a:solidFill>
+            <a:schemeClr val="phClr"/>
+          </a:solidFill>
+          <a:prstDash val="solid"/>
+          <a:miter lim="800000"/>
+        </a:ln>
+        <a:ln w="19050" cap="flat" cmpd="sng" algn="ctr">
+          <a:solidFill>
+            <a:schemeClr val="phClr"/>
+          </a:solidFill>
+          <a:prstDash val="solid"/>
+          <a:miter lim="800000"/>
+        </a:ln>
+      </a:lnStyleLst>
+      <a:effectStyleLst>
+        <a:effectStyle>
+          <a:effectLst/>
+        </a:effectStyle>
+        <a:effectStyle>
+          <a:effectLst/>
+        </a:effectStyle>
+        <a:effectStyle>
+          <a:effectLst>
+            <a:outerShdw blurRad="57150" dist="19050" dir="5400000" algn="ctr" rotWithShape="0">
+              <a:srgbClr val="000000">
+                <a:alpha val="63000"/>
+              </a:srgbClr>
+            </a:outerShdw>
+          </a:effectLst>
+        </a:effectStyle>
+      </a:effectStyleLst>
+      <a:bgFillStyleLst>
+        <a:solidFill>
+          <a:schemeClr val="phClr"/>
+        </a:solidFill>
+        <a:solidFill>
+          <a:schemeClr val="phClr">
+            <a:tint val="95000"/>
+            <a:satMod val="170000"/>
+          </a:schemeClr>
+        </a:solidFill>
+        <a:gradFill rotWithShape="1">
+          <a:gsLst>
+            <a:gs pos="0">
+              <a:schemeClr val="phClr">
+                <a:tint val="93000"/>
+                <a:satMod val="150000"/>
+                <a:shade val="98000"/>
+                <a:lumMod val="102000"/>
+              </a:schemeClr>
+            </a:gs>
+            <a:gs pos="50000">
+              <a:schemeClr val="phClr">
+                <a:tint val="98000"/>
+                <a:satMod val="130000"/>
+                <a:shade val="90000"/>
+                <a:lumMod val="103000"/>
+              </a:schemeClr>
+            </a:gs>
+            <a:gs pos="100000">
+              <a:schemeClr val="phClr">
+                <a:shade val="63000"/>
+                <a:satMod val="120000"/>
+              </a:schemeClr>
+            </a:gs>
+          </a:gsLst>
+          <a:lin ang="5400000" scaled="0"/>
+        </a:gradFill>
+      </a:bgFillStyleLst>
+    </a:fmtScheme>
+  </a:themeElements>
+  <a:objectDefaults/>
+  <a:extraClrSchemeLst/>
+  <a:extLst>
+    <a:ext uri="{05A4C25C-085E-4340-85A3-A5531E510DB2}">
+      <thm15:themeFamily xmlns:thm15="http://schemas.microsoft.com/office/thememl/2012/main" name="Office Theme" id="{62F939B6-93AF-4DB8-9C6B-D6C7DFDC589F}" vid="{4A3C46E8-61CC-4603-A589-7422A47A8E4A}"/>
+    </a:ext>
+  </a:extLst>
+</a:theme>
 </file>